--- a/slides/slides left out.pptx
+++ b/slides/slides left out.pptx
@@ -10,6 +10,7 @@
     <p:sldId id="259" r:id="rId4"/>
     <p:sldId id="260" r:id="rId5"/>
     <p:sldId id="261" r:id="rId6"/>
+    <p:sldId id="262" r:id="rId7"/>
   </p:sldIdLst>
   <p:sldSz cx="12192000" cy="6858000"/>
   <p:notesSz cx="6858000" cy="9144000"/>
@@ -108,6 +109,11 @@
       </a:defRPr>
     </a:lvl9pPr>
   </p:defaultTextStyle>
+  <p:extLst>
+    <p:ext uri="{EFAFB233-063F-42B5-8137-9DF3F51BA10A}">
+      <p15:sldGuideLst xmlns:p15="http://schemas.microsoft.com/office/powerpoint/2012/main"/>
+    </p:ext>
+  </p:extLst>
 </p:presentation>
 </file>
 
@@ -229,7 +235,7 @@
             <a:fld id="{93F21019-3A00-48AC-9663-40DF67A83229}" type="datetime1">
               <a:rPr lang="en-US"/>
               <a:pPr/>
-              <a:t>12/3/2018</a:t>
+              <a:t>12/14/2018</a:t>
             </a:fld>
             <a:endParaRPr lang="en-US">
               <a:solidFill>
@@ -425,7 +431,7 @@
             <a:fld id="{8B2EF9C8-0AC3-4A53-9A61-1834A571F420}" type="datetime1">
               <a:rPr lang="en-US"/>
               <a:pPr/>
-              <a:t>12/3/2018</a:t>
+              <a:t>12/14/2018</a:t>
             </a:fld>
             <a:endParaRPr lang="en-US" sz="1400">
               <a:solidFill>
@@ -627,7 +633,7 @@
             <a:fld id="{F02960F3-A385-4905-A491-FDC17E063DD1}" type="datetime1">
               <a:rPr lang="en-US"/>
               <a:pPr/>
-              <a:t>12/3/2018</a:t>
+              <a:t>12/14/2018</a:t>
             </a:fld>
             <a:endParaRPr lang="en-US" sz="1400">
               <a:solidFill>
@@ -891,7 +897,7 @@
             <a:fld id="{CD3AD70A-8E2A-47B5-AC18-ABBB5A8E737D}" type="datetime1">
               <a:rPr lang="en-US"/>
               <a:pPr/>
-              <a:t>12/3/2018</a:t>
+              <a:t>12/14/2018</a:t>
             </a:fld>
             <a:endParaRPr lang="en-US" sz="1400">
               <a:solidFill>
@@ -1132,7 +1138,7 @@
             <a:fld id="{07008C2E-9BD6-496B-BFC3-B4A975EBC85E}" type="datetime1">
               <a:rPr lang="en-US"/>
               <a:pPr/>
-              <a:t>12/3/2018</a:t>
+              <a:t>12/14/2018</a:t>
             </a:fld>
             <a:endParaRPr lang="en-US" sz="1400">
               <a:solidFill>
@@ -1316,7 +1322,7 @@
             <a:fld id="{1AA2C3CF-866C-4FDE-B76D-4E9536901630}" type="datetime1">
               <a:rPr lang="en-US"/>
               <a:pPr/>
-              <a:t>12/3/2018</a:t>
+              <a:t>12/14/2018</a:t>
             </a:fld>
             <a:endParaRPr lang="en-US" sz="1400">
               <a:solidFill>
@@ -1500,7 +1506,7 @@
             <a:fld id="{555EE259-FE08-4558-B721-B189FFE77284}" type="datetime1">
               <a:rPr lang="en-US"/>
               <a:pPr/>
-              <a:t>12/3/2018</a:t>
+              <a:t>12/14/2018</a:t>
             </a:fld>
             <a:endParaRPr lang="en-US" sz="1400">
               <a:solidFill>
@@ -1774,7 +1780,7 @@
             <a:fld id="{0AF4064E-5624-49AB-B7C6-E301A8F6B1FF}" type="datetime1">
               <a:rPr lang="en-US"/>
               <a:pPr/>
-              <a:t>12/3/2018</a:t>
+              <a:t>12/14/2018</a:t>
             </a:fld>
             <a:endParaRPr lang="en-US" sz="1400">
               <a:solidFill>
@@ -1976,7 +1982,7 @@
             <a:fld id="{CBC97FCD-6C54-4833-B032-BFBCDFA8379D}" type="datetime1">
               <a:rPr lang="en-US"/>
               <a:pPr/>
-              <a:t>12/3/2018</a:t>
+              <a:t>12/14/2018</a:t>
             </a:fld>
             <a:endParaRPr lang="en-US" sz="1400">
               <a:solidFill>
@@ -2190,7 +2196,7 @@
             <a:fld id="{F04AA577-515A-431F-98B6-3B03494ABB11}" type="datetime1">
               <a:rPr lang="en-US"/>
               <a:pPr/>
-              <a:t>12/3/2018</a:t>
+              <a:t>12/14/2018</a:t>
             </a:fld>
             <a:endParaRPr lang="en-US" sz="1400">
               <a:solidFill>
@@ -2500,7 +2506,7 @@
             <a:fld id="{6475F1A4-C474-4345-A800-2F40B0E4E70C}" type="datetime1">
               <a:rPr lang="en-US"/>
               <a:pPr/>
-              <a:t>12/3/2018</a:t>
+              <a:t>12/14/2018</a:t>
             </a:fld>
             <a:endParaRPr lang="en-US" sz="1400">
               <a:solidFill>
@@ -2949,7 +2955,7 @@
             <a:fld id="{7BA535AB-820E-4207-9DA8-5F37106C7AF4}" type="datetime1">
               <a:rPr lang="en-US"/>
               <a:pPr/>
-              <a:t>12/3/2018</a:t>
+              <a:t>12/14/2018</a:t>
             </a:fld>
             <a:endParaRPr lang="en-US" sz="1400">
               <a:solidFill>
@@ -3089,7 +3095,7 @@
             <a:fld id="{0A7E69FA-D7EE-42C0-9117-1971B541885F}" type="datetime1">
               <a:rPr lang="en-US"/>
               <a:pPr/>
-              <a:t>12/3/2018</a:t>
+              <a:t>12/14/2018</a:t>
             </a:fld>
             <a:endParaRPr lang="en-US" sz="1400">
               <a:solidFill>
@@ -3206,7 +3212,7 @@
             <a:fld id="{10D7644E-1B5D-4325-BA79-338DF2B89B56}" type="datetime1">
               <a:rPr lang="en-US"/>
               <a:pPr/>
-              <a:t>12/3/2018</a:t>
+              <a:t>12/14/2018</a:t>
             </a:fld>
             <a:endParaRPr lang="en-US" sz="1400">
               <a:solidFill>
@@ -3505,7 +3511,7 @@
             <a:fld id="{B790C882-0B74-4932-8998-E9ABB8AF1740}" type="datetime1">
               <a:rPr lang="en-US"/>
               <a:pPr/>
-              <a:t>12/3/2018</a:t>
+              <a:t>12/14/2018</a:t>
             </a:fld>
             <a:endParaRPr lang="en-US" sz="1400">
               <a:solidFill>
@@ -3780,7 +3786,7 @@
             <a:fld id="{9DC585DC-AE7D-44C1-90AB-C3A391DEA065}" type="datetime1">
               <a:rPr lang="en-US"/>
               <a:pPr/>
-              <a:t>12/3/2018</a:t>
+              <a:t>12/14/2018</a:t>
             </a:fld>
             <a:endParaRPr lang="en-US" sz="1400">
               <a:solidFill>
@@ -4049,7 +4055,7 @@
             <a:fld id="{256CE565-1940-4E5F-9190-C0815CEAAA9D}" type="datetime1">
               <a:rPr lang="en-US"/>
               <a:pPr/>
-              <a:t>12/3/2018</a:t>
+              <a:t>12/14/2018</a:t>
             </a:fld>
             <a:endParaRPr lang="en-US"/>
           </a:p>
@@ -4683,14 +4689,7 @@
                 <a:latin typeface="Courier New" panose="02070309020205020404" pitchFamily="49" charset="0"/>
                 <a:cs typeface="Courier New" panose="02070309020205020404" pitchFamily="49" charset="0"/>
               </a:rPr>
-              <a:t> </a:t>
-            </a:r>
-            <a:r>
-              <a:rPr lang="nl-NL" sz="1800" dirty="0">
-                <a:latin typeface="Courier New" panose="02070309020205020404" pitchFamily="49" charset="0"/>
-                <a:cs typeface="Courier New" panose="02070309020205020404" pitchFamily="49" charset="0"/>
-              </a:rPr>
-              <a:t>Notebook: sampling</a:t>
+              <a:t> Notebook: sampling</a:t>
             </a:r>
           </a:p>
           <a:p>
@@ -5664,7 +5663,6 @@
               <a:rPr lang="nl-NL" sz="2800" dirty="0"/>
               <a:t>?</a:t>
             </a:r>
-            <a:endParaRPr lang="nl-NL" sz="2800" dirty="0"/>
           </a:p>
         </p:txBody>
       </p:sp>
@@ -6203,6 +6201,472 @@
       </p:par>
     </p:tnLst>
   </p:timing>
+</p:sld>
+</file>
+
+<file path=ppt/slides/slide6.xml><?xml version="1.0" encoding="utf-8"?>
+<p:sld xmlns:a="http://schemas.openxmlformats.org/drawingml/2006/main" xmlns:r="http://schemas.openxmlformats.org/officeDocument/2006/relationships" xmlns:p="http://schemas.openxmlformats.org/presentationml/2006/main">
+  <p:cSld>
+    <p:spTree>
+      <p:nvGrpSpPr>
+        <p:cNvPr id="1" name=""/>
+        <p:cNvGrpSpPr/>
+        <p:nvPr/>
+      </p:nvGrpSpPr>
+      <p:grpSpPr>
+        <a:xfrm>
+          <a:off x="0" y="0"/>
+          <a:ext cx="0" cy="0"/>
+          <a:chOff x="0" y="0"/>
+          <a:chExt cx="0" cy="0"/>
+        </a:xfrm>
+      </p:grpSpPr>
+      <p:sp>
+        <p:nvSpPr>
+          <p:cNvPr id="2" name="Titel 1"/>
+          <p:cNvSpPr>
+            <a:spLocks noGrp="1"/>
+          </p:cNvSpPr>
+          <p:nvPr>
+            <p:ph type="title"/>
+          </p:nvPr>
+        </p:nvSpPr>
+        <p:spPr>
+          <a:xfrm>
+            <a:off x="2362200" y="234932"/>
+            <a:ext cx="6172200" cy="954107"/>
+          </a:xfrm>
+        </p:spPr>
+        <p:txBody>
+          <a:bodyPr/>
+          <a:lstStyle/>
+          <a:p>
+            <a:r>
+              <a:rPr lang="nl-NL" sz="2800" dirty="0" err="1"/>
+              <a:t>Example</a:t>
+            </a:r>
+            <a:r>
+              <a:rPr lang="nl-NL" sz="2800" dirty="0"/>
+              <a:t> </a:t>
+            </a:r>
+            <a:r>
+              <a:rPr lang="nl-NL" sz="2800" dirty="0" err="1"/>
+              <a:t>algorithms</a:t>
+            </a:r>
+            <a:r>
+              <a:rPr lang="nl-NL" sz="2800" dirty="0"/>
+              <a:t> </a:t>
+            </a:r>
+            <a:r>
+              <a:rPr lang="nl-NL" sz="2800" dirty="0" err="1"/>
+              <a:t>and</a:t>
+            </a:r>
+            <a:r>
+              <a:rPr lang="nl-NL" sz="2800" dirty="0"/>
+              <a:t> </a:t>
+            </a:r>
+            <a:r>
+              <a:rPr lang="nl-NL" sz="2800" dirty="0" err="1"/>
+              <a:t>applications</a:t>
+            </a:r>
+            <a:endParaRPr lang="nl-NL" sz="2800" dirty="0"/>
+          </a:p>
+        </p:txBody>
+      </p:sp>
+      <p:pic>
+        <p:nvPicPr>
+          <p:cNvPr id="4" name="Tijdelijke aanduiding voor inhoud 3"/>
+          <p:cNvPicPr>
+            <a:picLocks noGrp="1" noChangeAspect="1"/>
+          </p:cNvPicPr>
+          <p:nvPr>
+            <p:ph idx="1"/>
+          </p:nvPr>
+        </p:nvPicPr>
+        <p:blipFill>
+          <a:blip r:embed="rId2" cstate="print">
+            <a:extLst>
+              <a:ext uri="{28A0092B-C50C-407E-A947-70E740481C1C}">
+                <a14:useLocalDpi xmlns:a14="http://schemas.microsoft.com/office/drawing/2010/main" val="0"/>
+              </a:ext>
+            </a:extLst>
+          </a:blip>
+          <a:stretch>
+            <a:fillRect/>
+          </a:stretch>
+        </p:blipFill>
+        <p:spPr>
+          <a:xfrm>
+            <a:off x="2976233" y="1757074"/>
+            <a:ext cx="1612979" cy="1440160"/>
+          </a:xfrm>
+        </p:spPr>
+      </p:pic>
+      <p:pic>
+        <p:nvPicPr>
+          <p:cNvPr id="5" name="Afbeelding 4"/>
+          <p:cNvPicPr>
+            <a:picLocks noChangeAspect="1"/>
+          </p:cNvPicPr>
+          <p:nvPr/>
+        </p:nvPicPr>
+        <p:blipFill>
+          <a:blip r:embed="rId3" cstate="print">
+            <a:extLst>
+              <a:ext uri="{28A0092B-C50C-407E-A947-70E740481C1C}">
+                <a14:useLocalDpi xmlns:a14="http://schemas.microsoft.com/office/drawing/2010/main" val="0"/>
+              </a:ext>
+            </a:extLst>
+          </a:blip>
+          <a:stretch>
+            <a:fillRect/>
+          </a:stretch>
+        </p:blipFill>
+        <p:spPr>
+          <a:xfrm>
+            <a:off x="7040907" y="1951613"/>
+            <a:ext cx="2182592" cy="1326457"/>
+          </a:xfrm>
+          <a:prstGeom prst="rect">
+            <a:avLst/>
+          </a:prstGeom>
+        </p:spPr>
+      </p:pic>
+      <p:pic>
+        <p:nvPicPr>
+          <p:cNvPr id="6" name="Afbeelding 5"/>
+          <p:cNvPicPr>
+            <a:picLocks noChangeAspect="1"/>
+          </p:cNvPicPr>
+          <p:nvPr/>
+        </p:nvPicPr>
+        <p:blipFill>
+          <a:blip r:embed="rId4">
+            <a:extLst>
+              <a:ext uri="{28A0092B-C50C-407E-A947-70E740481C1C}">
+                <a14:useLocalDpi xmlns:a14="http://schemas.microsoft.com/office/drawing/2010/main" val="0"/>
+              </a:ext>
+            </a:extLst>
+          </a:blip>
+          <a:stretch>
+            <a:fillRect/>
+          </a:stretch>
+        </p:blipFill>
+        <p:spPr>
+          <a:xfrm>
+            <a:off x="3010839" y="5182201"/>
+            <a:ext cx="1578373" cy="1427710"/>
+          </a:xfrm>
+          <a:prstGeom prst="rect">
+            <a:avLst/>
+          </a:prstGeom>
+        </p:spPr>
+      </p:pic>
+      <p:pic>
+        <p:nvPicPr>
+          <p:cNvPr id="7" name="Afbeelding 6"/>
+          <p:cNvPicPr>
+            <a:picLocks noChangeAspect="1"/>
+          </p:cNvPicPr>
+          <p:nvPr/>
+        </p:nvPicPr>
+        <p:blipFill>
+          <a:blip r:embed="rId5" cstate="print">
+            <a:extLst>
+              <a:ext uri="{28A0092B-C50C-407E-A947-70E740481C1C}">
+                <a14:useLocalDpi xmlns:a14="http://schemas.microsoft.com/office/drawing/2010/main" val="0"/>
+              </a:ext>
+            </a:extLst>
+          </a:blip>
+          <a:stretch>
+            <a:fillRect/>
+          </a:stretch>
+        </p:blipFill>
+        <p:spPr>
+          <a:xfrm>
+            <a:off x="2811556" y="3448367"/>
+            <a:ext cx="1976937" cy="1482703"/>
+          </a:xfrm>
+          <a:prstGeom prst="rect">
+            <a:avLst/>
+          </a:prstGeom>
+        </p:spPr>
+      </p:pic>
+      <p:pic>
+        <p:nvPicPr>
+          <p:cNvPr id="8" name="Afbeelding 7"/>
+          <p:cNvPicPr>
+            <a:picLocks noChangeAspect="1"/>
+          </p:cNvPicPr>
+          <p:nvPr/>
+        </p:nvPicPr>
+        <p:blipFill rotWithShape="1">
+          <a:blip r:embed="rId6"/>
+          <a:srcRect t="17262" b="10010"/>
+          <a:stretch/>
+        </p:blipFill>
+        <p:spPr>
+          <a:xfrm>
+            <a:off x="7680176" y="3599487"/>
+            <a:ext cx="2828886" cy="1152129"/>
+          </a:xfrm>
+          <a:prstGeom prst="rect">
+            <a:avLst/>
+          </a:prstGeom>
+        </p:spPr>
+      </p:pic>
+      <p:sp>
+        <p:nvSpPr>
+          <p:cNvPr id="9" name="Tekstvak 8"/>
+          <p:cNvSpPr txBox="1"/>
+          <p:nvPr/>
+        </p:nvSpPr>
+        <p:spPr>
+          <a:xfrm>
+            <a:off x="4981285" y="2215545"/>
+            <a:ext cx="1667548" cy="1200329"/>
+          </a:xfrm>
+          <a:prstGeom prst="rect">
+            <a:avLst/>
+          </a:prstGeom>
+          <a:noFill/>
+        </p:spPr>
+        <p:txBody>
+          <a:bodyPr wrap="square" rtlCol="0">
+            <a:spAutoFit/>
+          </a:bodyPr>
+          <a:lstStyle/>
+          <a:p>
+            <a:r>
+              <a:rPr lang="nl-NL" dirty="0">
+                <a:hlinkClick r:id="rId7"/>
+              </a:rPr>
+              <a:t>Neural </a:t>
+            </a:r>
+            <a:r>
+              <a:rPr lang="nl-NL" dirty="0" err="1">
+                <a:hlinkClick r:id="rId7"/>
+              </a:rPr>
+              <a:t>network</a:t>
+            </a:r>
+            <a:r>
+              <a:rPr lang="nl-NL" dirty="0">
+                <a:hlinkClick r:id="rId7"/>
+              </a:rPr>
+              <a:t> (</a:t>
+            </a:r>
+            <a:r>
+              <a:rPr lang="nl-NL" dirty="0" err="1">
+                <a:hlinkClick r:id="rId7"/>
+              </a:rPr>
+              <a:t>deep</a:t>
+            </a:r>
+            <a:r>
+              <a:rPr lang="nl-NL" dirty="0">
+                <a:hlinkClick r:id="rId7"/>
+              </a:rPr>
+              <a:t> </a:t>
+            </a:r>
+            <a:r>
+              <a:rPr lang="nl-NL" dirty="0" err="1">
+                <a:hlinkClick r:id="rId7"/>
+              </a:rPr>
+              <a:t>learning</a:t>
+            </a:r>
+            <a:r>
+              <a:rPr lang="nl-NL" dirty="0">
+                <a:hlinkClick r:id="rId7"/>
+              </a:rPr>
+              <a:t>)</a:t>
+            </a:r>
+          </a:p>
+          <a:p>
+            <a:r>
+              <a:rPr lang="nl-NL" dirty="0" err="1">
+                <a:hlinkClick r:id="rId7"/>
+              </a:rPr>
+              <a:t>playground</a:t>
+            </a:r>
+            <a:endParaRPr lang="nl-NL" dirty="0"/>
+          </a:p>
+        </p:txBody>
+      </p:sp>
+      <p:pic>
+        <p:nvPicPr>
+          <p:cNvPr id="10" name="Afbeelding 9"/>
+          <p:cNvPicPr>
+            <a:picLocks noChangeAspect="1"/>
+          </p:cNvPicPr>
+          <p:nvPr/>
+        </p:nvPicPr>
+        <p:blipFill>
+          <a:blip r:embed="rId8" cstate="print">
+            <a:extLst>
+              <a:ext uri="{28A0092B-C50C-407E-A947-70E740481C1C}">
+                <a14:useLocalDpi xmlns:a14="http://schemas.microsoft.com/office/drawing/2010/main" val="0"/>
+              </a:ext>
+            </a:extLst>
+          </a:blip>
+          <a:stretch>
+            <a:fillRect/>
+          </a:stretch>
+        </p:blipFill>
+        <p:spPr>
+          <a:xfrm>
+            <a:off x="7392144" y="5164661"/>
+            <a:ext cx="1619250" cy="1074420"/>
+          </a:xfrm>
+          <a:prstGeom prst="rect">
+            <a:avLst/>
+          </a:prstGeom>
+        </p:spPr>
+      </p:pic>
+      <p:sp>
+        <p:nvSpPr>
+          <p:cNvPr id="11" name="Rechthoek 10"/>
+          <p:cNvSpPr/>
+          <p:nvPr/>
+        </p:nvSpPr>
+        <p:spPr>
+          <a:xfrm>
+            <a:off x="3284497" y="1352053"/>
+            <a:ext cx="1274708" cy="369332"/>
+          </a:xfrm>
+          <a:prstGeom prst="rect">
+            <a:avLst/>
+          </a:prstGeom>
+        </p:spPr>
+        <p:txBody>
+          <a:bodyPr wrap="none">
+            <a:spAutoFit/>
+          </a:bodyPr>
+          <a:lstStyle/>
+          <a:p>
+            <a:r>
+              <a:rPr lang="nl-NL" dirty="0" err="1"/>
+              <a:t>Algorithms</a:t>
+            </a:r>
+            <a:endParaRPr lang="nl-NL" dirty="0"/>
+          </a:p>
+        </p:txBody>
+      </p:sp>
+      <p:sp>
+        <p:nvSpPr>
+          <p:cNvPr id="12" name="Rechthoek 11"/>
+          <p:cNvSpPr/>
+          <p:nvPr/>
+        </p:nvSpPr>
+        <p:spPr>
+          <a:xfrm>
+            <a:off x="7943342" y="1304433"/>
+            <a:ext cx="1428596" cy="369332"/>
+          </a:xfrm>
+          <a:prstGeom prst="rect">
+            <a:avLst/>
+          </a:prstGeom>
+        </p:spPr>
+        <p:txBody>
+          <a:bodyPr wrap="none">
+            <a:spAutoFit/>
+          </a:bodyPr>
+          <a:lstStyle/>
+          <a:p>
+            <a:r>
+              <a:rPr lang="nl-NL" dirty="0"/>
+              <a:t>Applications</a:t>
+            </a:r>
+            <a:endParaRPr lang="nl-NL" dirty="0"/>
+          </a:p>
+        </p:txBody>
+      </p:sp>
+      <p:sp>
+        <p:nvSpPr>
+          <p:cNvPr id="13" name="Rechthoek 12"/>
+          <p:cNvSpPr/>
+          <p:nvPr/>
+        </p:nvSpPr>
+        <p:spPr>
+          <a:xfrm>
+            <a:off x="4981286" y="3897485"/>
+            <a:ext cx="1774845" cy="369332"/>
+          </a:xfrm>
+          <a:prstGeom prst="rect">
+            <a:avLst/>
+          </a:prstGeom>
+        </p:spPr>
+        <p:txBody>
+          <a:bodyPr wrap="none">
+            <a:spAutoFit/>
+          </a:bodyPr>
+          <a:lstStyle/>
+          <a:p>
+            <a:r>
+              <a:rPr lang="nl-NL" dirty="0"/>
+              <a:t>Random </a:t>
+            </a:r>
+            <a:r>
+              <a:rPr lang="nl-NL" dirty="0" err="1"/>
+              <a:t>Forest</a:t>
+            </a:r>
+            <a:endParaRPr lang="nl-NL" dirty="0"/>
+          </a:p>
+        </p:txBody>
+      </p:sp>
+      <p:sp>
+        <p:nvSpPr>
+          <p:cNvPr id="14" name="Rechthoek 13"/>
+          <p:cNvSpPr/>
+          <p:nvPr/>
+        </p:nvSpPr>
+        <p:spPr>
+          <a:xfrm>
+            <a:off x="4981286" y="5701871"/>
+            <a:ext cx="2108269" cy="369332"/>
+          </a:xfrm>
+          <a:prstGeom prst="rect">
+            <a:avLst/>
+          </a:prstGeom>
+        </p:spPr>
+        <p:txBody>
+          <a:bodyPr wrap="none">
+            <a:spAutoFit/>
+          </a:bodyPr>
+          <a:lstStyle/>
+          <a:p>
+            <a:r>
+              <a:rPr lang="nl-NL" i="1" dirty="0"/>
+              <a:t>k</a:t>
+            </a:r>
+            <a:r>
+              <a:rPr lang="nl-NL" dirty="0"/>
+              <a:t>-</a:t>
+            </a:r>
+            <a:r>
+              <a:rPr lang="nl-NL" dirty="0" err="1"/>
+              <a:t>nearest</a:t>
+            </a:r>
+            <a:r>
+              <a:rPr lang="nl-NL" dirty="0"/>
+              <a:t> </a:t>
+            </a:r>
+            <a:r>
+              <a:rPr lang="nl-NL" dirty="0" err="1"/>
+              <a:t>neighbor</a:t>
+            </a:r>
+            <a:endParaRPr lang="nl-NL" i="1" dirty="0"/>
+          </a:p>
+        </p:txBody>
+      </p:sp>
+    </p:spTree>
+    <p:extLst>
+      <p:ext uri="{BB962C8B-B14F-4D97-AF65-F5344CB8AC3E}">
+        <p14:creationId xmlns:p14="http://schemas.microsoft.com/office/powerpoint/2010/main" val="840099926"/>
+      </p:ext>
+    </p:extLst>
+  </p:cSld>
+  <p:clrMapOvr>
+    <a:masterClrMapping/>
+  </p:clrMapOvr>
 </p:sld>
 </file>
 

--- a/slides/slides left out.pptx
+++ b/slides/slides left out.pptx
@@ -11,6 +11,7 @@
     <p:sldId id="260" r:id="rId5"/>
     <p:sldId id="261" r:id="rId6"/>
     <p:sldId id="262" r:id="rId7"/>
+    <p:sldId id="263" r:id="rId8"/>
   </p:sldIdLst>
   <p:sldSz cx="12192000" cy="6858000"/>
   <p:notesSz cx="6858000" cy="9144000"/>
@@ -235,7 +236,7 @@
             <a:fld id="{93F21019-3A00-48AC-9663-40DF67A83229}" type="datetime1">
               <a:rPr lang="en-US"/>
               <a:pPr/>
-              <a:t>12/14/2018</a:t>
+              <a:t>12/16/2018</a:t>
             </a:fld>
             <a:endParaRPr lang="en-US">
               <a:solidFill>
@@ -431,7 +432,7 @@
             <a:fld id="{8B2EF9C8-0AC3-4A53-9A61-1834A571F420}" type="datetime1">
               <a:rPr lang="en-US"/>
               <a:pPr/>
-              <a:t>12/14/2018</a:t>
+              <a:t>12/16/2018</a:t>
             </a:fld>
             <a:endParaRPr lang="en-US" sz="1400">
               <a:solidFill>
@@ -633,7 +634,7 @@
             <a:fld id="{F02960F3-A385-4905-A491-FDC17E063DD1}" type="datetime1">
               <a:rPr lang="en-US"/>
               <a:pPr/>
-              <a:t>12/14/2018</a:t>
+              <a:t>12/16/2018</a:t>
             </a:fld>
             <a:endParaRPr lang="en-US" sz="1400">
               <a:solidFill>
@@ -897,7 +898,7 @@
             <a:fld id="{CD3AD70A-8E2A-47B5-AC18-ABBB5A8E737D}" type="datetime1">
               <a:rPr lang="en-US"/>
               <a:pPr/>
-              <a:t>12/14/2018</a:t>
+              <a:t>12/16/2018</a:t>
             </a:fld>
             <a:endParaRPr lang="en-US" sz="1400">
               <a:solidFill>
@@ -1138,7 +1139,7 @@
             <a:fld id="{07008C2E-9BD6-496B-BFC3-B4A975EBC85E}" type="datetime1">
               <a:rPr lang="en-US"/>
               <a:pPr/>
-              <a:t>12/14/2018</a:t>
+              <a:t>12/16/2018</a:t>
             </a:fld>
             <a:endParaRPr lang="en-US" sz="1400">
               <a:solidFill>
@@ -1322,7 +1323,7 @@
             <a:fld id="{1AA2C3CF-866C-4FDE-B76D-4E9536901630}" type="datetime1">
               <a:rPr lang="en-US"/>
               <a:pPr/>
-              <a:t>12/14/2018</a:t>
+              <a:t>12/16/2018</a:t>
             </a:fld>
             <a:endParaRPr lang="en-US" sz="1400">
               <a:solidFill>
@@ -1506,7 +1507,7 @@
             <a:fld id="{555EE259-FE08-4558-B721-B189FFE77284}" type="datetime1">
               <a:rPr lang="en-US"/>
               <a:pPr/>
-              <a:t>12/14/2018</a:t>
+              <a:t>12/16/2018</a:t>
             </a:fld>
             <a:endParaRPr lang="en-US" sz="1400">
               <a:solidFill>
@@ -1780,7 +1781,7 @@
             <a:fld id="{0AF4064E-5624-49AB-B7C6-E301A8F6B1FF}" type="datetime1">
               <a:rPr lang="en-US"/>
               <a:pPr/>
-              <a:t>12/14/2018</a:t>
+              <a:t>12/16/2018</a:t>
             </a:fld>
             <a:endParaRPr lang="en-US" sz="1400">
               <a:solidFill>
@@ -1982,7 +1983,7 @@
             <a:fld id="{CBC97FCD-6C54-4833-B032-BFBCDFA8379D}" type="datetime1">
               <a:rPr lang="en-US"/>
               <a:pPr/>
-              <a:t>12/14/2018</a:t>
+              <a:t>12/16/2018</a:t>
             </a:fld>
             <a:endParaRPr lang="en-US" sz="1400">
               <a:solidFill>
@@ -2196,7 +2197,7 @@
             <a:fld id="{F04AA577-515A-431F-98B6-3B03494ABB11}" type="datetime1">
               <a:rPr lang="en-US"/>
               <a:pPr/>
-              <a:t>12/14/2018</a:t>
+              <a:t>12/16/2018</a:t>
             </a:fld>
             <a:endParaRPr lang="en-US" sz="1400">
               <a:solidFill>
@@ -2506,7 +2507,7 @@
             <a:fld id="{6475F1A4-C474-4345-A800-2F40B0E4E70C}" type="datetime1">
               <a:rPr lang="en-US"/>
               <a:pPr/>
-              <a:t>12/14/2018</a:t>
+              <a:t>12/16/2018</a:t>
             </a:fld>
             <a:endParaRPr lang="en-US" sz="1400">
               <a:solidFill>
@@ -2955,7 +2956,7 @@
             <a:fld id="{7BA535AB-820E-4207-9DA8-5F37106C7AF4}" type="datetime1">
               <a:rPr lang="en-US"/>
               <a:pPr/>
-              <a:t>12/14/2018</a:t>
+              <a:t>12/16/2018</a:t>
             </a:fld>
             <a:endParaRPr lang="en-US" sz="1400">
               <a:solidFill>
@@ -3095,7 +3096,7 @@
             <a:fld id="{0A7E69FA-D7EE-42C0-9117-1971B541885F}" type="datetime1">
               <a:rPr lang="en-US"/>
               <a:pPr/>
-              <a:t>12/14/2018</a:t>
+              <a:t>12/16/2018</a:t>
             </a:fld>
             <a:endParaRPr lang="en-US" sz="1400">
               <a:solidFill>
@@ -3212,7 +3213,7 @@
             <a:fld id="{10D7644E-1B5D-4325-BA79-338DF2B89B56}" type="datetime1">
               <a:rPr lang="en-US"/>
               <a:pPr/>
-              <a:t>12/14/2018</a:t>
+              <a:t>12/16/2018</a:t>
             </a:fld>
             <a:endParaRPr lang="en-US" sz="1400">
               <a:solidFill>
@@ -3511,7 +3512,7 @@
             <a:fld id="{B790C882-0B74-4932-8998-E9ABB8AF1740}" type="datetime1">
               <a:rPr lang="en-US"/>
               <a:pPr/>
-              <a:t>12/14/2018</a:t>
+              <a:t>12/16/2018</a:t>
             </a:fld>
             <a:endParaRPr lang="en-US" sz="1400">
               <a:solidFill>
@@ -3786,7 +3787,7 @@
             <a:fld id="{9DC585DC-AE7D-44C1-90AB-C3A391DEA065}" type="datetime1">
               <a:rPr lang="en-US"/>
               <a:pPr/>
-              <a:t>12/14/2018</a:t>
+              <a:t>12/16/2018</a:t>
             </a:fld>
             <a:endParaRPr lang="en-US" sz="1400">
               <a:solidFill>
@@ -4055,7 +4056,7 @@
             <a:fld id="{256CE565-1940-4E5F-9190-C0815CEAAA9D}" type="datetime1">
               <a:rPr lang="en-US"/>
               <a:pPr/>
-              <a:t>12/14/2018</a:t>
+              <a:t>12/16/2018</a:t>
             </a:fld>
             <a:endParaRPr lang="en-US"/>
           </a:p>
@@ -6575,7 +6576,6 @@
               <a:rPr lang="nl-NL" dirty="0"/>
               <a:t>Applications</a:t>
             </a:r>
-            <a:endParaRPr lang="nl-NL" dirty="0"/>
           </a:p>
         </p:txBody>
       </p:sp>
@@ -6661,6 +6661,468 @@
     <p:extLst>
       <p:ext uri="{BB962C8B-B14F-4D97-AF65-F5344CB8AC3E}">
         <p14:creationId xmlns:p14="http://schemas.microsoft.com/office/powerpoint/2010/main" val="840099926"/>
+      </p:ext>
+    </p:extLst>
+  </p:cSld>
+  <p:clrMapOvr>
+    <a:masterClrMapping/>
+  </p:clrMapOvr>
+</p:sld>
+</file>
+
+<file path=ppt/slides/slide7.xml><?xml version="1.0" encoding="utf-8"?>
+<p:sld xmlns:a="http://schemas.openxmlformats.org/drawingml/2006/main" xmlns:r="http://schemas.openxmlformats.org/officeDocument/2006/relationships" xmlns:p="http://schemas.openxmlformats.org/presentationml/2006/main">
+  <p:cSld>
+    <p:spTree>
+      <p:nvGrpSpPr>
+        <p:cNvPr id="1" name=""/>
+        <p:cNvGrpSpPr/>
+        <p:nvPr/>
+      </p:nvGrpSpPr>
+      <p:grpSpPr>
+        <a:xfrm>
+          <a:off x="0" y="0"/>
+          <a:ext cx="0" cy="0"/>
+          <a:chOff x="0" y="0"/>
+          <a:chExt cx="0" cy="0"/>
+        </a:xfrm>
+      </p:grpSpPr>
+      <p:sp>
+        <p:nvSpPr>
+          <p:cNvPr id="2" name="Titel 1"/>
+          <p:cNvSpPr>
+            <a:spLocks noGrp="1"/>
+          </p:cNvSpPr>
+          <p:nvPr>
+            <p:ph type="title"/>
+          </p:nvPr>
+        </p:nvSpPr>
+        <p:spPr/>
+        <p:txBody>
+          <a:bodyPr/>
+          <a:lstStyle/>
+          <a:p>
+            <a:r>
+              <a:rPr lang="nl-NL" dirty="0" smtClean="0"/>
+              <a:t>Common </a:t>
+            </a:r>
+            <a:r>
+              <a:rPr lang="nl-NL" dirty="0" err="1" smtClean="0"/>
+              <a:t>transformations</a:t>
+            </a:r>
+            <a:endParaRPr lang="nl-NL" dirty="0"/>
+          </a:p>
+        </p:txBody>
+      </p:sp>
+      <p:graphicFrame>
+        <p:nvGraphicFramePr>
+          <p:cNvPr id="4" name="Tijdelijke aanduiding voor inhoud 3"/>
+          <p:cNvGraphicFramePr>
+            <a:graphicFrameLocks noGrp="1"/>
+          </p:cNvGraphicFramePr>
+          <p:nvPr>
+            <p:ph idx="1"/>
+            <p:extLst/>
+          </p:nvPr>
+        </p:nvGraphicFramePr>
+        <p:xfrm>
+          <a:off x="2355304" y="1556792"/>
+          <a:ext cx="7881938" cy="4881880"/>
+        </p:xfrm>
+        <a:graphic>
+          <a:graphicData uri="http://schemas.openxmlformats.org/drawingml/2006/table">
+            <a:tbl>
+              <a:tblPr firstRow="1" bandRow="1">
+                <a:tableStyleId>{5C22544A-7EE6-4342-B048-85BDC9FD1C3A}</a:tableStyleId>
+              </a:tblPr>
+              <a:tblGrid>
+                <a:gridCol w="3940969">
+                  <a:extLst>
+                    <a:ext uri="{9D8B030D-6E8A-4147-A177-3AD203B41FA5}">
+                      <a16:colId xmlns:a16="http://schemas.microsoft.com/office/drawing/2014/main" val="944945583"/>
+                    </a:ext>
+                  </a:extLst>
+                </a:gridCol>
+                <a:gridCol w="3940969">
+                  <a:extLst>
+                    <a:ext uri="{9D8B030D-6E8A-4147-A177-3AD203B41FA5}">
+                      <a16:colId xmlns:a16="http://schemas.microsoft.com/office/drawing/2014/main" val="2555308395"/>
+                    </a:ext>
+                  </a:extLst>
+                </a:gridCol>
+              </a:tblGrid>
+              <a:tr h="370840">
+                <a:tc>
+                  <a:txBody>
+                    <a:bodyPr/>
+                    <a:lstStyle/>
+                    <a:p>
+                      <a:r>
+                        <a:rPr lang="nl-NL" sz="1600" dirty="0" smtClean="0"/>
+                        <a:t>Data</a:t>
+                      </a:r>
+                      <a:endParaRPr lang="nl-NL" sz="1600" dirty="0"/>
+                    </a:p>
+                  </a:txBody>
+                  <a:tcPr/>
+                </a:tc>
+                <a:tc>
+                  <a:txBody>
+                    <a:bodyPr/>
+                    <a:lstStyle/>
+                    <a:p>
+                      <a:r>
+                        <a:rPr lang="nl-NL" sz="1600" dirty="0" err="1" smtClean="0"/>
+                        <a:t>Transformation</a:t>
+                      </a:r>
+                      <a:endParaRPr lang="nl-NL" sz="1600" dirty="0"/>
+                    </a:p>
+                  </a:txBody>
+                  <a:tcPr/>
+                </a:tc>
+                <a:extLst>
+                  <a:ext uri="{0D108BD9-81ED-4DB2-BD59-A6C34878D82A}">
+                    <a16:rowId xmlns:a16="http://schemas.microsoft.com/office/drawing/2014/main" val="3645429941"/>
+                  </a:ext>
+                </a:extLst>
+              </a:tr>
+              <a:tr h="863987">
+                <a:tc>
+                  <a:txBody>
+                    <a:bodyPr/>
+                    <a:lstStyle/>
+                    <a:p>
+                      <a:r>
+                        <a:rPr lang="nl-NL" sz="1600" dirty="0" smtClean="0"/>
+                        <a:t>Multiple </a:t>
+                      </a:r>
+                      <a:r>
+                        <a:rPr lang="nl-NL" sz="1600" dirty="0" err="1" smtClean="0"/>
+                        <a:t>similar</a:t>
+                      </a:r>
+                      <a:r>
+                        <a:rPr lang="nl-NL" sz="1600" dirty="0" smtClean="0"/>
+                        <a:t> items on survey on </a:t>
+                      </a:r>
+                      <a:r>
+                        <a:rPr lang="nl-NL" sz="1600" dirty="0" err="1" smtClean="0"/>
+                        <a:t>happiness</a:t>
+                      </a:r>
+                      <a:endParaRPr lang="nl-NL" sz="1600" dirty="0" smtClean="0"/>
+                    </a:p>
+                    <a:p>
+                      <a:r>
+                        <a:rPr lang="nl-NL" sz="1600" dirty="0" smtClean="0"/>
+                        <a:t>‘</a:t>
+                      </a:r>
+                      <a:r>
+                        <a:rPr lang="nl-NL" sz="1600" dirty="0" err="1" smtClean="0"/>
+                        <a:t>I’m</a:t>
+                      </a:r>
+                      <a:r>
+                        <a:rPr lang="nl-NL" sz="1600" dirty="0" smtClean="0"/>
+                        <a:t> happy </a:t>
+                      </a:r>
+                      <a:r>
+                        <a:rPr lang="nl-NL" sz="1600" dirty="0" err="1" smtClean="0"/>
+                        <a:t>with</a:t>
+                      </a:r>
+                      <a:r>
+                        <a:rPr lang="nl-NL" sz="1600" dirty="0" smtClean="0"/>
+                        <a:t> the way </a:t>
+                      </a:r>
+                      <a:r>
+                        <a:rPr lang="nl-NL" sz="1600" dirty="0" err="1" smtClean="0"/>
+                        <a:t>things</a:t>
+                      </a:r>
+                      <a:r>
+                        <a:rPr lang="nl-NL" sz="1600" baseline="0" dirty="0" smtClean="0"/>
+                        <a:t> are </a:t>
+                      </a:r>
+                      <a:r>
+                        <a:rPr lang="nl-NL" sz="1600" baseline="0" dirty="0" err="1" smtClean="0"/>
+                        <a:t>going</a:t>
+                      </a:r>
+                      <a:r>
+                        <a:rPr lang="nl-NL" sz="1600" baseline="0" dirty="0" smtClean="0"/>
+                        <a:t>’</a:t>
+                      </a:r>
+                      <a:endParaRPr lang="nl-NL" sz="1600" dirty="0" smtClean="0"/>
+                    </a:p>
+                    <a:p>
+                      <a:r>
+                        <a:rPr lang="nl-NL" sz="1600" dirty="0" smtClean="0"/>
+                        <a:t>‘</a:t>
+                      </a:r>
+                      <a:r>
+                        <a:rPr lang="nl-NL" sz="1600" dirty="0" err="1" smtClean="0"/>
+                        <a:t>I’m</a:t>
+                      </a:r>
+                      <a:r>
+                        <a:rPr lang="nl-NL" sz="1600" dirty="0" smtClean="0"/>
+                        <a:t> happy </a:t>
+                      </a:r>
+                      <a:r>
+                        <a:rPr lang="nl-NL" sz="1600" dirty="0" err="1" smtClean="0"/>
+                        <a:t>with</a:t>
+                      </a:r>
+                      <a:r>
+                        <a:rPr lang="nl-NL" sz="1600" dirty="0" smtClean="0"/>
+                        <a:t> </a:t>
+                      </a:r>
+                      <a:r>
+                        <a:rPr lang="nl-NL" sz="1600" dirty="0" err="1" smtClean="0"/>
+                        <a:t>my</a:t>
+                      </a:r>
+                      <a:r>
+                        <a:rPr lang="nl-NL" sz="1600" dirty="0" smtClean="0"/>
+                        <a:t> life’</a:t>
+                      </a:r>
+                    </a:p>
+                    <a:p>
+                      <a:endParaRPr lang="nl-NL" sz="1600" dirty="0"/>
+                    </a:p>
+                  </a:txBody>
+                  <a:tcPr/>
+                </a:tc>
+                <a:tc>
+                  <a:txBody>
+                    <a:bodyPr/>
+                    <a:lstStyle/>
+                    <a:p>
+                      <a:r>
+                        <a:rPr lang="nl-NL" sz="1600" baseline="0" dirty="0" err="1" smtClean="0"/>
+                        <a:t>Sum</a:t>
+                      </a:r>
+                      <a:r>
+                        <a:rPr lang="nl-NL" sz="1600" baseline="0" dirty="0" smtClean="0"/>
+                        <a:t> or mean</a:t>
+                      </a:r>
+                    </a:p>
+                  </a:txBody>
+                  <a:tcPr/>
+                </a:tc>
+                <a:extLst>
+                  <a:ext uri="{0D108BD9-81ED-4DB2-BD59-A6C34878D82A}">
+                    <a16:rowId xmlns:a16="http://schemas.microsoft.com/office/drawing/2014/main" val="23005762"/>
+                  </a:ext>
+                </a:extLst>
+              </a:tr>
+              <a:tr h="863987">
+                <a:tc>
+                  <a:txBody>
+                    <a:bodyPr/>
+                    <a:lstStyle/>
+                    <a:p>
+                      <a:r>
+                        <a:rPr lang="nl-NL" sz="1600" dirty="0" err="1" smtClean="0"/>
+                        <a:t>Population</a:t>
+                      </a:r>
+                      <a:endParaRPr lang="nl-NL" sz="1600" dirty="0" smtClean="0"/>
+                    </a:p>
+                    <a:p>
+                      <a:r>
+                        <a:rPr lang="nl-NL" sz="1600" dirty="0" smtClean="0"/>
+                        <a:t>Land</a:t>
+                      </a:r>
+                      <a:r>
+                        <a:rPr lang="nl-NL" sz="1600" baseline="0" dirty="0" smtClean="0"/>
+                        <a:t> area</a:t>
+                      </a:r>
+                      <a:endParaRPr lang="nl-NL" sz="1600" dirty="0" smtClean="0"/>
+                    </a:p>
+                    <a:p>
+                      <a:endParaRPr lang="nl-NL" sz="1600" dirty="0" smtClean="0"/>
+                    </a:p>
+                    <a:p>
+                      <a:endParaRPr lang="nl-NL" sz="1600" dirty="0"/>
+                    </a:p>
+                  </a:txBody>
+                  <a:tcPr/>
+                </a:tc>
+                <a:tc>
+                  <a:txBody>
+                    <a:bodyPr/>
+                    <a:lstStyle/>
+                    <a:p>
+                      <a:r>
+                        <a:rPr lang="nl-NL" sz="1600" dirty="0" smtClean="0"/>
+                        <a:t>Ratio (</a:t>
+                      </a:r>
+                      <a:r>
+                        <a:rPr lang="nl-NL" sz="1600" dirty="0" err="1" smtClean="0"/>
+                        <a:t>population</a:t>
+                      </a:r>
+                      <a:r>
+                        <a:rPr lang="nl-NL" sz="1600" dirty="0" smtClean="0"/>
+                        <a:t>/land</a:t>
+                      </a:r>
+                      <a:r>
+                        <a:rPr lang="nl-NL" sz="1600" baseline="0" dirty="0" smtClean="0"/>
+                        <a:t> area)</a:t>
+                      </a:r>
+                    </a:p>
+                  </a:txBody>
+                  <a:tcPr/>
+                </a:tc>
+                <a:extLst>
+                  <a:ext uri="{0D108BD9-81ED-4DB2-BD59-A6C34878D82A}">
+                    <a16:rowId xmlns:a16="http://schemas.microsoft.com/office/drawing/2014/main" val="255804762"/>
+                  </a:ext>
+                </a:extLst>
+              </a:tr>
+              <a:tr h="816813">
+                <a:tc>
+                  <a:txBody>
+                    <a:bodyPr/>
+                    <a:lstStyle/>
+                    <a:p>
+                      <a:r>
+                        <a:rPr lang="nl-NL" sz="1600" dirty="0" smtClean="0"/>
+                        <a:t>Date: 20-12-2010</a:t>
+                      </a:r>
+                    </a:p>
+                    <a:p>
+                      <a:endParaRPr lang="nl-NL" sz="1600" dirty="0" smtClean="0"/>
+                    </a:p>
+                    <a:p>
+                      <a:endParaRPr lang="nl-NL" sz="1600" dirty="0"/>
+                    </a:p>
+                  </a:txBody>
+                  <a:tcPr/>
+                </a:tc>
+                <a:tc>
+                  <a:txBody>
+                    <a:bodyPr/>
+                    <a:lstStyle/>
+                    <a:p>
+                      <a:r>
+                        <a:rPr lang="nl-NL" sz="1600" dirty="0" err="1" smtClean="0"/>
+                        <a:t>Numbers</a:t>
+                      </a:r>
+                      <a:r>
+                        <a:rPr lang="nl-NL" sz="1600" dirty="0" smtClean="0"/>
+                        <a:t> of </a:t>
+                      </a:r>
+                      <a:r>
+                        <a:rPr lang="nl-NL" sz="1600" dirty="0" err="1" smtClean="0"/>
+                        <a:t>days</a:t>
+                      </a:r>
+                      <a:r>
+                        <a:rPr lang="nl-NL" sz="1600" dirty="0" smtClean="0"/>
+                        <a:t> from start</a:t>
+                      </a:r>
+                      <a:endParaRPr lang="nl-NL" sz="1600" dirty="0"/>
+                    </a:p>
+                  </a:txBody>
+                  <a:tcPr/>
+                </a:tc>
+                <a:extLst>
+                  <a:ext uri="{0D108BD9-81ED-4DB2-BD59-A6C34878D82A}">
+                    <a16:rowId xmlns:a16="http://schemas.microsoft.com/office/drawing/2014/main" val="708469373"/>
+                  </a:ext>
+                </a:extLst>
+              </a:tr>
+              <a:tr h="370840">
+                <a:tc>
+                  <a:txBody>
+                    <a:bodyPr/>
+                    <a:lstStyle/>
+                    <a:p>
+                      <a:r>
+                        <a:rPr lang="nl-NL" sz="1600" dirty="0" err="1" smtClean="0"/>
+                        <a:t>Very</a:t>
+                      </a:r>
+                      <a:r>
+                        <a:rPr lang="nl-NL" sz="1600" baseline="0" dirty="0" smtClean="0"/>
+                        <a:t> right-</a:t>
+                      </a:r>
+                      <a:r>
+                        <a:rPr lang="nl-NL" sz="1600" baseline="0" dirty="0" err="1" smtClean="0"/>
+                        <a:t>skewed</a:t>
+                      </a:r>
+                      <a:r>
+                        <a:rPr lang="nl-NL" sz="1600" baseline="0" dirty="0" smtClean="0"/>
+                        <a:t> variables, e.g. YouTube views, </a:t>
+                      </a:r>
+                      <a:r>
+                        <a:rPr lang="nl-NL" sz="1600" baseline="0" dirty="0" err="1" smtClean="0"/>
+                        <a:t>income</a:t>
+                      </a:r>
+                      <a:endParaRPr lang="nl-NL" sz="1600" dirty="0"/>
+                    </a:p>
+                  </a:txBody>
+                  <a:tcPr/>
+                </a:tc>
+                <a:tc>
+                  <a:txBody>
+                    <a:bodyPr/>
+                    <a:lstStyle/>
+                    <a:p>
+                      <a:r>
+                        <a:rPr lang="nl-NL" sz="1600" baseline="30000" dirty="0" smtClean="0"/>
+                        <a:t>10</a:t>
+                      </a:r>
+                      <a:r>
+                        <a:rPr lang="nl-NL" sz="1600" dirty="0" smtClean="0"/>
+                        <a:t>Log(x)</a:t>
+                      </a:r>
+                    </a:p>
+                    <a:p>
+                      <a:r>
+                        <a:rPr lang="nl-NL" sz="1600" baseline="30000" dirty="0" smtClean="0"/>
+                        <a:t>10</a:t>
+                      </a:r>
+                      <a:r>
+                        <a:rPr lang="nl-NL" sz="1600" dirty="0" smtClean="0"/>
+                        <a:t>Log(10) =</a:t>
+                      </a:r>
+                      <a:r>
+                        <a:rPr lang="nl-NL" sz="1600" baseline="0" dirty="0" smtClean="0"/>
+                        <a:t> 1</a:t>
+                      </a:r>
+                    </a:p>
+                    <a:p>
+                      <a:r>
+                        <a:rPr lang="nl-NL" sz="1600" baseline="30000" dirty="0" smtClean="0"/>
+                        <a:t>10</a:t>
+                      </a:r>
+                      <a:r>
+                        <a:rPr lang="nl-NL" sz="1600" baseline="0" dirty="0" smtClean="0"/>
+                        <a:t>Log(100) = 2</a:t>
+                      </a:r>
+                    </a:p>
+                    <a:p>
+                      <a:r>
+                        <a:rPr lang="nl-NL" sz="1600" baseline="30000" dirty="0" smtClean="0"/>
+                        <a:t>10</a:t>
+                      </a:r>
+                      <a:r>
+                        <a:rPr lang="nl-NL" sz="1600" baseline="0" dirty="0" smtClean="0"/>
+                        <a:t>Log(1000) = 3</a:t>
+                      </a:r>
+                      <a:endParaRPr lang="nl-NL" sz="1600" dirty="0" smtClean="0"/>
+                    </a:p>
+                    <a:p>
+                      <a:endParaRPr lang="nl-NL" sz="1600" dirty="0"/>
+                    </a:p>
+                  </a:txBody>
+                  <a:tcPr/>
+                </a:tc>
+                <a:extLst>
+                  <a:ext uri="{0D108BD9-81ED-4DB2-BD59-A6C34878D82A}">
+                    <a16:rowId xmlns:a16="http://schemas.microsoft.com/office/drawing/2014/main" val="3284590296"/>
+                  </a:ext>
+                </a:extLst>
+              </a:tr>
+            </a:tbl>
+          </a:graphicData>
+        </a:graphic>
+      </p:graphicFrame>
+    </p:spTree>
+    <p:extLst>
+      <p:ext uri="{BB962C8B-B14F-4D97-AF65-F5344CB8AC3E}">
+        <p14:creationId xmlns:p14="http://schemas.microsoft.com/office/powerpoint/2010/main" val="4024546654"/>
       </p:ext>
     </p:extLst>
   </p:cSld>

--- a/slides/slides left out.pptx
+++ b/slides/slides left out.pptx
@@ -12,6 +12,8 @@
     <p:sldId id="261" r:id="rId6"/>
     <p:sldId id="262" r:id="rId7"/>
     <p:sldId id="263" r:id="rId8"/>
+    <p:sldId id="264" r:id="rId9"/>
+    <p:sldId id="266" r:id="rId10"/>
   </p:sldIdLst>
   <p:sldSz cx="12192000" cy="6858000"/>
   <p:notesSz cx="6858000" cy="9144000"/>
@@ -236,7 +238,7 @@
             <a:fld id="{93F21019-3A00-48AC-9663-40DF67A83229}" type="datetime1">
               <a:rPr lang="en-US"/>
               <a:pPr/>
-              <a:t>12/16/2018</a:t>
+              <a:t>12/18/2018</a:t>
             </a:fld>
             <a:endParaRPr lang="en-US">
               <a:solidFill>
@@ -432,7 +434,7 @@
             <a:fld id="{8B2EF9C8-0AC3-4A53-9A61-1834A571F420}" type="datetime1">
               <a:rPr lang="en-US"/>
               <a:pPr/>
-              <a:t>12/16/2018</a:t>
+              <a:t>12/18/2018</a:t>
             </a:fld>
             <a:endParaRPr lang="en-US" sz="1400">
               <a:solidFill>
@@ -634,7 +636,7 @@
             <a:fld id="{F02960F3-A385-4905-A491-FDC17E063DD1}" type="datetime1">
               <a:rPr lang="en-US"/>
               <a:pPr/>
-              <a:t>12/16/2018</a:t>
+              <a:t>12/18/2018</a:t>
             </a:fld>
             <a:endParaRPr lang="en-US" sz="1400">
               <a:solidFill>
@@ -898,7 +900,7 @@
             <a:fld id="{CD3AD70A-8E2A-47B5-AC18-ABBB5A8E737D}" type="datetime1">
               <a:rPr lang="en-US"/>
               <a:pPr/>
-              <a:t>12/16/2018</a:t>
+              <a:t>12/18/2018</a:t>
             </a:fld>
             <a:endParaRPr lang="en-US" sz="1400">
               <a:solidFill>
@@ -1139,7 +1141,7 @@
             <a:fld id="{07008C2E-9BD6-496B-BFC3-B4A975EBC85E}" type="datetime1">
               <a:rPr lang="en-US"/>
               <a:pPr/>
-              <a:t>12/16/2018</a:t>
+              <a:t>12/18/2018</a:t>
             </a:fld>
             <a:endParaRPr lang="en-US" sz="1400">
               <a:solidFill>
@@ -1323,7 +1325,7 @@
             <a:fld id="{1AA2C3CF-866C-4FDE-B76D-4E9536901630}" type="datetime1">
               <a:rPr lang="en-US"/>
               <a:pPr/>
-              <a:t>12/16/2018</a:t>
+              <a:t>12/18/2018</a:t>
             </a:fld>
             <a:endParaRPr lang="en-US" sz="1400">
               <a:solidFill>
@@ -1507,7 +1509,7 @@
             <a:fld id="{555EE259-FE08-4558-B721-B189FFE77284}" type="datetime1">
               <a:rPr lang="en-US"/>
               <a:pPr/>
-              <a:t>12/16/2018</a:t>
+              <a:t>12/18/2018</a:t>
             </a:fld>
             <a:endParaRPr lang="en-US" sz="1400">
               <a:solidFill>
@@ -1781,7 +1783,7 @@
             <a:fld id="{0AF4064E-5624-49AB-B7C6-E301A8F6B1FF}" type="datetime1">
               <a:rPr lang="en-US"/>
               <a:pPr/>
-              <a:t>12/16/2018</a:t>
+              <a:t>12/18/2018</a:t>
             </a:fld>
             <a:endParaRPr lang="en-US" sz="1400">
               <a:solidFill>
@@ -1983,7 +1985,7 @@
             <a:fld id="{CBC97FCD-6C54-4833-B032-BFBCDFA8379D}" type="datetime1">
               <a:rPr lang="en-US"/>
               <a:pPr/>
-              <a:t>12/16/2018</a:t>
+              <a:t>12/18/2018</a:t>
             </a:fld>
             <a:endParaRPr lang="en-US" sz="1400">
               <a:solidFill>
@@ -2197,7 +2199,7 @@
             <a:fld id="{F04AA577-515A-431F-98B6-3B03494ABB11}" type="datetime1">
               <a:rPr lang="en-US"/>
               <a:pPr/>
-              <a:t>12/16/2018</a:t>
+              <a:t>12/18/2018</a:t>
             </a:fld>
             <a:endParaRPr lang="en-US" sz="1400">
               <a:solidFill>
@@ -2507,7 +2509,7 @@
             <a:fld id="{6475F1A4-C474-4345-A800-2F40B0E4E70C}" type="datetime1">
               <a:rPr lang="en-US"/>
               <a:pPr/>
-              <a:t>12/16/2018</a:t>
+              <a:t>12/18/2018</a:t>
             </a:fld>
             <a:endParaRPr lang="en-US" sz="1400">
               <a:solidFill>
@@ -2956,7 +2958,7 @@
             <a:fld id="{7BA535AB-820E-4207-9DA8-5F37106C7AF4}" type="datetime1">
               <a:rPr lang="en-US"/>
               <a:pPr/>
-              <a:t>12/16/2018</a:t>
+              <a:t>12/18/2018</a:t>
             </a:fld>
             <a:endParaRPr lang="en-US" sz="1400">
               <a:solidFill>
@@ -3096,7 +3098,7 @@
             <a:fld id="{0A7E69FA-D7EE-42C0-9117-1971B541885F}" type="datetime1">
               <a:rPr lang="en-US"/>
               <a:pPr/>
-              <a:t>12/16/2018</a:t>
+              <a:t>12/18/2018</a:t>
             </a:fld>
             <a:endParaRPr lang="en-US" sz="1400">
               <a:solidFill>
@@ -3213,7 +3215,7 @@
             <a:fld id="{10D7644E-1B5D-4325-BA79-338DF2B89B56}" type="datetime1">
               <a:rPr lang="en-US"/>
               <a:pPr/>
-              <a:t>12/16/2018</a:t>
+              <a:t>12/18/2018</a:t>
             </a:fld>
             <a:endParaRPr lang="en-US" sz="1400">
               <a:solidFill>
@@ -3512,7 +3514,7 @@
             <a:fld id="{B790C882-0B74-4932-8998-E9ABB8AF1740}" type="datetime1">
               <a:rPr lang="en-US"/>
               <a:pPr/>
-              <a:t>12/16/2018</a:t>
+              <a:t>12/18/2018</a:t>
             </a:fld>
             <a:endParaRPr lang="en-US" sz="1400">
               <a:solidFill>
@@ -3787,7 +3789,7 @@
             <a:fld id="{9DC585DC-AE7D-44C1-90AB-C3A391DEA065}" type="datetime1">
               <a:rPr lang="en-US"/>
               <a:pPr/>
-              <a:t>12/16/2018</a:t>
+              <a:t>12/18/2018</a:t>
             </a:fld>
             <a:endParaRPr lang="en-US" sz="1400">
               <a:solidFill>
@@ -4056,7 +4058,7 @@
             <a:fld id="{256CE565-1940-4E5F-9190-C0815CEAAA9D}" type="datetime1">
               <a:rPr lang="en-US"/>
               <a:pPr/>
-              <a:t>12/16/2018</a:t>
+              <a:t>12/18/2018</a:t>
             </a:fld>
             <a:endParaRPr lang="en-US"/>
           </a:p>
@@ -7123,6 +7125,1649 @@
     <p:extLst>
       <p:ext uri="{BB962C8B-B14F-4D97-AF65-F5344CB8AC3E}">
         <p14:creationId xmlns:p14="http://schemas.microsoft.com/office/powerpoint/2010/main" val="4024546654"/>
+      </p:ext>
+    </p:extLst>
+  </p:cSld>
+  <p:clrMapOvr>
+    <a:masterClrMapping/>
+  </p:clrMapOvr>
+</p:sld>
+</file>
+
+<file path=ppt/slides/slide8.xml><?xml version="1.0" encoding="utf-8"?>
+<p:sld xmlns:a="http://schemas.openxmlformats.org/drawingml/2006/main" xmlns:r="http://schemas.openxmlformats.org/officeDocument/2006/relationships" xmlns:p="http://schemas.openxmlformats.org/presentationml/2006/main">
+  <p:cSld>
+    <p:spTree>
+      <p:nvGrpSpPr>
+        <p:cNvPr id="1" name=""/>
+        <p:cNvGrpSpPr/>
+        <p:nvPr/>
+      </p:nvGrpSpPr>
+      <p:grpSpPr>
+        <a:xfrm>
+          <a:off x="0" y="0"/>
+          <a:ext cx="0" cy="0"/>
+          <a:chOff x="0" y="0"/>
+          <a:chExt cx="0" cy="0"/>
+        </a:xfrm>
+      </p:grpSpPr>
+      <p:pic>
+        <p:nvPicPr>
+          <p:cNvPr id="5" name="Tijdelijke aanduiding voor inhoud 3"/>
+          <p:cNvPicPr>
+            <a:picLocks noChangeAspect="1"/>
+          </p:cNvPicPr>
+          <p:nvPr/>
+        </p:nvPicPr>
+        <p:blipFill>
+          <a:blip r:embed="rId2" cstate="print">
+            <a:extLst>
+              <a:ext uri="{28A0092B-C50C-407E-A947-70E740481C1C}">
+                <a14:useLocalDpi xmlns:a14="http://schemas.microsoft.com/office/drawing/2010/main" val="0"/>
+              </a:ext>
+            </a:extLst>
+          </a:blip>
+          <a:stretch>
+            <a:fillRect/>
+          </a:stretch>
+        </p:blipFill>
+        <p:spPr bwMode="auto">
+          <a:xfrm>
+            <a:off x="2472178" y="1658595"/>
+            <a:ext cx="1612979" cy="1440160"/>
+          </a:xfrm>
+          <a:prstGeom prst="rect">
+            <a:avLst/>
+          </a:prstGeom>
+          <a:noFill/>
+          <a:ln w="9525">
+            <a:noFill/>
+            <a:miter lim="800000"/>
+            <a:headEnd/>
+            <a:tailEnd/>
+          </a:ln>
+          <a:effectLst/>
+        </p:spPr>
+      </p:pic>
+      <p:pic>
+        <p:nvPicPr>
+          <p:cNvPr id="6" name="Afbeelding 5"/>
+          <p:cNvPicPr>
+            <a:picLocks noChangeAspect="1"/>
+          </p:cNvPicPr>
+          <p:nvPr/>
+        </p:nvPicPr>
+        <p:blipFill>
+          <a:blip r:embed="rId3" cstate="print">
+            <a:extLst>
+              <a:ext uri="{28A0092B-C50C-407E-A947-70E740481C1C}">
+                <a14:useLocalDpi xmlns:a14="http://schemas.microsoft.com/office/drawing/2010/main" val="0"/>
+              </a:ext>
+            </a:extLst>
+          </a:blip>
+          <a:stretch>
+            <a:fillRect/>
+          </a:stretch>
+        </p:blipFill>
+        <p:spPr>
+          <a:xfrm>
+            <a:off x="6536851" y="1853135"/>
+            <a:ext cx="2182592" cy="1326457"/>
+          </a:xfrm>
+          <a:prstGeom prst="rect">
+            <a:avLst/>
+          </a:prstGeom>
+        </p:spPr>
+      </p:pic>
+      <p:pic>
+        <p:nvPicPr>
+          <p:cNvPr id="7" name="Afbeelding 6"/>
+          <p:cNvPicPr>
+            <a:picLocks noChangeAspect="1"/>
+          </p:cNvPicPr>
+          <p:nvPr/>
+        </p:nvPicPr>
+        <p:blipFill>
+          <a:blip r:embed="rId4">
+            <a:extLst>
+              <a:ext uri="{28A0092B-C50C-407E-A947-70E740481C1C}">
+                <a14:useLocalDpi xmlns:a14="http://schemas.microsoft.com/office/drawing/2010/main" val="0"/>
+              </a:ext>
+            </a:extLst>
+          </a:blip>
+          <a:stretch>
+            <a:fillRect/>
+          </a:stretch>
+        </p:blipFill>
+        <p:spPr>
+          <a:xfrm>
+            <a:off x="2506784" y="5083722"/>
+            <a:ext cx="1578373" cy="1427710"/>
+          </a:xfrm>
+          <a:prstGeom prst="rect">
+            <a:avLst/>
+          </a:prstGeom>
+        </p:spPr>
+      </p:pic>
+      <p:pic>
+        <p:nvPicPr>
+          <p:cNvPr id="8" name="Afbeelding 7"/>
+          <p:cNvPicPr>
+            <a:picLocks noChangeAspect="1"/>
+          </p:cNvPicPr>
+          <p:nvPr/>
+        </p:nvPicPr>
+        <p:blipFill>
+          <a:blip r:embed="rId5" cstate="print">
+            <a:extLst>
+              <a:ext uri="{28A0092B-C50C-407E-A947-70E740481C1C}">
+                <a14:useLocalDpi xmlns:a14="http://schemas.microsoft.com/office/drawing/2010/main" val="0"/>
+              </a:ext>
+            </a:extLst>
+          </a:blip>
+          <a:stretch>
+            <a:fillRect/>
+          </a:stretch>
+        </p:blipFill>
+        <p:spPr>
+          <a:xfrm>
+            <a:off x="2307501" y="3349889"/>
+            <a:ext cx="1976937" cy="1482703"/>
+          </a:xfrm>
+          <a:prstGeom prst="rect">
+            <a:avLst/>
+          </a:prstGeom>
+        </p:spPr>
+      </p:pic>
+      <p:pic>
+        <p:nvPicPr>
+          <p:cNvPr id="9" name="Afbeelding 8"/>
+          <p:cNvPicPr>
+            <a:picLocks noChangeAspect="1"/>
+          </p:cNvPicPr>
+          <p:nvPr/>
+        </p:nvPicPr>
+        <p:blipFill rotWithShape="1">
+          <a:blip r:embed="rId6"/>
+          <a:srcRect t="17262" b="10010"/>
+          <a:stretch/>
+        </p:blipFill>
+        <p:spPr>
+          <a:xfrm>
+            <a:off x="7305000" y="3380620"/>
+            <a:ext cx="2828886" cy="1152129"/>
+          </a:xfrm>
+          <a:prstGeom prst="rect">
+            <a:avLst/>
+          </a:prstGeom>
+        </p:spPr>
+      </p:pic>
+      <p:sp>
+        <p:nvSpPr>
+          <p:cNvPr id="10" name="Tekstvak 9"/>
+          <p:cNvSpPr txBox="1"/>
+          <p:nvPr/>
+        </p:nvSpPr>
+        <p:spPr>
+          <a:xfrm>
+            <a:off x="4477229" y="2117067"/>
+            <a:ext cx="1667548" cy="1200329"/>
+          </a:xfrm>
+          <a:prstGeom prst="rect">
+            <a:avLst/>
+          </a:prstGeom>
+          <a:noFill/>
+        </p:spPr>
+        <p:txBody>
+          <a:bodyPr wrap="square" rtlCol="0">
+            <a:spAutoFit/>
+          </a:bodyPr>
+          <a:lstStyle/>
+          <a:p>
+            <a:r>
+              <a:rPr lang="nl-NL" dirty="0">
+                <a:hlinkClick r:id="rId7"/>
+              </a:rPr>
+              <a:t>Neural </a:t>
+            </a:r>
+            <a:r>
+              <a:rPr lang="nl-NL" dirty="0" err="1">
+                <a:hlinkClick r:id="rId7"/>
+              </a:rPr>
+              <a:t>network</a:t>
+            </a:r>
+            <a:r>
+              <a:rPr lang="nl-NL" dirty="0">
+                <a:hlinkClick r:id="rId7"/>
+              </a:rPr>
+              <a:t> (</a:t>
+            </a:r>
+            <a:r>
+              <a:rPr lang="nl-NL" dirty="0" err="1">
+                <a:hlinkClick r:id="rId7"/>
+              </a:rPr>
+              <a:t>deep</a:t>
+            </a:r>
+            <a:r>
+              <a:rPr lang="nl-NL" dirty="0">
+                <a:hlinkClick r:id="rId7"/>
+              </a:rPr>
+              <a:t> </a:t>
+            </a:r>
+            <a:r>
+              <a:rPr lang="nl-NL" dirty="0" err="1">
+                <a:hlinkClick r:id="rId7"/>
+              </a:rPr>
+              <a:t>learning</a:t>
+            </a:r>
+            <a:r>
+              <a:rPr lang="nl-NL" dirty="0">
+                <a:hlinkClick r:id="rId7"/>
+              </a:rPr>
+              <a:t>)</a:t>
+            </a:r>
+          </a:p>
+          <a:p>
+            <a:r>
+              <a:rPr lang="nl-NL" dirty="0" err="1">
+                <a:hlinkClick r:id="rId7"/>
+              </a:rPr>
+              <a:t>playground</a:t>
+            </a:r>
+            <a:endParaRPr lang="nl-NL" dirty="0"/>
+          </a:p>
+        </p:txBody>
+      </p:sp>
+      <p:pic>
+        <p:nvPicPr>
+          <p:cNvPr id="11" name="Afbeelding 10"/>
+          <p:cNvPicPr>
+            <a:picLocks noChangeAspect="1"/>
+          </p:cNvPicPr>
+          <p:nvPr/>
+        </p:nvPicPr>
+        <p:blipFill>
+          <a:blip r:embed="rId8" cstate="print">
+            <a:extLst>
+              <a:ext uri="{28A0092B-C50C-407E-A947-70E740481C1C}">
+                <a14:useLocalDpi xmlns:a14="http://schemas.microsoft.com/office/drawing/2010/main" val="0"/>
+              </a:ext>
+            </a:extLst>
+          </a:blip>
+          <a:stretch>
+            <a:fillRect/>
+          </a:stretch>
+        </p:blipFill>
+        <p:spPr>
+          <a:xfrm>
+            <a:off x="6971313" y="4901339"/>
+            <a:ext cx="1619250" cy="1074420"/>
+          </a:xfrm>
+          <a:prstGeom prst="rect">
+            <a:avLst/>
+          </a:prstGeom>
+        </p:spPr>
+      </p:pic>
+      <p:sp>
+        <p:nvSpPr>
+          <p:cNvPr id="12" name="Rechthoek 11"/>
+          <p:cNvSpPr/>
+          <p:nvPr/>
+        </p:nvSpPr>
+        <p:spPr>
+          <a:xfrm>
+            <a:off x="2780441" y="1253574"/>
+            <a:ext cx="1274708" cy="369332"/>
+          </a:xfrm>
+          <a:prstGeom prst="rect">
+            <a:avLst/>
+          </a:prstGeom>
+        </p:spPr>
+        <p:txBody>
+          <a:bodyPr wrap="none">
+            <a:spAutoFit/>
+          </a:bodyPr>
+          <a:lstStyle/>
+          <a:p>
+            <a:r>
+              <a:rPr lang="nl-NL" dirty="0" err="1"/>
+              <a:t>Algorithms</a:t>
+            </a:r>
+            <a:endParaRPr lang="nl-NL" dirty="0"/>
+          </a:p>
+        </p:txBody>
+      </p:sp>
+      <p:sp>
+        <p:nvSpPr>
+          <p:cNvPr id="13" name="Rechthoek 12"/>
+          <p:cNvSpPr/>
+          <p:nvPr/>
+        </p:nvSpPr>
+        <p:spPr>
+          <a:xfrm>
+            <a:off x="7439286" y="1205954"/>
+            <a:ext cx="1428596" cy="369332"/>
+          </a:xfrm>
+          <a:prstGeom prst="rect">
+            <a:avLst/>
+          </a:prstGeom>
+        </p:spPr>
+        <p:txBody>
+          <a:bodyPr wrap="none">
+            <a:spAutoFit/>
+          </a:bodyPr>
+          <a:lstStyle/>
+          <a:p>
+            <a:r>
+              <a:rPr lang="nl-NL" dirty="0"/>
+              <a:t>Applications</a:t>
+            </a:r>
+          </a:p>
+        </p:txBody>
+      </p:sp>
+      <p:sp>
+        <p:nvSpPr>
+          <p:cNvPr id="14" name="Rechthoek 13"/>
+          <p:cNvSpPr/>
+          <p:nvPr/>
+        </p:nvSpPr>
+        <p:spPr>
+          <a:xfrm>
+            <a:off x="4477231" y="3799006"/>
+            <a:ext cx="1774845" cy="369332"/>
+          </a:xfrm>
+          <a:prstGeom prst="rect">
+            <a:avLst/>
+          </a:prstGeom>
+        </p:spPr>
+        <p:txBody>
+          <a:bodyPr wrap="none">
+            <a:spAutoFit/>
+          </a:bodyPr>
+          <a:lstStyle/>
+          <a:p>
+            <a:r>
+              <a:rPr lang="nl-NL" dirty="0"/>
+              <a:t>Random </a:t>
+            </a:r>
+            <a:r>
+              <a:rPr lang="nl-NL" dirty="0" err="1"/>
+              <a:t>Forest</a:t>
+            </a:r>
+            <a:endParaRPr lang="nl-NL" dirty="0"/>
+          </a:p>
+        </p:txBody>
+      </p:sp>
+      <p:sp>
+        <p:nvSpPr>
+          <p:cNvPr id="15" name="Rechthoek 14"/>
+          <p:cNvSpPr/>
+          <p:nvPr/>
+        </p:nvSpPr>
+        <p:spPr>
+          <a:xfrm>
+            <a:off x="4477231" y="5603392"/>
+            <a:ext cx="2108269" cy="369332"/>
+          </a:xfrm>
+          <a:prstGeom prst="rect">
+            <a:avLst/>
+          </a:prstGeom>
+        </p:spPr>
+        <p:txBody>
+          <a:bodyPr wrap="none">
+            <a:spAutoFit/>
+          </a:bodyPr>
+          <a:lstStyle/>
+          <a:p>
+            <a:r>
+              <a:rPr lang="nl-NL" i="1" dirty="0"/>
+              <a:t>k</a:t>
+            </a:r>
+            <a:r>
+              <a:rPr lang="nl-NL" dirty="0"/>
+              <a:t>-</a:t>
+            </a:r>
+            <a:r>
+              <a:rPr lang="nl-NL" dirty="0" err="1"/>
+              <a:t>nearest</a:t>
+            </a:r>
+            <a:r>
+              <a:rPr lang="nl-NL" dirty="0"/>
+              <a:t> </a:t>
+            </a:r>
+            <a:r>
+              <a:rPr lang="nl-NL" dirty="0" err="1"/>
+              <a:t>neighbor</a:t>
+            </a:r>
+            <a:endParaRPr lang="nl-NL" i="1" dirty="0"/>
+          </a:p>
+        </p:txBody>
+      </p:sp>
+      <p:sp>
+        <p:nvSpPr>
+          <p:cNvPr id="16" name="Titel 1"/>
+          <p:cNvSpPr>
+            <a:spLocks noGrp="1"/>
+          </p:cNvSpPr>
+          <p:nvPr>
+            <p:ph type="title"/>
+          </p:nvPr>
+        </p:nvSpPr>
+        <p:spPr>
+          <a:xfrm>
+            <a:off x="2418363" y="465808"/>
+            <a:ext cx="6172200" cy="579438"/>
+          </a:xfrm>
+        </p:spPr>
+        <p:txBody>
+          <a:bodyPr/>
+          <a:lstStyle/>
+          <a:p>
+            <a:r>
+              <a:rPr lang="nl-NL" dirty="0" smtClean="0"/>
+              <a:t>More machine </a:t>
+            </a:r>
+            <a:r>
+              <a:rPr lang="nl-NL" dirty="0" err="1" smtClean="0"/>
+              <a:t>learning</a:t>
+            </a:r>
+            <a:r>
+              <a:rPr lang="nl-NL" dirty="0" smtClean="0"/>
+              <a:t>…</a:t>
+            </a:r>
+            <a:endParaRPr lang="nl-NL" dirty="0"/>
+          </a:p>
+        </p:txBody>
+      </p:sp>
+      <p:sp>
+        <p:nvSpPr>
+          <p:cNvPr id="17" name="Rechthoek 16"/>
+          <p:cNvSpPr/>
+          <p:nvPr/>
+        </p:nvSpPr>
+        <p:spPr>
+          <a:xfrm>
+            <a:off x="8112225" y="6344350"/>
+            <a:ext cx="2719527" cy="369332"/>
+          </a:xfrm>
+          <a:prstGeom prst="rect">
+            <a:avLst/>
+          </a:prstGeom>
+        </p:spPr>
+        <p:txBody>
+          <a:bodyPr wrap="none">
+            <a:spAutoFit/>
+          </a:bodyPr>
+          <a:lstStyle/>
+          <a:p>
+            <a:r>
+              <a:rPr lang="nl-NL" i="1" dirty="0" err="1"/>
+              <a:t>And</a:t>
+            </a:r>
+            <a:r>
+              <a:rPr lang="nl-NL" i="1" dirty="0"/>
+              <a:t> </a:t>
+            </a:r>
+            <a:r>
+              <a:rPr lang="nl-NL" i="1" dirty="0" err="1"/>
+              <a:t>many</a:t>
+            </a:r>
+            <a:r>
+              <a:rPr lang="nl-NL" i="1" dirty="0"/>
+              <a:t>, </a:t>
+            </a:r>
+            <a:r>
+              <a:rPr lang="nl-NL" i="1" dirty="0" err="1"/>
+              <a:t>many</a:t>
+            </a:r>
+            <a:r>
+              <a:rPr lang="nl-NL" i="1" dirty="0"/>
+              <a:t> more…</a:t>
+            </a:r>
+            <a:endParaRPr lang="nl-NL" i="1" dirty="0"/>
+          </a:p>
+        </p:txBody>
+      </p:sp>
+    </p:spTree>
+    <p:extLst>
+      <p:ext uri="{BB962C8B-B14F-4D97-AF65-F5344CB8AC3E}">
+        <p14:creationId xmlns:p14="http://schemas.microsoft.com/office/powerpoint/2010/main" val="4085860146"/>
+      </p:ext>
+    </p:extLst>
+  </p:cSld>
+  <p:clrMapOvr>
+    <a:masterClrMapping/>
+  </p:clrMapOvr>
+</p:sld>
+</file>
+
+<file path=ppt/slides/slide9.xml><?xml version="1.0" encoding="utf-8"?>
+<p:sld xmlns:a="http://schemas.openxmlformats.org/drawingml/2006/main" xmlns:r="http://schemas.openxmlformats.org/officeDocument/2006/relationships" xmlns:p="http://schemas.openxmlformats.org/presentationml/2006/main">
+  <p:cSld>
+    <p:spTree>
+      <p:nvGrpSpPr>
+        <p:cNvPr id="1" name=""/>
+        <p:cNvGrpSpPr/>
+        <p:nvPr/>
+      </p:nvGrpSpPr>
+      <p:grpSpPr>
+        <a:xfrm>
+          <a:off x="0" y="0"/>
+          <a:ext cx="0" cy="0"/>
+          <a:chOff x="0" y="0"/>
+          <a:chExt cx="0" cy="0"/>
+        </a:xfrm>
+      </p:grpSpPr>
+      <p:sp>
+        <p:nvSpPr>
+          <p:cNvPr id="2" name="Titel 1"/>
+          <p:cNvSpPr>
+            <a:spLocks noGrp="1"/>
+          </p:cNvSpPr>
+          <p:nvPr>
+            <p:ph type="title"/>
+          </p:nvPr>
+        </p:nvSpPr>
+        <p:spPr/>
+        <p:txBody>
+          <a:bodyPr/>
+          <a:lstStyle/>
+          <a:p>
+            <a:r>
+              <a:rPr lang="nl-NL" dirty="0" err="1" smtClean="0"/>
+              <a:t>Exercise</a:t>
+            </a:r>
+            <a:r>
+              <a:rPr lang="nl-NL" dirty="0" smtClean="0"/>
+              <a:t> </a:t>
+            </a:r>
+            <a:r>
+              <a:rPr lang="nl-NL" dirty="0" smtClean="0"/>
+              <a:t>2</a:t>
+            </a:r>
+            <a:endParaRPr lang="nl-NL" dirty="0"/>
+          </a:p>
+        </p:txBody>
+      </p:sp>
+      <p:sp>
+        <p:nvSpPr>
+          <p:cNvPr id="4" name="Tijdelijke aanduiding voor inhoud 2"/>
+          <p:cNvSpPr txBox="1">
+            <a:spLocks noGrp="1"/>
+          </p:cNvSpPr>
+          <p:nvPr>
+            <p:ph idx="1"/>
+          </p:nvPr>
+        </p:nvSpPr>
+        <p:spPr bwMode="auto">
+          <a:xfrm>
+            <a:off x="2362200" y="1628800"/>
+            <a:ext cx="7881938" cy="7306616"/>
+          </a:xfrm>
+          <a:prstGeom prst="rect">
+            <a:avLst/>
+          </a:prstGeom>
+          <a:noFill/>
+          <a:ln w="9525">
+            <a:noFill/>
+            <a:miter lim="800000"/>
+            <a:headEnd/>
+            <a:tailEnd/>
+          </a:ln>
+          <a:effectLst/>
+        </p:spPr>
+        <p:txBody>
+          <a:bodyPr vert="horz" wrap="square" lIns="91440" tIns="45720" rIns="91440" bIns="45720" numCol="1" anchor="t" anchorCtr="0" compatLnSpc="1">
+            <a:prstTxWarp prst="textNoShape">
+              <a:avLst/>
+            </a:prstTxWarp>
+            <a:spAutoFit/>
+          </a:bodyPr>
+          <a:lstStyle>
+            <a:lvl1pPr marL="342900" indent="-342900" algn="l" rtl="0" fontAlgn="base">
+              <a:spcBef>
+                <a:spcPct val="20000"/>
+              </a:spcBef>
+              <a:spcAft>
+                <a:spcPct val="0"/>
+              </a:spcAft>
+              <a:buClr>
+                <a:srgbClr val="ED0010"/>
+              </a:buClr>
+              <a:buSzPct val="60000"/>
+              <a:buFont typeface="Zapf Dingbats" charset="2"/>
+              <a:buChar char="n"/>
+              <a:defRPr sz="2800">
+                <a:solidFill>
+                  <a:srgbClr val="000000"/>
+                </a:solidFill>
+                <a:latin typeface="+mn-lt"/>
+                <a:ea typeface="+mn-ea"/>
+                <a:cs typeface="+mn-cs"/>
+              </a:defRPr>
+            </a:lvl1pPr>
+            <a:lvl2pPr marL="819150" indent="-285750" algn="l" rtl="0" fontAlgn="base">
+              <a:spcBef>
+                <a:spcPct val="20000"/>
+              </a:spcBef>
+              <a:spcAft>
+                <a:spcPct val="0"/>
+              </a:spcAft>
+              <a:buClr>
+                <a:schemeClr val="accent1"/>
+              </a:buClr>
+              <a:buSzPct val="60000"/>
+              <a:buFont typeface="Zapf Dingbats" charset="2"/>
+              <a:buChar char="n"/>
+              <a:defRPr sz="2600">
+                <a:solidFill>
+                  <a:srgbClr val="000000"/>
+                </a:solidFill>
+                <a:latin typeface="+mn-lt"/>
+              </a:defRPr>
+            </a:lvl2pPr>
+            <a:lvl3pPr marL="1143000" indent="-228600" algn="l" rtl="0" fontAlgn="base">
+              <a:spcBef>
+                <a:spcPct val="20000"/>
+              </a:spcBef>
+              <a:spcAft>
+                <a:spcPct val="0"/>
+              </a:spcAft>
+              <a:buClr>
+                <a:schemeClr val="accent1"/>
+              </a:buClr>
+              <a:buSzPct val="60000"/>
+              <a:buFont typeface="Zapf Dingbats" charset="2"/>
+              <a:buChar char="n"/>
+              <a:defRPr sz="2400">
+                <a:solidFill>
+                  <a:srgbClr val="000000"/>
+                </a:solidFill>
+                <a:latin typeface="+mn-lt"/>
+              </a:defRPr>
+            </a:lvl3pPr>
+            <a:lvl4pPr marL="1562100" indent="-228600" algn="l" rtl="0" fontAlgn="base">
+              <a:spcBef>
+                <a:spcPct val="20000"/>
+              </a:spcBef>
+              <a:spcAft>
+                <a:spcPct val="0"/>
+              </a:spcAft>
+              <a:buClr>
+                <a:schemeClr val="accent1"/>
+              </a:buClr>
+              <a:buSzPct val="60000"/>
+              <a:buFont typeface="Zapf Dingbats" charset="2"/>
+              <a:buChar char="n"/>
+              <a:defRPr sz="2200">
+                <a:solidFill>
+                  <a:srgbClr val="000000"/>
+                </a:solidFill>
+                <a:latin typeface="+mn-lt"/>
+              </a:defRPr>
+            </a:lvl4pPr>
+            <a:lvl5pPr marL="1981200" indent="-228600" algn="l" rtl="0" fontAlgn="base">
+              <a:spcBef>
+                <a:spcPct val="20000"/>
+              </a:spcBef>
+              <a:spcAft>
+                <a:spcPct val="0"/>
+              </a:spcAft>
+              <a:buClr>
+                <a:schemeClr val="accent1"/>
+              </a:buClr>
+              <a:buSzPct val="60000"/>
+              <a:buFont typeface="Zapf Dingbats" charset="2"/>
+              <a:buChar char="n"/>
+              <a:defRPr sz="2000">
+                <a:solidFill>
+                  <a:srgbClr val="000000"/>
+                </a:solidFill>
+                <a:latin typeface="+mn-lt"/>
+              </a:defRPr>
+            </a:lvl5pPr>
+            <a:lvl6pPr marL="2438400" indent="-228600" algn="l" rtl="0" fontAlgn="base">
+              <a:spcBef>
+                <a:spcPct val="20000"/>
+              </a:spcBef>
+              <a:spcAft>
+                <a:spcPct val="0"/>
+              </a:spcAft>
+              <a:buClr>
+                <a:schemeClr val="accent1"/>
+              </a:buClr>
+              <a:buSzPct val="60000"/>
+              <a:buFont typeface="Zapf Dingbats" charset="2"/>
+              <a:buChar char="n"/>
+              <a:defRPr sz="2000">
+                <a:solidFill>
+                  <a:srgbClr val="000000"/>
+                </a:solidFill>
+                <a:latin typeface="+mn-lt"/>
+              </a:defRPr>
+            </a:lvl6pPr>
+            <a:lvl7pPr marL="2895600" indent="-228600" algn="l" rtl="0" fontAlgn="base">
+              <a:spcBef>
+                <a:spcPct val="20000"/>
+              </a:spcBef>
+              <a:spcAft>
+                <a:spcPct val="0"/>
+              </a:spcAft>
+              <a:buClr>
+                <a:schemeClr val="accent1"/>
+              </a:buClr>
+              <a:buSzPct val="60000"/>
+              <a:buFont typeface="Zapf Dingbats" charset="2"/>
+              <a:buChar char="n"/>
+              <a:defRPr sz="2000">
+                <a:solidFill>
+                  <a:srgbClr val="000000"/>
+                </a:solidFill>
+                <a:latin typeface="+mn-lt"/>
+              </a:defRPr>
+            </a:lvl7pPr>
+            <a:lvl8pPr marL="3352800" indent="-228600" algn="l" rtl="0" fontAlgn="base">
+              <a:spcBef>
+                <a:spcPct val="20000"/>
+              </a:spcBef>
+              <a:spcAft>
+                <a:spcPct val="0"/>
+              </a:spcAft>
+              <a:buClr>
+                <a:schemeClr val="accent1"/>
+              </a:buClr>
+              <a:buSzPct val="60000"/>
+              <a:buFont typeface="Zapf Dingbats" charset="2"/>
+              <a:buChar char="n"/>
+              <a:defRPr sz="2000">
+                <a:solidFill>
+                  <a:srgbClr val="000000"/>
+                </a:solidFill>
+                <a:latin typeface="+mn-lt"/>
+              </a:defRPr>
+            </a:lvl8pPr>
+            <a:lvl9pPr marL="3810000" indent="-228600" algn="l" rtl="0" fontAlgn="base">
+              <a:spcBef>
+                <a:spcPct val="20000"/>
+              </a:spcBef>
+              <a:spcAft>
+                <a:spcPct val="0"/>
+              </a:spcAft>
+              <a:buClr>
+                <a:schemeClr val="accent1"/>
+              </a:buClr>
+              <a:buSzPct val="60000"/>
+              <a:buFont typeface="Zapf Dingbats" charset="2"/>
+              <a:buChar char="n"/>
+              <a:defRPr sz="2000">
+                <a:solidFill>
+                  <a:srgbClr val="000000"/>
+                </a:solidFill>
+                <a:latin typeface="+mn-lt"/>
+              </a:defRPr>
+            </a:lvl9pPr>
+          </a:lstStyle>
+          <a:p>
+            <a:pPr marL="0" indent="0">
+              <a:buNone/>
+            </a:pPr>
+            <a:r>
+              <a:rPr lang="nl-NL" sz="1600" b="1" dirty="0">
+                <a:latin typeface="Courier New" panose="02070309020205020404" pitchFamily="49" charset="0"/>
+                <a:cs typeface="Courier New" panose="02070309020205020404" pitchFamily="49" charset="0"/>
+              </a:rPr>
+              <a:t>First, </a:t>
+            </a:r>
+            <a:r>
+              <a:rPr lang="nl-NL" sz="1600" b="1" dirty="0" err="1">
+                <a:latin typeface="Courier New" panose="02070309020205020404" pitchFamily="49" charset="0"/>
+                <a:cs typeface="Courier New" panose="02070309020205020404" pitchFamily="49" charset="0"/>
+              </a:rPr>
+              <a:t>install</a:t>
+            </a:r>
+            <a:r>
+              <a:rPr lang="nl-NL" sz="1600" b="1" dirty="0">
+                <a:latin typeface="Courier New" panose="02070309020205020404" pitchFamily="49" charset="0"/>
+                <a:cs typeface="Courier New" panose="02070309020205020404" pitchFamily="49" charset="0"/>
+              </a:rPr>
+              <a:t> </a:t>
+            </a:r>
+            <a:r>
+              <a:rPr lang="nl-NL" sz="1600" b="1" dirty="0" err="1">
+                <a:latin typeface="Courier New" panose="02070309020205020404" pitchFamily="49" charset="0"/>
+                <a:cs typeface="Courier New" panose="02070309020205020404" pitchFamily="49" charset="0"/>
+              </a:rPr>
+              <a:t>graphviz</a:t>
+            </a:r>
+            <a:r>
+              <a:rPr lang="nl-NL" sz="1600" b="1" dirty="0">
+                <a:latin typeface="Courier New" panose="02070309020205020404" pitchFamily="49" charset="0"/>
+                <a:cs typeface="Courier New" panose="02070309020205020404" pitchFamily="49" charset="0"/>
+              </a:rPr>
+              <a:t> </a:t>
+            </a:r>
+            <a:r>
+              <a:rPr lang="nl-NL" sz="1600" b="1" dirty="0" err="1">
+                <a:latin typeface="Courier New" panose="02070309020205020404" pitchFamily="49" charset="0"/>
+                <a:cs typeface="Courier New" panose="02070309020205020404" pitchFamily="49" charset="0"/>
+              </a:rPr>
+              <a:t>using</a:t>
+            </a:r>
+            <a:r>
+              <a:rPr lang="nl-NL" sz="1600" b="1" dirty="0">
+                <a:latin typeface="Courier New" panose="02070309020205020404" pitchFamily="49" charset="0"/>
+                <a:cs typeface="Courier New" panose="02070309020205020404" pitchFamily="49" charset="0"/>
+              </a:rPr>
+              <a:t>:</a:t>
+            </a:r>
+          </a:p>
+          <a:p>
+            <a:pPr>
+              <a:buFont typeface="+mj-lt"/>
+              <a:buAutoNum type="arabicPeriod"/>
+            </a:pPr>
+            <a:r>
+              <a:rPr lang="nl-NL" sz="1600" b="1" i="1" dirty="0" err="1">
+                <a:latin typeface="Courier New" panose="02070309020205020404" pitchFamily="49" charset="0"/>
+                <a:cs typeface="Courier New" panose="02070309020205020404" pitchFamily="49" charset="0"/>
+              </a:rPr>
+              <a:t>conda</a:t>
+            </a:r>
+            <a:r>
+              <a:rPr lang="nl-NL" sz="1600" b="1" i="1" dirty="0">
+                <a:latin typeface="Courier New" panose="02070309020205020404" pitchFamily="49" charset="0"/>
+                <a:cs typeface="Courier New" panose="02070309020205020404" pitchFamily="49" charset="0"/>
+              </a:rPr>
+              <a:t> </a:t>
+            </a:r>
+            <a:r>
+              <a:rPr lang="nl-NL" sz="1600" b="1" i="1" dirty="0" err="1">
+                <a:latin typeface="Courier New" panose="02070309020205020404" pitchFamily="49" charset="0"/>
+                <a:cs typeface="Courier New" panose="02070309020205020404" pitchFamily="49" charset="0"/>
+              </a:rPr>
+              <a:t>install</a:t>
+            </a:r>
+            <a:r>
+              <a:rPr lang="nl-NL" sz="1600" b="1" i="1" dirty="0">
+                <a:latin typeface="Courier New" panose="02070309020205020404" pitchFamily="49" charset="0"/>
+                <a:cs typeface="Courier New" panose="02070309020205020404" pitchFamily="49" charset="0"/>
+              </a:rPr>
+              <a:t> </a:t>
+            </a:r>
+            <a:r>
+              <a:rPr lang="nl-NL" sz="1600" b="1" i="1" dirty="0" err="1">
+                <a:latin typeface="Courier New" panose="02070309020205020404" pitchFamily="49" charset="0"/>
+                <a:cs typeface="Courier New" panose="02070309020205020404" pitchFamily="49" charset="0"/>
+              </a:rPr>
+              <a:t>graphviz</a:t>
+            </a:r>
+            <a:endParaRPr lang="nl-NL" sz="1600" b="1" i="1" dirty="0">
+              <a:latin typeface="Courier New" panose="02070309020205020404" pitchFamily="49" charset="0"/>
+              <a:cs typeface="Courier New" panose="02070309020205020404" pitchFamily="49" charset="0"/>
+            </a:endParaRPr>
+          </a:p>
+          <a:p>
+            <a:pPr>
+              <a:buFont typeface="+mj-lt"/>
+              <a:buAutoNum type="arabicPeriod"/>
+            </a:pPr>
+            <a:r>
+              <a:rPr lang="nl-NL" sz="1600" b="1" i="1" dirty="0" err="1">
+                <a:latin typeface="Courier New" panose="02070309020205020404" pitchFamily="49" charset="0"/>
+                <a:cs typeface="Courier New" panose="02070309020205020404" pitchFamily="49" charset="0"/>
+              </a:rPr>
+              <a:t>conda</a:t>
+            </a:r>
+            <a:r>
+              <a:rPr lang="nl-NL" sz="1600" b="1" i="1" dirty="0">
+                <a:latin typeface="Courier New" panose="02070309020205020404" pitchFamily="49" charset="0"/>
+                <a:cs typeface="Courier New" panose="02070309020205020404" pitchFamily="49" charset="0"/>
+              </a:rPr>
+              <a:t> </a:t>
+            </a:r>
+            <a:r>
+              <a:rPr lang="nl-NL" sz="1600" b="1" i="1" dirty="0" err="1">
+                <a:latin typeface="Courier New" panose="02070309020205020404" pitchFamily="49" charset="0"/>
+                <a:cs typeface="Courier New" panose="02070309020205020404" pitchFamily="49" charset="0"/>
+              </a:rPr>
+              <a:t>install</a:t>
+            </a:r>
+            <a:r>
+              <a:rPr lang="nl-NL" sz="1600" b="1" i="1" dirty="0">
+                <a:latin typeface="Courier New" panose="02070309020205020404" pitchFamily="49" charset="0"/>
+                <a:cs typeface="Courier New" panose="02070309020205020404" pitchFamily="49" charset="0"/>
+              </a:rPr>
+              <a:t> python-</a:t>
+            </a:r>
+            <a:r>
+              <a:rPr lang="nl-NL" sz="1600" b="1" i="1" dirty="0" err="1">
+                <a:latin typeface="Courier New" panose="02070309020205020404" pitchFamily="49" charset="0"/>
+                <a:cs typeface="Courier New" panose="02070309020205020404" pitchFamily="49" charset="0"/>
+              </a:rPr>
+              <a:t>graphviz</a:t>
+            </a:r>
+            <a:endParaRPr lang="nl-NL" sz="1600" b="1" i="1" dirty="0">
+              <a:latin typeface="Courier New" panose="02070309020205020404" pitchFamily="49" charset="0"/>
+              <a:cs typeface="Courier New" panose="02070309020205020404" pitchFamily="49" charset="0"/>
+            </a:endParaRPr>
+          </a:p>
+          <a:p>
+            <a:pPr marL="0" indent="0">
+              <a:buNone/>
+            </a:pPr>
+            <a:endParaRPr lang="nl-NL" sz="1600" dirty="0">
+              <a:latin typeface="Courier New" panose="02070309020205020404" pitchFamily="49" charset="0"/>
+              <a:cs typeface="Courier New" panose="02070309020205020404" pitchFamily="49" charset="0"/>
+            </a:endParaRPr>
+          </a:p>
+          <a:p>
+            <a:pPr marL="0" indent="0">
+              <a:buNone/>
+            </a:pPr>
+            <a:r>
+              <a:rPr lang="nl-NL" sz="1600" dirty="0">
+                <a:latin typeface="Courier New" panose="02070309020205020404" pitchFamily="49" charset="0"/>
+                <a:cs typeface="Courier New" panose="02070309020205020404" pitchFamily="49" charset="0"/>
+              </a:rPr>
+              <a:t>Continue </a:t>
+            </a:r>
+            <a:r>
+              <a:rPr lang="nl-NL" sz="1600" dirty="0" err="1">
+                <a:latin typeface="Courier New" panose="02070309020205020404" pitchFamily="49" charset="0"/>
+                <a:cs typeface="Courier New" panose="02070309020205020404" pitchFamily="49" charset="0"/>
+              </a:rPr>
+              <a:t>with</a:t>
+            </a:r>
+            <a:r>
+              <a:rPr lang="nl-NL" sz="1600" dirty="0">
+                <a:latin typeface="Courier New" panose="02070309020205020404" pitchFamily="49" charset="0"/>
+                <a:cs typeface="Courier New" panose="02070309020205020404" pitchFamily="49" charset="0"/>
+              </a:rPr>
+              <a:t> the </a:t>
+            </a:r>
+            <a:r>
+              <a:rPr lang="nl-NL" sz="1600" i="1" dirty="0">
+                <a:latin typeface="Courier New" panose="02070309020205020404" pitchFamily="49" charset="0"/>
+                <a:cs typeface="Courier New" panose="02070309020205020404" pitchFamily="49" charset="0"/>
+              </a:rPr>
+              <a:t>Titanic </a:t>
+            </a:r>
+            <a:r>
+              <a:rPr lang="nl-NL" sz="1600" dirty="0">
+                <a:latin typeface="Courier New" panose="02070309020205020404" pitchFamily="49" charset="0"/>
+                <a:cs typeface="Courier New" panose="02070309020205020404" pitchFamily="49" charset="0"/>
+              </a:rPr>
+              <a:t>data set </a:t>
+            </a:r>
+            <a:r>
+              <a:rPr lang="nl-NL" sz="1600" dirty="0" err="1">
+                <a:latin typeface="Courier New" panose="02070309020205020404" pitchFamily="49" charset="0"/>
+                <a:cs typeface="Courier New" panose="02070309020205020404" pitchFamily="49" charset="0"/>
+              </a:rPr>
+              <a:t>and</a:t>
+            </a:r>
+            <a:r>
+              <a:rPr lang="nl-NL" sz="1600" dirty="0">
+                <a:latin typeface="Courier New" panose="02070309020205020404" pitchFamily="49" charset="0"/>
+                <a:cs typeface="Courier New" panose="02070309020205020404" pitchFamily="49" charset="0"/>
+              </a:rPr>
+              <a:t> the </a:t>
+            </a:r>
+            <a:r>
+              <a:rPr lang="nl-NL" sz="1600" dirty="0" err="1">
+                <a:latin typeface="Courier New" panose="02070309020205020404" pitchFamily="49" charset="0"/>
+                <a:cs typeface="Courier New" panose="02070309020205020404" pitchFamily="49" charset="0"/>
+              </a:rPr>
+              <a:t>same</a:t>
+            </a:r>
+            <a:r>
+              <a:rPr lang="nl-NL" sz="1600" dirty="0">
+                <a:latin typeface="Courier New" panose="02070309020205020404" pitchFamily="49" charset="0"/>
+                <a:cs typeface="Courier New" panose="02070309020205020404" pitchFamily="49" charset="0"/>
+              </a:rPr>
+              <a:t> variables </a:t>
+            </a:r>
+            <a:r>
+              <a:rPr lang="nl-NL" sz="1600" dirty="0" err="1">
+                <a:latin typeface="Courier New" panose="02070309020205020404" pitchFamily="49" charset="0"/>
+                <a:cs typeface="Courier New" panose="02070309020205020404" pitchFamily="49" charset="0"/>
+              </a:rPr>
+              <a:t>that</a:t>
+            </a:r>
+            <a:r>
+              <a:rPr lang="nl-NL" sz="1600" dirty="0">
+                <a:latin typeface="Courier New" panose="02070309020205020404" pitchFamily="49" charset="0"/>
+                <a:cs typeface="Courier New" panose="02070309020205020404" pitchFamily="49" charset="0"/>
+              </a:rPr>
+              <a:t> </a:t>
+            </a:r>
+            <a:r>
+              <a:rPr lang="nl-NL" sz="1600" dirty="0" err="1">
+                <a:latin typeface="Courier New" panose="02070309020205020404" pitchFamily="49" charset="0"/>
+                <a:cs typeface="Courier New" panose="02070309020205020404" pitchFamily="49" charset="0"/>
+              </a:rPr>
+              <a:t>you</a:t>
+            </a:r>
+            <a:r>
+              <a:rPr lang="nl-NL" sz="1600" dirty="0">
+                <a:latin typeface="Courier New" panose="02070309020205020404" pitchFamily="49" charset="0"/>
+                <a:cs typeface="Courier New" panose="02070309020205020404" pitchFamily="49" charset="0"/>
+              </a:rPr>
+              <a:t> </a:t>
+            </a:r>
+            <a:r>
+              <a:rPr lang="nl-NL" sz="1600" dirty="0" err="1">
+                <a:latin typeface="Courier New" panose="02070309020205020404" pitchFamily="49" charset="0"/>
+                <a:cs typeface="Courier New" panose="02070309020205020404" pitchFamily="49" charset="0"/>
+              </a:rPr>
+              <a:t>selected</a:t>
+            </a:r>
+            <a:r>
+              <a:rPr lang="nl-NL" sz="1600" dirty="0">
+                <a:latin typeface="Courier New" panose="02070309020205020404" pitchFamily="49" charset="0"/>
+                <a:cs typeface="Courier New" panose="02070309020205020404" pitchFamily="49" charset="0"/>
+              </a:rPr>
+              <a:t>. See the </a:t>
+            </a:r>
+            <a:r>
+              <a:rPr lang="nl-NL" sz="1600" i="1" dirty="0" err="1">
+                <a:latin typeface="Courier New" panose="02070309020205020404" pitchFamily="49" charset="0"/>
+                <a:cs typeface="Courier New" panose="02070309020205020404" pitchFamily="49" charset="0"/>
+              </a:rPr>
+              <a:t>decision_tree</a:t>
+            </a:r>
+            <a:r>
+              <a:rPr lang="nl-NL" sz="1600" dirty="0">
+                <a:latin typeface="Courier New" panose="02070309020205020404" pitchFamily="49" charset="0"/>
+                <a:cs typeface="Courier New" panose="02070309020205020404" pitchFamily="49" charset="0"/>
+              </a:rPr>
+              <a:t> Notebook </a:t>
+            </a:r>
+            <a:r>
+              <a:rPr lang="nl-NL" sz="1600" dirty="0" err="1">
+                <a:latin typeface="Courier New" panose="02070309020205020404" pitchFamily="49" charset="0"/>
+                <a:cs typeface="Courier New" panose="02070309020205020404" pitchFamily="49" charset="0"/>
+              </a:rPr>
+              <a:t>for</a:t>
+            </a:r>
+            <a:r>
+              <a:rPr lang="nl-NL" sz="1600" dirty="0">
+                <a:latin typeface="Courier New" panose="02070309020205020404" pitchFamily="49" charset="0"/>
+                <a:cs typeface="Courier New" panose="02070309020205020404" pitchFamily="49" charset="0"/>
+              </a:rPr>
+              <a:t> </a:t>
+            </a:r>
+            <a:r>
+              <a:rPr lang="nl-NL" sz="1600" dirty="0" err="1">
+                <a:latin typeface="Courier New" panose="02070309020205020404" pitchFamily="49" charset="0"/>
+                <a:cs typeface="Courier New" panose="02070309020205020404" pitchFamily="49" charset="0"/>
+              </a:rPr>
+              <a:t>example</a:t>
+            </a:r>
+            <a:r>
+              <a:rPr lang="nl-NL" sz="1600" dirty="0">
+                <a:latin typeface="Courier New" panose="02070309020205020404" pitchFamily="49" charset="0"/>
+                <a:cs typeface="Courier New" panose="02070309020205020404" pitchFamily="49" charset="0"/>
+              </a:rPr>
+              <a:t> code. It does </a:t>
+            </a:r>
+            <a:r>
+              <a:rPr lang="nl-NL" sz="1600" dirty="0" err="1">
+                <a:latin typeface="Courier New" panose="02070309020205020404" pitchFamily="49" charset="0"/>
+                <a:cs typeface="Courier New" panose="02070309020205020404" pitchFamily="49" charset="0"/>
+              </a:rPr>
+              <a:t>not</a:t>
+            </a:r>
+            <a:r>
+              <a:rPr lang="nl-NL" sz="1600" dirty="0">
+                <a:latin typeface="Courier New" panose="02070309020205020404" pitchFamily="49" charset="0"/>
+                <a:cs typeface="Courier New" panose="02070309020205020404" pitchFamily="49" charset="0"/>
+              </a:rPr>
+              <a:t> </a:t>
+            </a:r>
+            <a:r>
+              <a:rPr lang="nl-NL" sz="1600" dirty="0" err="1">
+                <a:latin typeface="Courier New" panose="02070309020205020404" pitchFamily="49" charset="0"/>
+                <a:cs typeface="Courier New" panose="02070309020205020404" pitchFamily="49" charset="0"/>
+              </a:rPr>
+              <a:t>contain</a:t>
+            </a:r>
+            <a:r>
+              <a:rPr lang="nl-NL" sz="1600" dirty="0">
+                <a:latin typeface="Courier New" panose="02070309020205020404" pitchFamily="49" charset="0"/>
+                <a:cs typeface="Courier New" panose="02070309020205020404" pitchFamily="49" charset="0"/>
+              </a:rPr>
+              <a:t> </a:t>
+            </a:r>
+            <a:r>
+              <a:rPr lang="nl-NL" sz="1600" dirty="0" err="1">
+                <a:latin typeface="Courier New" panose="02070309020205020404" pitchFamily="49" charset="0"/>
+                <a:cs typeface="Courier New" panose="02070309020205020404" pitchFamily="49" charset="0"/>
+              </a:rPr>
+              <a:t>excess</a:t>
+            </a:r>
+            <a:r>
+              <a:rPr lang="nl-NL" sz="1600" dirty="0">
+                <a:latin typeface="Courier New" panose="02070309020205020404" pitchFamily="49" charset="0"/>
+                <a:cs typeface="Courier New" panose="02070309020205020404" pitchFamily="49" charset="0"/>
+              </a:rPr>
+              <a:t> code (</a:t>
+            </a:r>
+            <a:r>
+              <a:rPr lang="nl-NL" sz="1600" dirty="0" err="1">
+                <a:latin typeface="Courier New" panose="02070309020205020404" pitchFamily="49" charset="0"/>
+                <a:cs typeface="Courier New" panose="02070309020205020404" pitchFamily="49" charset="0"/>
+              </a:rPr>
+              <a:t>things</a:t>
+            </a:r>
+            <a:r>
+              <a:rPr lang="nl-NL" sz="1600" dirty="0">
+                <a:latin typeface="Courier New" panose="02070309020205020404" pitchFamily="49" charset="0"/>
+                <a:cs typeface="Courier New" panose="02070309020205020404" pitchFamily="49" charset="0"/>
+              </a:rPr>
+              <a:t> </a:t>
+            </a:r>
+            <a:r>
+              <a:rPr lang="nl-NL" sz="1600" dirty="0" err="1">
+                <a:latin typeface="Courier New" panose="02070309020205020404" pitchFamily="49" charset="0"/>
+                <a:cs typeface="Courier New" panose="02070309020205020404" pitchFamily="49" charset="0"/>
+              </a:rPr>
+              <a:t>shown</a:t>
+            </a:r>
+            <a:r>
+              <a:rPr lang="nl-NL" sz="1600" dirty="0">
+                <a:latin typeface="Courier New" panose="02070309020205020404" pitchFamily="49" charset="0"/>
+                <a:cs typeface="Courier New" panose="02070309020205020404" pitchFamily="49" charset="0"/>
+              </a:rPr>
+              <a:t> </a:t>
+            </a:r>
+            <a:r>
+              <a:rPr lang="nl-NL" sz="1600" dirty="0" err="1">
+                <a:latin typeface="Courier New" panose="02070309020205020404" pitchFamily="49" charset="0"/>
+                <a:cs typeface="Courier New" panose="02070309020205020404" pitchFamily="49" charset="0"/>
+              </a:rPr>
+              <a:t>elsewhere</a:t>
+            </a:r>
+            <a:r>
+              <a:rPr lang="nl-NL" sz="1600" dirty="0">
+                <a:latin typeface="Courier New" panose="02070309020205020404" pitchFamily="49" charset="0"/>
+                <a:cs typeface="Courier New" panose="02070309020205020404" pitchFamily="49" charset="0"/>
+              </a:rPr>
+              <a:t>).</a:t>
+            </a:r>
+          </a:p>
+          <a:p>
+            <a:pPr marL="0" indent="0">
+              <a:buNone/>
+            </a:pPr>
+            <a:endParaRPr lang="nl-NL" sz="1600" dirty="0">
+              <a:latin typeface="Courier New" panose="02070309020205020404" pitchFamily="49" charset="0"/>
+              <a:cs typeface="Courier New" panose="02070309020205020404" pitchFamily="49" charset="0"/>
+            </a:endParaRPr>
+          </a:p>
+          <a:p>
+            <a:pPr>
+              <a:buFont typeface="+mj-lt"/>
+              <a:buAutoNum type="arabicPeriod"/>
+            </a:pPr>
+            <a:r>
+              <a:rPr lang="nl-NL" sz="1600" dirty="0">
+                <a:latin typeface="Courier New" panose="02070309020205020404" pitchFamily="49" charset="0"/>
+                <a:cs typeface="Courier New" panose="02070309020205020404" pitchFamily="49" charset="0"/>
+              </a:rPr>
+              <a:t>Split the data </a:t>
+            </a:r>
+            <a:r>
+              <a:rPr lang="nl-NL" sz="1600" dirty="0" err="1">
+                <a:latin typeface="Courier New" panose="02070309020205020404" pitchFamily="49" charset="0"/>
+                <a:cs typeface="Courier New" panose="02070309020205020404" pitchFamily="49" charset="0"/>
+              </a:rPr>
+              <a:t>into</a:t>
+            </a:r>
+            <a:r>
+              <a:rPr lang="nl-NL" sz="1600" dirty="0">
+                <a:latin typeface="Courier New" panose="02070309020205020404" pitchFamily="49" charset="0"/>
+                <a:cs typeface="Courier New" panose="02070309020205020404" pitchFamily="49" charset="0"/>
+              </a:rPr>
+              <a:t> a training </a:t>
+            </a:r>
+            <a:r>
+              <a:rPr lang="nl-NL" sz="1600" dirty="0" err="1">
+                <a:latin typeface="Courier New" panose="02070309020205020404" pitchFamily="49" charset="0"/>
+                <a:cs typeface="Courier New" panose="02070309020205020404" pitchFamily="49" charset="0"/>
+              </a:rPr>
+              <a:t>and</a:t>
+            </a:r>
+            <a:r>
+              <a:rPr lang="nl-NL" sz="1600" dirty="0">
+                <a:latin typeface="Courier New" panose="02070309020205020404" pitchFamily="49" charset="0"/>
+                <a:cs typeface="Courier New" panose="02070309020205020404" pitchFamily="49" charset="0"/>
+              </a:rPr>
+              <a:t> a test set</a:t>
+            </a:r>
+          </a:p>
+          <a:p>
+            <a:pPr>
+              <a:buFont typeface="+mj-lt"/>
+              <a:buAutoNum type="arabicPeriod"/>
+            </a:pPr>
+            <a:endParaRPr lang="nl-NL" sz="1600" dirty="0">
+              <a:latin typeface="Courier New" panose="02070309020205020404" pitchFamily="49" charset="0"/>
+              <a:cs typeface="Courier New" panose="02070309020205020404" pitchFamily="49" charset="0"/>
+            </a:endParaRPr>
+          </a:p>
+          <a:p>
+            <a:pPr>
+              <a:buFont typeface="+mj-lt"/>
+              <a:buAutoNum type="arabicPeriod"/>
+            </a:pPr>
+            <a:r>
+              <a:rPr lang="nl-NL" sz="1600" dirty="0">
+                <a:latin typeface="Courier New" panose="02070309020205020404" pitchFamily="49" charset="0"/>
+                <a:cs typeface="Courier New" panose="02070309020205020404" pitchFamily="49" charset="0"/>
+              </a:rPr>
+              <a:t>Train a </a:t>
+            </a:r>
+            <a:r>
+              <a:rPr lang="nl-NL" sz="1600" dirty="0" err="1">
+                <a:latin typeface="Courier New" panose="02070309020205020404" pitchFamily="49" charset="0"/>
+                <a:cs typeface="Courier New" panose="02070309020205020404" pitchFamily="49" charset="0"/>
+              </a:rPr>
+              <a:t>decision</a:t>
+            </a:r>
+            <a:r>
+              <a:rPr lang="nl-NL" sz="1600" dirty="0">
+                <a:latin typeface="Courier New" panose="02070309020205020404" pitchFamily="49" charset="0"/>
+                <a:cs typeface="Courier New" panose="02070309020205020404" pitchFamily="49" charset="0"/>
+              </a:rPr>
+              <a:t> tree on the training data set </a:t>
+            </a:r>
+            <a:r>
+              <a:rPr lang="nl-NL" sz="1600" dirty="0" err="1">
+                <a:latin typeface="Courier New" panose="02070309020205020404" pitchFamily="49" charset="0"/>
+                <a:cs typeface="Courier New" panose="02070309020205020404" pitchFamily="49" charset="0"/>
+              </a:rPr>
+              <a:t>and</a:t>
+            </a:r>
+            <a:r>
+              <a:rPr lang="nl-NL" sz="1600" dirty="0">
+                <a:latin typeface="Courier New" panose="02070309020205020404" pitchFamily="49" charset="0"/>
+                <a:cs typeface="Courier New" panose="02070309020205020404" pitchFamily="49" charset="0"/>
+              </a:rPr>
+              <a:t> </a:t>
+            </a:r>
+            <a:r>
+              <a:rPr lang="nl-NL" sz="1600" dirty="0" err="1">
+                <a:latin typeface="Courier New" panose="02070309020205020404" pitchFamily="49" charset="0"/>
+                <a:cs typeface="Courier New" panose="02070309020205020404" pitchFamily="49" charset="0"/>
+              </a:rPr>
+              <a:t>visualize</a:t>
+            </a:r>
+            <a:r>
+              <a:rPr lang="nl-NL" sz="1600" dirty="0">
+                <a:latin typeface="Courier New" panose="02070309020205020404" pitchFamily="49" charset="0"/>
+                <a:cs typeface="Courier New" panose="02070309020205020404" pitchFamily="49" charset="0"/>
+              </a:rPr>
+              <a:t> it. How do </a:t>
+            </a:r>
+            <a:r>
+              <a:rPr lang="nl-NL" sz="1600" dirty="0" err="1">
+                <a:latin typeface="Courier New" panose="02070309020205020404" pitchFamily="49" charset="0"/>
+                <a:cs typeface="Courier New" panose="02070309020205020404" pitchFamily="49" charset="0"/>
+              </a:rPr>
+              <a:t>you</a:t>
+            </a:r>
+            <a:r>
+              <a:rPr lang="nl-NL" sz="1600" dirty="0">
+                <a:latin typeface="Courier New" panose="02070309020205020404" pitchFamily="49" charset="0"/>
+                <a:cs typeface="Courier New" panose="02070309020205020404" pitchFamily="49" charset="0"/>
+              </a:rPr>
+              <a:t> </a:t>
+            </a:r>
+            <a:r>
+              <a:rPr lang="nl-NL" sz="1600" dirty="0" err="1">
+                <a:latin typeface="Courier New" panose="02070309020205020404" pitchFamily="49" charset="0"/>
+                <a:cs typeface="Courier New" panose="02070309020205020404" pitchFamily="49" charset="0"/>
+              </a:rPr>
+              <a:t>interpret</a:t>
+            </a:r>
+            <a:r>
+              <a:rPr lang="nl-NL" sz="1600" dirty="0">
+                <a:latin typeface="Courier New" panose="02070309020205020404" pitchFamily="49" charset="0"/>
+                <a:cs typeface="Courier New" panose="02070309020205020404" pitchFamily="49" charset="0"/>
+              </a:rPr>
+              <a:t> the tree? </a:t>
+            </a:r>
+            <a:r>
+              <a:rPr lang="nl-NL" sz="1600" dirty="0" err="1">
+                <a:latin typeface="Courier New" panose="02070309020205020404" pitchFamily="49" charset="0"/>
+                <a:cs typeface="Courier New" panose="02070309020205020404" pitchFamily="49" charset="0"/>
+              </a:rPr>
+              <a:t>Who</a:t>
+            </a:r>
+            <a:r>
+              <a:rPr lang="nl-NL" sz="1600" dirty="0">
+                <a:latin typeface="Courier New" panose="02070309020205020404" pitchFamily="49" charset="0"/>
+                <a:cs typeface="Courier New" panose="02070309020205020404" pitchFamily="49" charset="0"/>
+              </a:rPr>
+              <a:t> </a:t>
+            </a:r>
+            <a:r>
+              <a:rPr lang="nl-NL" sz="1600" dirty="0" err="1">
+                <a:latin typeface="Courier New" panose="02070309020205020404" pitchFamily="49" charset="0"/>
+                <a:cs typeface="Courier New" panose="02070309020205020404" pitchFamily="49" charset="0"/>
+              </a:rPr>
+              <a:t>survived</a:t>
+            </a:r>
+            <a:r>
+              <a:rPr lang="nl-NL" sz="1600" dirty="0">
+                <a:latin typeface="Courier New" panose="02070309020205020404" pitchFamily="49" charset="0"/>
+                <a:cs typeface="Courier New" panose="02070309020205020404" pitchFamily="49" charset="0"/>
+              </a:rPr>
+              <a:t> the Titanic?</a:t>
+            </a:r>
+          </a:p>
+          <a:p>
+            <a:pPr>
+              <a:buFont typeface="+mj-lt"/>
+              <a:buAutoNum type="arabicPeriod"/>
+            </a:pPr>
+            <a:endParaRPr lang="nl-NL" sz="1600" dirty="0">
+              <a:latin typeface="Courier New" panose="02070309020205020404" pitchFamily="49" charset="0"/>
+              <a:cs typeface="Courier New" panose="02070309020205020404" pitchFamily="49" charset="0"/>
+            </a:endParaRPr>
+          </a:p>
+          <a:p>
+            <a:pPr>
+              <a:buFont typeface="+mj-lt"/>
+              <a:buAutoNum type="arabicPeriod"/>
+            </a:pPr>
+            <a:r>
+              <a:rPr lang="nl-NL" sz="1600" dirty="0" err="1">
+                <a:latin typeface="Courier New" panose="02070309020205020404" pitchFamily="49" charset="0"/>
+                <a:cs typeface="Courier New" panose="02070309020205020404" pitchFamily="49" charset="0"/>
+              </a:rPr>
+              <a:t>Evaluate</a:t>
+            </a:r>
+            <a:r>
+              <a:rPr lang="nl-NL" sz="1600" dirty="0">
+                <a:latin typeface="Courier New" panose="02070309020205020404" pitchFamily="49" charset="0"/>
+                <a:cs typeface="Courier New" panose="02070309020205020404" pitchFamily="49" charset="0"/>
+              </a:rPr>
+              <a:t> the performance of the tree on the test set. Is </a:t>
+            </a:r>
+            <a:r>
+              <a:rPr lang="nl-NL" sz="1600" dirty="0" err="1">
+                <a:latin typeface="Courier New" panose="02070309020205020404" pitchFamily="49" charset="0"/>
+                <a:cs typeface="Courier New" panose="02070309020205020404" pitchFamily="49" charset="0"/>
+              </a:rPr>
+              <a:t>it</a:t>
+            </a:r>
+            <a:r>
+              <a:rPr lang="nl-NL" sz="1600" dirty="0">
+                <a:latin typeface="Courier New" panose="02070309020205020404" pitchFamily="49" charset="0"/>
+                <a:cs typeface="Courier New" panose="02070309020205020404" pitchFamily="49" charset="0"/>
+              </a:rPr>
+              <a:t> </a:t>
+            </a:r>
+            <a:r>
+              <a:rPr lang="nl-NL" sz="1600" dirty="0" err="1">
+                <a:latin typeface="Courier New" panose="02070309020205020404" pitchFamily="49" charset="0"/>
+                <a:cs typeface="Courier New" panose="02070309020205020404" pitchFamily="49" charset="0"/>
+              </a:rPr>
+              <a:t>better</a:t>
+            </a:r>
+            <a:r>
+              <a:rPr lang="nl-NL" sz="1600" dirty="0">
+                <a:latin typeface="Courier New" panose="02070309020205020404" pitchFamily="49" charset="0"/>
+                <a:cs typeface="Courier New" panose="02070309020205020404" pitchFamily="49" charset="0"/>
+              </a:rPr>
+              <a:t> or </a:t>
+            </a:r>
+            <a:r>
+              <a:rPr lang="nl-NL" sz="1600" dirty="0" err="1">
+                <a:latin typeface="Courier New" panose="02070309020205020404" pitchFamily="49" charset="0"/>
+                <a:cs typeface="Courier New" panose="02070309020205020404" pitchFamily="49" charset="0"/>
+              </a:rPr>
+              <a:t>worse</a:t>
+            </a:r>
+            <a:r>
+              <a:rPr lang="nl-NL" sz="1600" dirty="0">
+                <a:latin typeface="Courier New" panose="02070309020205020404" pitchFamily="49" charset="0"/>
+                <a:cs typeface="Courier New" panose="02070309020205020404" pitchFamily="49" charset="0"/>
+              </a:rPr>
+              <a:t> </a:t>
+            </a:r>
+            <a:r>
+              <a:rPr lang="nl-NL" sz="1600" dirty="0" err="1">
+                <a:latin typeface="Courier New" panose="02070309020205020404" pitchFamily="49" charset="0"/>
+                <a:cs typeface="Courier New" panose="02070309020205020404" pitchFamily="49" charset="0"/>
+              </a:rPr>
+              <a:t>than</a:t>
+            </a:r>
+            <a:r>
+              <a:rPr lang="nl-NL" sz="1600" dirty="0">
+                <a:latin typeface="Courier New" panose="02070309020205020404" pitchFamily="49" charset="0"/>
+                <a:cs typeface="Courier New" panose="02070309020205020404" pitchFamily="49" charset="0"/>
+              </a:rPr>
+              <a:t> the </a:t>
+            </a:r>
+            <a:r>
+              <a:rPr lang="nl-NL" sz="1600" i="1" dirty="0">
+                <a:latin typeface="Courier New" panose="02070309020205020404" pitchFamily="49" charset="0"/>
+                <a:cs typeface="Courier New" panose="02070309020205020404" pitchFamily="49" charset="0"/>
+              </a:rPr>
+              <a:t>k</a:t>
+            </a:r>
+            <a:r>
+              <a:rPr lang="nl-NL" sz="1600" dirty="0">
+                <a:latin typeface="Courier New" panose="02070309020205020404" pitchFamily="49" charset="0"/>
+                <a:cs typeface="Courier New" panose="02070309020205020404" pitchFamily="49" charset="0"/>
+              </a:rPr>
+              <a:t>-NN </a:t>
+            </a:r>
+            <a:r>
+              <a:rPr lang="nl-NL" sz="1600" dirty="0" err="1">
+                <a:latin typeface="Courier New" panose="02070309020205020404" pitchFamily="49" charset="0"/>
+                <a:cs typeface="Courier New" panose="02070309020205020404" pitchFamily="49" charset="0"/>
+              </a:rPr>
+              <a:t>that</a:t>
+            </a:r>
+            <a:r>
+              <a:rPr lang="nl-NL" sz="1600" dirty="0">
+                <a:latin typeface="Courier New" panose="02070309020205020404" pitchFamily="49" charset="0"/>
+                <a:cs typeface="Courier New" panose="02070309020205020404" pitchFamily="49" charset="0"/>
+              </a:rPr>
+              <a:t> </a:t>
+            </a:r>
+            <a:r>
+              <a:rPr lang="nl-NL" sz="1600" dirty="0" err="1">
+                <a:latin typeface="Courier New" panose="02070309020205020404" pitchFamily="49" charset="0"/>
+                <a:cs typeface="Courier New" panose="02070309020205020404" pitchFamily="49" charset="0"/>
+              </a:rPr>
+              <a:t>you</a:t>
+            </a:r>
+            <a:r>
+              <a:rPr lang="nl-NL" sz="1600" dirty="0">
+                <a:latin typeface="Courier New" panose="02070309020205020404" pitchFamily="49" charset="0"/>
+                <a:cs typeface="Courier New" panose="02070309020205020404" pitchFamily="49" charset="0"/>
+              </a:rPr>
+              <a:t> </a:t>
+            </a:r>
+            <a:r>
+              <a:rPr lang="nl-NL" sz="1600" dirty="0" err="1">
+                <a:latin typeface="Courier New" panose="02070309020205020404" pitchFamily="49" charset="0"/>
+                <a:cs typeface="Courier New" panose="02070309020205020404" pitchFamily="49" charset="0"/>
+              </a:rPr>
+              <a:t>used</a:t>
+            </a:r>
+            <a:r>
+              <a:rPr lang="nl-NL" sz="1600" dirty="0">
+                <a:latin typeface="Courier New" panose="02070309020205020404" pitchFamily="49" charset="0"/>
+                <a:cs typeface="Courier New" panose="02070309020205020404" pitchFamily="49" charset="0"/>
+              </a:rPr>
+              <a:t> </a:t>
+            </a:r>
+            <a:r>
+              <a:rPr lang="nl-NL" sz="1600" dirty="0" err="1">
+                <a:latin typeface="Courier New" panose="02070309020205020404" pitchFamily="49" charset="0"/>
+                <a:cs typeface="Courier New" panose="02070309020205020404" pitchFamily="49" charset="0"/>
+              </a:rPr>
+              <a:t>earlier</a:t>
+            </a:r>
+            <a:r>
+              <a:rPr lang="nl-NL" sz="1600" dirty="0">
+                <a:latin typeface="Courier New" panose="02070309020205020404" pitchFamily="49" charset="0"/>
+                <a:cs typeface="Courier New" panose="02070309020205020404" pitchFamily="49" charset="0"/>
+              </a:rPr>
+              <a:t>?</a:t>
+            </a:r>
+          </a:p>
+          <a:p>
+            <a:pPr>
+              <a:buFont typeface="+mj-lt"/>
+              <a:buAutoNum type="arabicPeriod"/>
+            </a:pPr>
+            <a:endParaRPr lang="nl-NL" sz="1600" dirty="0">
+              <a:latin typeface="Courier New" panose="02070309020205020404" pitchFamily="49" charset="0"/>
+              <a:cs typeface="Courier New" panose="02070309020205020404" pitchFamily="49" charset="0"/>
+            </a:endParaRPr>
+          </a:p>
+          <a:p>
+            <a:pPr>
+              <a:buFont typeface="+mj-lt"/>
+              <a:buAutoNum type="arabicPeriod"/>
+            </a:pPr>
+            <a:r>
+              <a:rPr lang="nl-NL" sz="1600" dirty="0">
+                <a:latin typeface="Courier New" panose="02070309020205020404" pitchFamily="49" charset="0"/>
+                <a:cs typeface="Courier New" panose="02070309020205020404" pitchFamily="49" charset="0"/>
+              </a:rPr>
+              <a:t>Experiment </a:t>
+            </a:r>
+            <a:r>
+              <a:rPr lang="nl-NL" sz="1600" dirty="0" err="1">
+                <a:latin typeface="Courier New" panose="02070309020205020404" pitchFamily="49" charset="0"/>
+                <a:cs typeface="Courier New" panose="02070309020205020404" pitchFamily="49" charset="0"/>
+              </a:rPr>
+              <a:t>with</a:t>
+            </a:r>
+            <a:r>
+              <a:rPr lang="nl-NL" sz="1600" dirty="0">
+                <a:latin typeface="Courier New" panose="02070309020205020404" pitchFamily="49" charset="0"/>
+                <a:cs typeface="Courier New" panose="02070309020205020404" pitchFamily="49" charset="0"/>
+              </a:rPr>
+              <a:t> different parameter </a:t>
+            </a:r>
+            <a:r>
+              <a:rPr lang="nl-NL" sz="1600" dirty="0" err="1">
+                <a:latin typeface="Courier New" panose="02070309020205020404" pitchFamily="49" charset="0"/>
+                <a:cs typeface="Courier New" panose="02070309020205020404" pitchFamily="49" charset="0"/>
+              </a:rPr>
+              <a:t>settings</a:t>
+            </a:r>
+            <a:r>
+              <a:rPr lang="nl-NL" sz="1600" dirty="0">
+                <a:latin typeface="Courier New" panose="02070309020205020404" pitchFamily="49" charset="0"/>
+                <a:cs typeface="Courier New" panose="02070309020205020404" pitchFamily="49" charset="0"/>
+              </a:rPr>
+              <a:t> </a:t>
+            </a:r>
+          </a:p>
+          <a:p>
+            <a:pPr>
+              <a:buFont typeface="+mj-lt"/>
+              <a:buAutoNum type="arabicPeriod"/>
+            </a:pPr>
+            <a:endParaRPr lang="nl-NL" sz="1600" dirty="0">
+              <a:latin typeface="Courier New" panose="02070309020205020404" pitchFamily="49" charset="0"/>
+              <a:cs typeface="Courier New" panose="02070309020205020404" pitchFamily="49" charset="0"/>
+            </a:endParaRPr>
+          </a:p>
+          <a:p>
+            <a:pPr marL="0" indent="0">
+              <a:buNone/>
+            </a:pPr>
+            <a:endParaRPr lang="nl-NL" sz="1600" dirty="0">
+              <a:latin typeface="Courier New" panose="02070309020205020404" pitchFamily="49" charset="0"/>
+              <a:cs typeface="Courier New" panose="02070309020205020404" pitchFamily="49" charset="0"/>
+            </a:endParaRPr>
+          </a:p>
+          <a:p>
+            <a:pPr>
+              <a:buFont typeface="+mj-lt"/>
+              <a:buAutoNum type="arabicPeriod"/>
+            </a:pPr>
+            <a:endParaRPr lang="nl-NL" sz="1600" dirty="0">
+              <a:latin typeface="Courier New" panose="02070309020205020404" pitchFamily="49" charset="0"/>
+              <a:cs typeface="Courier New" panose="02070309020205020404" pitchFamily="49" charset="0"/>
+            </a:endParaRPr>
+          </a:p>
+          <a:p>
+            <a:pPr marL="0" indent="0">
+              <a:buNone/>
+            </a:pPr>
+            <a:endParaRPr lang="nl-NL" sz="1600" dirty="0">
+              <a:latin typeface="Courier New" panose="02070309020205020404" pitchFamily="49" charset="0"/>
+              <a:cs typeface="Courier New" panose="02070309020205020404" pitchFamily="49" charset="0"/>
+            </a:endParaRPr>
+          </a:p>
+          <a:p>
+            <a:pPr marL="533400" lvl="1" indent="0">
+              <a:buNone/>
+            </a:pPr>
+            <a:endParaRPr lang="nl-NL" sz="1200" dirty="0">
+              <a:latin typeface="Courier New" panose="02070309020205020404" pitchFamily="49" charset="0"/>
+              <a:cs typeface="Courier New" panose="02070309020205020404" pitchFamily="49" charset="0"/>
+            </a:endParaRPr>
+          </a:p>
+          <a:p>
+            <a:pPr marL="57150" indent="0">
+              <a:buNone/>
+            </a:pPr>
+            <a:r>
+              <a:rPr lang="nl-NL" sz="1400" dirty="0">
+                <a:latin typeface="Courier New" panose="02070309020205020404" pitchFamily="49" charset="0"/>
+                <a:cs typeface="Courier New" panose="02070309020205020404" pitchFamily="49" charset="0"/>
+              </a:rPr>
+              <a:t> </a:t>
+            </a:r>
+          </a:p>
+          <a:p>
+            <a:pPr>
+              <a:buFont typeface="+mj-lt"/>
+              <a:buAutoNum type="arabicPeriod"/>
+            </a:pPr>
+            <a:endParaRPr lang="nl-NL" sz="1400" dirty="0">
+              <a:latin typeface="Courier New" panose="02070309020205020404" pitchFamily="49" charset="0"/>
+              <a:cs typeface="Courier New" panose="02070309020205020404" pitchFamily="49" charset="0"/>
+            </a:endParaRPr>
+          </a:p>
+          <a:p>
+            <a:pPr>
+              <a:buFont typeface="+mj-lt"/>
+              <a:buAutoNum type="arabicPeriod"/>
+            </a:pPr>
+            <a:endParaRPr lang="nl-NL" sz="1400" dirty="0">
+              <a:latin typeface="Courier New" panose="02070309020205020404" pitchFamily="49" charset="0"/>
+              <a:cs typeface="Courier New" panose="02070309020205020404" pitchFamily="49" charset="0"/>
+            </a:endParaRPr>
+          </a:p>
+          <a:p>
+            <a:pPr marL="0" indent="0">
+              <a:buNone/>
+            </a:pPr>
+            <a:endParaRPr lang="nl-NL" sz="1400" dirty="0">
+              <a:latin typeface="Courier New" panose="02070309020205020404" pitchFamily="49" charset="0"/>
+              <a:cs typeface="Courier New" panose="02070309020205020404" pitchFamily="49" charset="0"/>
+            </a:endParaRPr>
+          </a:p>
+        </p:txBody>
+      </p:sp>
+    </p:spTree>
+    <p:extLst>
+      <p:ext uri="{BB962C8B-B14F-4D97-AF65-F5344CB8AC3E}">
+        <p14:creationId xmlns:p14="http://schemas.microsoft.com/office/powerpoint/2010/main" val="2999232211"/>
       </p:ext>
     </p:extLst>
   </p:cSld>

--- a/slides/slides left out.pptx
+++ b/slides/slides left out.pptx
@@ -14,6 +14,11 @@
     <p:sldId id="263" r:id="rId8"/>
     <p:sldId id="264" r:id="rId9"/>
     <p:sldId id="266" r:id="rId10"/>
+    <p:sldId id="267" r:id="rId11"/>
+    <p:sldId id="269" r:id="rId12"/>
+    <p:sldId id="270" r:id="rId13"/>
+    <p:sldId id="271" r:id="rId14"/>
+    <p:sldId id="268" r:id="rId15"/>
   </p:sldIdLst>
   <p:sldSz cx="12192000" cy="6858000"/>
   <p:notesSz cx="6858000" cy="9144000"/>
@@ -120,6 +125,2450 @@
 </p:presentation>
 </file>
 
+<file path=ppt/charts/chart1.xml><?xml version="1.0" encoding="utf-8"?>
+<c:chartSpace xmlns:c="http://schemas.openxmlformats.org/drawingml/2006/chart" xmlns:a="http://schemas.openxmlformats.org/drawingml/2006/main" xmlns:r="http://schemas.openxmlformats.org/officeDocument/2006/relationships" xmlns:c16r2="http://schemas.microsoft.com/office/drawing/2015/06/chart">
+  <c:date1904 val="0"/>
+  <c:lang val="nl-NL"/>
+  <c:roundedCorners val="0"/>
+  <mc:AlternateContent xmlns:mc="http://schemas.openxmlformats.org/markup-compatibility/2006">
+    <mc:Choice xmlns:c14="http://schemas.microsoft.com/office/drawing/2007/8/2/chart" Requires="c14">
+      <c14:style val="102"/>
+    </mc:Choice>
+    <mc:Fallback>
+      <c:style val="2"/>
+    </mc:Fallback>
+  </mc:AlternateContent>
+  <c:clrMapOvr bg1="lt1" tx1="dk1" bg2="lt2" tx2="dk2" accent1="accent1" accent2="accent2" accent3="accent3" accent4="accent4" accent5="accent5" accent6="accent6" hlink="hlink" folHlink="folHlink"/>
+  <c:chart>
+    <c:autoTitleDeleted val="1"/>
+    <c:plotArea>
+      <c:layout>
+        <c:manualLayout>
+          <c:layoutTarget val="inner"/>
+          <c:xMode val="edge"/>
+          <c:yMode val="edge"/>
+          <c:x val="0.13834273840769903"/>
+          <c:y val="0.11372154918222882"/>
+          <c:w val="0.82265726159230101"/>
+          <c:h val="0.62981855528928454"/>
+        </c:manualLayout>
+      </c:layout>
+      <c:scatterChart>
+        <c:scatterStyle val="lineMarker"/>
+        <c:varyColors val="0"/>
+        <c:ser>
+          <c:idx val="0"/>
+          <c:order val="0"/>
+          <c:tx>
+            <c:strRef>
+              <c:f>Blad1!$J$7</c:f>
+              <c:strCache>
+                <c:ptCount val="1"/>
+                <c:pt idx="0">
+                  <c:v>The Godfather</c:v>
+                </c:pt>
+              </c:strCache>
+            </c:strRef>
+          </c:tx>
+          <c:spPr>
+            <a:ln w="19050" cap="rnd">
+              <a:noFill/>
+              <a:round/>
+            </a:ln>
+            <a:effectLst/>
+          </c:spPr>
+          <c:marker>
+            <c:symbol val="circle"/>
+            <c:size val="10"/>
+            <c:spPr>
+              <a:solidFill>
+                <a:schemeClr val="accent1"/>
+              </a:solidFill>
+              <a:ln w="38100">
+                <a:noFill/>
+              </a:ln>
+              <a:effectLst/>
+            </c:spPr>
+          </c:marker>
+          <c:dPt>
+            <c:idx val="0"/>
+            <c:marker>
+              <c:symbol val="circle"/>
+              <c:size val="10"/>
+              <c:spPr>
+                <a:solidFill>
+                  <a:schemeClr val="accent2"/>
+                </a:solidFill>
+                <a:ln w="38100">
+                  <a:noFill/>
+                </a:ln>
+                <a:effectLst/>
+              </c:spPr>
+            </c:marker>
+            <c:bubble3D val="0"/>
+            <c:extLst>
+              <c:ext xmlns:c16="http://schemas.microsoft.com/office/drawing/2014/chart" uri="{C3380CC4-5D6E-409C-BE32-E72D297353CC}">
+                <c16:uniqueId val="{00000000-F5B3-45E4-9732-3B235AE35923}"/>
+              </c:ext>
+            </c:extLst>
+          </c:dPt>
+          <c:dPt>
+            <c:idx val="1"/>
+            <c:marker>
+              <c:symbol val="circle"/>
+              <c:size val="10"/>
+              <c:spPr>
+                <a:solidFill>
+                  <a:srgbClr val="FF0000"/>
+                </a:solidFill>
+                <a:ln w="38100">
+                  <a:noFill/>
+                </a:ln>
+                <a:effectLst/>
+              </c:spPr>
+            </c:marker>
+            <c:bubble3D val="0"/>
+            <c:extLst>
+              <c:ext xmlns:c16="http://schemas.microsoft.com/office/drawing/2014/chart" uri="{C3380CC4-5D6E-409C-BE32-E72D297353CC}">
+                <c16:uniqueId val="{00000001-F5B3-45E4-9732-3B235AE35923}"/>
+              </c:ext>
+            </c:extLst>
+          </c:dPt>
+          <c:dPt>
+            <c:idx val="2"/>
+            <c:marker>
+              <c:symbol val="circle"/>
+              <c:size val="10"/>
+              <c:spPr>
+                <a:solidFill>
+                  <a:srgbClr val="0070C0"/>
+                </a:solidFill>
+                <a:ln w="38100">
+                  <a:noFill/>
+                </a:ln>
+                <a:effectLst/>
+              </c:spPr>
+            </c:marker>
+            <c:bubble3D val="0"/>
+            <c:extLst>
+              <c:ext xmlns:c16="http://schemas.microsoft.com/office/drawing/2014/chart" uri="{C3380CC4-5D6E-409C-BE32-E72D297353CC}">
+                <c16:uniqueId val="{00000002-F5B3-45E4-9732-3B235AE35923}"/>
+              </c:ext>
+            </c:extLst>
+          </c:dPt>
+          <c:dLbls>
+            <c:dLbl>
+              <c:idx val="0"/>
+              <c:layout/>
+              <c:tx>
+                <c:rich>
+                  <a:bodyPr/>
+                  <a:lstStyle/>
+                  <a:p>
+                    <a:fld id="{0A7E35ED-BFA6-47BF-9981-651EF4A11E0E}" type="CELLRANGE">
+                      <a:rPr lang="en-US"/>
+                      <a:pPr/>
+                      <a:t>[CELLRANGE]</a:t>
+                    </a:fld>
+                    <a:endParaRPr lang="nl-NL"/>
+                  </a:p>
+                </c:rich>
+              </c:tx>
+              <c:dLblPos val="t"/>
+              <c:showLegendKey val="0"/>
+              <c:showVal val="0"/>
+              <c:showCatName val="0"/>
+              <c:showSerName val="0"/>
+              <c:showPercent val="0"/>
+              <c:showBubbleSize val="0"/>
+              <c:extLst>
+                <c:ext xmlns:c15="http://schemas.microsoft.com/office/drawing/2012/chart" uri="{CE6537A1-D6FC-4f65-9D91-7224C49458BB}">
+                  <c15:layout/>
+                  <c15:dlblFieldTable/>
+                  <c15:showDataLabelsRange val="1"/>
+                </c:ext>
+                <c:ext xmlns:c16="http://schemas.microsoft.com/office/drawing/2014/chart" uri="{C3380CC4-5D6E-409C-BE32-E72D297353CC}">
+                  <c16:uniqueId val="{00000000-F5B3-45E4-9732-3B235AE35923}"/>
+                </c:ext>
+              </c:extLst>
+            </c:dLbl>
+            <c:dLbl>
+              <c:idx val="1"/>
+              <c:layout/>
+              <c:tx>
+                <c:rich>
+                  <a:bodyPr/>
+                  <a:lstStyle/>
+                  <a:p>
+                    <a:fld id="{6310EC85-3A8D-48E0-9515-0A7FE50F5916}" type="CELLRANGE">
+                      <a:rPr lang="nl-NL"/>
+                      <a:pPr/>
+                      <a:t>[CELLRANGE]</a:t>
+                    </a:fld>
+                    <a:endParaRPr lang="nl-NL"/>
+                  </a:p>
+                </c:rich>
+              </c:tx>
+              <c:dLblPos val="t"/>
+              <c:showLegendKey val="0"/>
+              <c:showVal val="0"/>
+              <c:showCatName val="0"/>
+              <c:showSerName val="0"/>
+              <c:showPercent val="0"/>
+              <c:showBubbleSize val="0"/>
+              <c:extLst>
+                <c:ext xmlns:c15="http://schemas.microsoft.com/office/drawing/2012/chart" uri="{CE6537A1-D6FC-4f65-9D91-7224C49458BB}">
+                  <c15:layout/>
+                  <c15:dlblFieldTable/>
+                  <c15:xForSave val="1"/>
+                  <c15:showDataLabelsRange val="1"/>
+                </c:ext>
+                <c:ext xmlns:c16="http://schemas.microsoft.com/office/drawing/2014/chart" uri="{C3380CC4-5D6E-409C-BE32-E72D297353CC}">
+                  <c16:uniqueId val="{00000001-F5B3-45E4-9732-3B235AE35923}"/>
+                </c:ext>
+              </c:extLst>
+            </c:dLbl>
+            <c:dLbl>
+              <c:idx val="2"/>
+              <c:layout/>
+              <c:tx>
+                <c:rich>
+                  <a:bodyPr/>
+                  <a:lstStyle/>
+                  <a:p>
+                    <a:fld id="{F62CE66F-8BAF-46F6-8FA4-39BFAC540696}" type="CELLRANGE">
+                      <a:rPr lang="nl-NL"/>
+                      <a:pPr/>
+                      <a:t>[CELLRANGE]</a:t>
+                    </a:fld>
+                    <a:endParaRPr lang="nl-NL"/>
+                  </a:p>
+                </c:rich>
+              </c:tx>
+              <c:dLblPos val="t"/>
+              <c:showLegendKey val="0"/>
+              <c:showVal val="0"/>
+              <c:showCatName val="0"/>
+              <c:showSerName val="0"/>
+              <c:showPercent val="0"/>
+              <c:showBubbleSize val="0"/>
+              <c:extLst>
+                <c:ext xmlns:c15="http://schemas.microsoft.com/office/drawing/2012/chart" uri="{CE6537A1-D6FC-4f65-9D91-7224C49458BB}">
+                  <c15:layout/>
+                  <c15:dlblFieldTable/>
+                  <c15:xForSave val="1"/>
+                  <c15:showDataLabelsRange val="1"/>
+                </c:ext>
+                <c:ext xmlns:c16="http://schemas.microsoft.com/office/drawing/2014/chart" uri="{C3380CC4-5D6E-409C-BE32-E72D297353CC}">
+                  <c16:uniqueId val="{00000002-F5B3-45E4-9732-3B235AE35923}"/>
+                </c:ext>
+              </c:extLst>
+            </c:dLbl>
+            <c:spPr>
+              <a:noFill/>
+              <a:ln>
+                <a:noFill/>
+              </a:ln>
+              <a:effectLst/>
+            </c:spPr>
+            <c:txPr>
+              <a:bodyPr rot="0" spcFirstLastPara="1" vertOverflow="ellipsis" vert="horz" wrap="square" lIns="38100" tIns="19050" rIns="38100" bIns="19050" anchor="ctr" anchorCtr="1">
+                <a:spAutoFit/>
+              </a:bodyPr>
+              <a:lstStyle/>
+              <a:p>
+                <a:pPr>
+                  <a:defRPr sz="1800" b="0" i="0" u="none" strike="noStrike" kern="1200" baseline="0">
+                    <a:solidFill>
+                      <a:schemeClr val="tx1">
+                        <a:lumMod val="75000"/>
+                        <a:lumOff val="25000"/>
+                      </a:schemeClr>
+                    </a:solidFill>
+                    <a:latin typeface="+mn-lt"/>
+                    <a:ea typeface="+mn-ea"/>
+                    <a:cs typeface="+mn-cs"/>
+                  </a:defRPr>
+                </a:pPr>
+                <a:endParaRPr lang="nl-NL"/>
+              </a:p>
+            </c:txPr>
+            <c:dLblPos val="t"/>
+            <c:showLegendKey val="0"/>
+            <c:showVal val="0"/>
+            <c:showCatName val="0"/>
+            <c:showSerName val="0"/>
+            <c:showPercent val="0"/>
+            <c:showBubbleSize val="0"/>
+            <c:showLeaderLines val="0"/>
+            <c:extLst>
+              <c:ext xmlns:c15="http://schemas.microsoft.com/office/drawing/2012/chart" uri="{CE6537A1-D6FC-4f65-9D91-7224C49458BB}">
+                <c15:layout/>
+                <c15:showDataLabelsRange val="1"/>
+                <c15:showLeaderLines val="1"/>
+                <c15:leaderLines>
+                  <c:spPr>
+                    <a:ln w="9525" cap="flat" cmpd="sng" algn="ctr">
+                      <a:solidFill>
+                        <a:schemeClr val="tx1">
+                          <a:lumMod val="35000"/>
+                          <a:lumOff val="65000"/>
+                        </a:schemeClr>
+                      </a:solidFill>
+                      <a:round/>
+                    </a:ln>
+                    <a:effectLst/>
+                  </c:spPr>
+                </c15:leaderLines>
+              </c:ext>
+            </c:extLst>
+          </c:dLbls>
+          <c:xVal>
+            <c:numRef>
+              <c:f>Blad1!$I$8:$I$10</c:f>
+              <c:numCache>
+                <c:formatCode>General</c:formatCode>
+                <c:ptCount val="3"/>
+                <c:pt idx="0">
+                  <c:v>3</c:v>
+                </c:pt>
+                <c:pt idx="1">
+                  <c:v>5</c:v>
+                </c:pt>
+                <c:pt idx="2">
+                  <c:v>1</c:v>
+                </c:pt>
+              </c:numCache>
+            </c:numRef>
+          </c:xVal>
+          <c:yVal>
+            <c:numRef>
+              <c:f>Blad1!$J$8:$J$10</c:f>
+              <c:numCache>
+                <c:formatCode>General</c:formatCode>
+                <c:ptCount val="3"/>
+                <c:pt idx="0">
+                  <c:v>3</c:v>
+                </c:pt>
+                <c:pt idx="1">
+                  <c:v>5</c:v>
+                </c:pt>
+                <c:pt idx="2">
+                  <c:v>2</c:v>
+                </c:pt>
+              </c:numCache>
+            </c:numRef>
+          </c:yVal>
+          <c:smooth val="0"/>
+          <c:extLst>
+            <c:ext xmlns:c15="http://schemas.microsoft.com/office/drawing/2012/chart" uri="{02D57815-91ED-43cb-92C2-25804820EDAC}">
+              <c15:datalabelsRange>
+                <c15:f>Blad1!$I$13:$I$15</c15:f>
+                <c15:dlblRangeCache>
+                  <c:ptCount val="3"/>
+                  <c:pt idx="0">
+                    <c:v>User 2</c:v>
+                  </c:pt>
+                  <c:pt idx="1">
+                    <c:v>User 3</c:v>
+                  </c:pt>
+                  <c:pt idx="2">
+                    <c:v>User 1</c:v>
+                  </c:pt>
+                </c15:dlblRangeCache>
+              </c15:datalabelsRange>
+            </c:ext>
+            <c:ext xmlns:c16="http://schemas.microsoft.com/office/drawing/2014/chart" uri="{C3380CC4-5D6E-409C-BE32-E72D297353CC}">
+              <c16:uniqueId val="{00000003-F5B3-45E4-9732-3B235AE35923}"/>
+            </c:ext>
+          </c:extLst>
+        </c:ser>
+        <c:dLbls>
+          <c:showLegendKey val="0"/>
+          <c:showVal val="0"/>
+          <c:showCatName val="0"/>
+          <c:showSerName val="0"/>
+          <c:showPercent val="0"/>
+          <c:showBubbleSize val="0"/>
+        </c:dLbls>
+        <c:axId val="491948624"/>
+        <c:axId val="491949280"/>
+      </c:scatterChart>
+      <c:valAx>
+        <c:axId val="491948624"/>
+        <c:scaling>
+          <c:orientation val="minMax"/>
+          <c:max val="5"/>
+        </c:scaling>
+        <c:delete val="0"/>
+        <c:axPos val="b"/>
+        <c:majorGridlines>
+          <c:spPr>
+            <a:ln w="9525" cap="flat" cmpd="sng" algn="ctr">
+              <a:solidFill>
+                <a:schemeClr val="tx1">
+                  <a:lumMod val="15000"/>
+                  <a:lumOff val="85000"/>
+                </a:schemeClr>
+              </a:solidFill>
+              <a:round/>
+            </a:ln>
+            <a:effectLst/>
+          </c:spPr>
+        </c:majorGridlines>
+        <c:title>
+          <c:tx>
+            <c:rich>
+              <a:bodyPr rot="0" spcFirstLastPara="1" vertOverflow="ellipsis" vert="horz" wrap="square" anchor="ctr" anchorCtr="1"/>
+              <a:lstStyle/>
+              <a:p>
+                <a:pPr>
+                  <a:defRPr sz="2000" b="0" i="0" u="none" strike="noStrike" kern="1200" baseline="0">
+                    <a:solidFill>
+                      <a:schemeClr val="tx1">
+                        <a:lumMod val="65000"/>
+                        <a:lumOff val="35000"/>
+                      </a:schemeClr>
+                    </a:solidFill>
+                    <a:latin typeface="+mn-lt"/>
+                    <a:ea typeface="+mn-ea"/>
+                    <a:cs typeface="+mn-cs"/>
+                  </a:defRPr>
+                </a:pPr>
+                <a:r>
+                  <a:rPr lang="nl-NL" sz="2000"/>
+                  <a:t>Pulp Fiction</a:t>
+                </a:r>
+              </a:p>
+            </c:rich>
+          </c:tx>
+          <c:layout/>
+          <c:overlay val="0"/>
+          <c:spPr>
+            <a:noFill/>
+            <a:ln>
+              <a:noFill/>
+            </a:ln>
+            <a:effectLst/>
+          </c:spPr>
+          <c:txPr>
+            <a:bodyPr rot="0" spcFirstLastPara="1" vertOverflow="ellipsis" vert="horz" wrap="square" anchor="ctr" anchorCtr="1"/>
+            <a:lstStyle/>
+            <a:p>
+              <a:pPr>
+                <a:defRPr sz="2000" b="0" i="0" u="none" strike="noStrike" kern="1200" baseline="0">
+                  <a:solidFill>
+                    <a:schemeClr val="tx1">
+                      <a:lumMod val="65000"/>
+                      <a:lumOff val="35000"/>
+                    </a:schemeClr>
+                  </a:solidFill>
+                  <a:latin typeface="+mn-lt"/>
+                  <a:ea typeface="+mn-ea"/>
+                  <a:cs typeface="+mn-cs"/>
+                </a:defRPr>
+              </a:pPr>
+              <a:endParaRPr lang="nl-NL"/>
+            </a:p>
+          </c:txPr>
+        </c:title>
+        <c:numFmt formatCode="General" sourceLinked="1"/>
+        <c:majorTickMark val="none"/>
+        <c:minorTickMark val="none"/>
+        <c:tickLblPos val="nextTo"/>
+        <c:spPr>
+          <a:noFill/>
+          <a:ln w="9525" cap="flat" cmpd="sng" algn="ctr">
+            <a:solidFill>
+              <a:schemeClr val="tx1">
+                <a:lumMod val="25000"/>
+                <a:lumOff val="75000"/>
+              </a:schemeClr>
+            </a:solidFill>
+            <a:round/>
+          </a:ln>
+          <a:effectLst/>
+        </c:spPr>
+        <c:txPr>
+          <a:bodyPr rot="-60000000" spcFirstLastPara="1" vertOverflow="ellipsis" vert="horz" wrap="square" anchor="ctr" anchorCtr="1"/>
+          <a:lstStyle/>
+          <a:p>
+            <a:pPr>
+              <a:defRPr sz="1800" b="0" i="0" u="none" strike="noStrike" kern="1200" baseline="0">
+                <a:solidFill>
+                  <a:schemeClr val="tx1">
+                    <a:lumMod val="65000"/>
+                    <a:lumOff val="35000"/>
+                  </a:schemeClr>
+                </a:solidFill>
+                <a:latin typeface="+mn-lt"/>
+                <a:ea typeface="+mn-ea"/>
+                <a:cs typeface="+mn-cs"/>
+              </a:defRPr>
+            </a:pPr>
+            <a:endParaRPr lang="nl-NL"/>
+          </a:p>
+        </c:txPr>
+        <c:crossAx val="491949280"/>
+        <c:crosses val="autoZero"/>
+        <c:crossBetween val="midCat"/>
+        <c:majorUnit val="1"/>
+      </c:valAx>
+      <c:valAx>
+        <c:axId val="491949280"/>
+        <c:scaling>
+          <c:orientation val="minMax"/>
+          <c:max val="5"/>
+        </c:scaling>
+        <c:delete val="0"/>
+        <c:axPos val="l"/>
+        <c:majorGridlines>
+          <c:spPr>
+            <a:ln w="9525" cap="flat" cmpd="sng" algn="ctr">
+              <a:solidFill>
+                <a:schemeClr val="tx1">
+                  <a:lumMod val="15000"/>
+                  <a:lumOff val="85000"/>
+                </a:schemeClr>
+              </a:solidFill>
+              <a:round/>
+            </a:ln>
+            <a:effectLst/>
+          </c:spPr>
+        </c:majorGridlines>
+        <c:title>
+          <c:tx>
+            <c:rich>
+              <a:bodyPr rot="-5400000" spcFirstLastPara="1" vertOverflow="ellipsis" vert="horz" wrap="square" anchor="ctr" anchorCtr="1"/>
+              <a:lstStyle/>
+              <a:p>
+                <a:pPr>
+                  <a:defRPr sz="2000" b="0" i="0" u="none" strike="noStrike" kern="1200" baseline="0">
+                    <a:solidFill>
+                      <a:schemeClr val="tx1">
+                        <a:lumMod val="65000"/>
+                        <a:lumOff val="35000"/>
+                      </a:schemeClr>
+                    </a:solidFill>
+                    <a:latin typeface="+mn-lt"/>
+                    <a:ea typeface="+mn-ea"/>
+                    <a:cs typeface="+mn-cs"/>
+                  </a:defRPr>
+                </a:pPr>
+                <a:r>
+                  <a:rPr lang="nl-NL" sz="2000"/>
+                  <a:t>The Godfather</a:t>
+                </a:r>
+              </a:p>
+            </c:rich>
+          </c:tx>
+          <c:layout/>
+          <c:overlay val="0"/>
+          <c:spPr>
+            <a:noFill/>
+            <a:ln>
+              <a:noFill/>
+            </a:ln>
+            <a:effectLst/>
+          </c:spPr>
+          <c:txPr>
+            <a:bodyPr rot="-5400000" spcFirstLastPara="1" vertOverflow="ellipsis" vert="horz" wrap="square" anchor="ctr" anchorCtr="1"/>
+            <a:lstStyle/>
+            <a:p>
+              <a:pPr>
+                <a:defRPr sz="2000" b="0" i="0" u="none" strike="noStrike" kern="1200" baseline="0">
+                  <a:solidFill>
+                    <a:schemeClr val="tx1">
+                      <a:lumMod val="65000"/>
+                      <a:lumOff val="35000"/>
+                    </a:schemeClr>
+                  </a:solidFill>
+                  <a:latin typeface="+mn-lt"/>
+                  <a:ea typeface="+mn-ea"/>
+                  <a:cs typeface="+mn-cs"/>
+                </a:defRPr>
+              </a:pPr>
+              <a:endParaRPr lang="nl-NL"/>
+            </a:p>
+          </c:txPr>
+        </c:title>
+        <c:numFmt formatCode="General" sourceLinked="1"/>
+        <c:majorTickMark val="none"/>
+        <c:minorTickMark val="none"/>
+        <c:tickLblPos val="nextTo"/>
+        <c:spPr>
+          <a:noFill/>
+          <a:ln w="9525" cap="flat" cmpd="sng" algn="ctr">
+            <a:solidFill>
+              <a:schemeClr val="tx1">
+                <a:lumMod val="25000"/>
+                <a:lumOff val="75000"/>
+              </a:schemeClr>
+            </a:solidFill>
+            <a:round/>
+          </a:ln>
+          <a:effectLst/>
+        </c:spPr>
+        <c:txPr>
+          <a:bodyPr rot="-60000000" spcFirstLastPara="1" vertOverflow="ellipsis" vert="horz" wrap="square" anchor="ctr" anchorCtr="1"/>
+          <a:lstStyle/>
+          <a:p>
+            <a:pPr>
+              <a:defRPr sz="1800" b="0" i="0" u="none" strike="noStrike" kern="1200" baseline="0">
+                <a:solidFill>
+                  <a:schemeClr val="tx1">
+                    <a:lumMod val="65000"/>
+                    <a:lumOff val="35000"/>
+                  </a:schemeClr>
+                </a:solidFill>
+                <a:latin typeface="+mn-lt"/>
+                <a:ea typeface="+mn-ea"/>
+                <a:cs typeface="+mn-cs"/>
+              </a:defRPr>
+            </a:pPr>
+            <a:endParaRPr lang="nl-NL"/>
+          </a:p>
+        </c:txPr>
+        <c:crossAx val="491948624"/>
+        <c:crosses val="autoZero"/>
+        <c:crossBetween val="midCat"/>
+        <c:majorUnit val="1"/>
+      </c:valAx>
+      <c:spPr>
+        <a:noFill/>
+        <a:ln>
+          <a:noFill/>
+        </a:ln>
+        <a:effectLst/>
+      </c:spPr>
+    </c:plotArea>
+    <c:plotVisOnly val="1"/>
+    <c:dispBlanksAs val="gap"/>
+    <c:showDLblsOverMax val="0"/>
+  </c:chart>
+  <c:spPr>
+    <a:noFill/>
+    <a:ln>
+      <a:noFill/>
+    </a:ln>
+    <a:effectLst/>
+  </c:spPr>
+  <c:txPr>
+    <a:bodyPr/>
+    <a:lstStyle/>
+    <a:p>
+      <a:pPr>
+        <a:defRPr/>
+      </a:pPr>
+      <a:endParaRPr lang="nl-NL"/>
+    </a:p>
+  </c:txPr>
+  <c:externalData r:id="rId4">
+    <c:autoUpdate val="0"/>
+  </c:externalData>
+</c:chartSpace>
+</file>
+
+<file path=ppt/charts/chart2.xml><?xml version="1.0" encoding="utf-8"?>
+<c:chartSpace xmlns:c="http://schemas.openxmlformats.org/drawingml/2006/chart" xmlns:a="http://schemas.openxmlformats.org/drawingml/2006/main" xmlns:r="http://schemas.openxmlformats.org/officeDocument/2006/relationships" xmlns:c16r2="http://schemas.microsoft.com/office/drawing/2015/06/chart">
+  <c:date1904 val="0"/>
+  <c:lang val="nl-NL"/>
+  <c:roundedCorners val="0"/>
+  <mc:AlternateContent xmlns:mc="http://schemas.openxmlformats.org/markup-compatibility/2006">
+    <mc:Choice xmlns:c14="http://schemas.microsoft.com/office/drawing/2007/8/2/chart" Requires="c14">
+      <c14:style val="102"/>
+    </mc:Choice>
+    <mc:Fallback>
+      <c:style val="2"/>
+    </mc:Fallback>
+  </mc:AlternateContent>
+  <c:clrMapOvr bg1="lt1" tx1="dk1" bg2="lt2" tx2="dk2" accent1="accent1" accent2="accent2" accent3="accent3" accent4="accent4" accent5="accent5" accent6="accent6" hlink="hlink" folHlink="folHlink"/>
+  <c:chart>
+    <c:autoTitleDeleted val="1"/>
+    <c:plotArea>
+      <c:layout>
+        <c:manualLayout>
+          <c:layoutTarget val="inner"/>
+          <c:xMode val="edge"/>
+          <c:yMode val="edge"/>
+          <c:x val="0.13834273840769903"/>
+          <c:y val="0.11372154918222882"/>
+          <c:w val="0.82265726159230101"/>
+          <c:h val="0.62981855528928454"/>
+        </c:manualLayout>
+      </c:layout>
+      <c:scatterChart>
+        <c:scatterStyle val="lineMarker"/>
+        <c:varyColors val="0"/>
+        <c:ser>
+          <c:idx val="0"/>
+          <c:order val="0"/>
+          <c:tx>
+            <c:strRef>
+              <c:f>Blad1!$J$7</c:f>
+              <c:strCache>
+                <c:ptCount val="1"/>
+                <c:pt idx="0">
+                  <c:v>The Godfather</c:v>
+                </c:pt>
+              </c:strCache>
+            </c:strRef>
+          </c:tx>
+          <c:spPr>
+            <a:ln w="19050" cap="rnd">
+              <a:noFill/>
+              <a:round/>
+            </a:ln>
+            <a:effectLst/>
+          </c:spPr>
+          <c:marker>
+            <c:symbol val="circle"/>
+            <c:size val="10"/>
+            <c:spPr>
+              <a:solidFill>
+                <a:schemeClr val="accent1"/>
+              </a:solidFill>
+              <a:ln w="38100">
+                <a:noFill/>
+              </a:ln>
+              <a:effectLst/>
+            </c:spPr>
+          </c:marker>
+          <c:dPt>
+            <c:idx val="0"/>
+            <c:marker>
+              <c:symbol val="circle"/>
+              <c:size val="10"/>
+              <c:spPr>
+                <a:solidFill>
+                  <a:schemeClr val="accent2"/>
+                </a:solidFill>
+                <a:ln w="38100">
+                  <a:noFill/>
+                </a:ln>
+                <a:effectLst/>
+              </c:spPr>
+            </c:marker>
+            <c:bubble3D val="0"/>
+            <c:extLst>
+              <c:ext xmlns:c16="http://schemas.microsoft.com/office/drawing/2014/chart" uri="{C3380CC4-5D6E-409C-BE32-E72D297353CC}">
+                <c16:uniqueId val="{00000000-972D-4EBD-97EE-DAC29AFB9263}"/>
+              </c:ext>
+            </c:extLst>
+          </c:dPt>
+          <c:dPt>
+            <c:idx val="1"/>
+            <c:marker>
+              <c:symbol val="circle"/>
+              <c:size val="10"/>
+              <c:spPr>
+                <a:solidFill>
+                  <a:srgbClr val="FF0000"/>
+                </a:solidFill>
+                <a:ln w="38100">
+                  <a:noFill/>
+                </a:ln>
+                <a:effectLst/>
+              </c:spPr>
+            </c:marker>
+            <c:bubble3D val="0"/>
+            <c:extLst>
+              <c:ext xmlns:c16="http://schemas.microsoft.com/office/drawing/2014/chart" uri="{C3380CC4-5D6E-409C-BE32-E72D297353CC}">
+                <c16:uniqueId val="{00000001-972D-4EBD-97EE-DAC29AFB9263}"/>
+              </c:ext>
+            </c:extLst>
+          </c:dPt>
+          <c:dPt>
+            <c:idx val="2"/>
+            <c:marker>
+              <c:symbol val="circle"/>
+              <c:size val="10"/>
+              <c:spPr>
+                <a:solidFill>
+                  <a:srgbClr val="0070C0"/>
+                </a:solidFill>
+                <a:ln w="38100">
+                  <a:noFill/>
+                </a:ln>
+                <a:effectLst/>
+              </c:spPr>
+            </c:marker>
+            <c:bubble3D val="0"/>
+            <c:extLst>
+              <c:ext xmlns:c16="http://schemas.microsoft.com/office/drawing/2014/chart" uri="{C3380CC4-5D6E-409C-BE32-E72D297353CC}">
+                <c16:uniqueId val="{00000002-972D-4EBD-97EE-DAC29AFB9263}"/>
+              </c:ext>
+            </c:extLst>
+          </c:dPt>
+          <c:dLbls>
+            <c:dLbl>
+              <c:idx val="0"/>
+              <c:layout/>
+              <c:tx>
+                <c:rich>
+                  <a:bodyPr/>
+                  <a:lstStyle/>
+                  <a:p>
+                    <a:fld id="{6A235875-5E76-4DF9-9359-01954C9E69B8}" type="CELLRANGE">
+                      <a:rPr lang="en-US"/>
+                      <a:pPr/>
+                      <a:t>[CELLRANGE]</a:t>
+                    </a:fld>
+                    <a:endParaRPr lang="nl-NL"/>
+                  </a:p>
+                </c:rich>
+              </c:tx>
+              <c:dLblPos val="t"/>
+              <c:showLegendKey val="0"/>
+              <c:showVal val="0"/>
+              <c:showCatName val="0"/>
+              <c:showSerName val="0"/>
+              <c:showPercent val="0"/>
+              <c:showBubbleSize val="0"/>
+              <c:extLst>
+                <c:ext xmlns:c15="http://schemas.microsoft.com/office/drawing/2012/chart" uri="{CE6537A1-D6FC-4f65-9D91-7224C49458BB}">
+                  <c15:layout/>
+                  <c15:dlblFieldTable/>
+                  <c15:showDataLabelsRange val="1"/>
+                </c:ext>
+                <c:ext xmlns:c16="http://schemas.microsoft.com/office/drawing/2014/chart" uri="{C3380CC4-5D6E-409C-BE32-E72D297353CC}">
+                  <c16:uniqueId val="{00000000-972D-4EBD-97EE-DAC29AFB9263}"/>
+                </c:ext>
+              </c:extLst>
+            </c:dLbl>
+            <c:dLbl>
+              <c:idx val="1"/>
+              <c:layout/>
+              <c:tx>
+                <c:rich>
+                  <a:bodyPr/>
+                  <a:lstStyle/>
+                  <a:p>
+                    <a:fld id="{D2B20B19-5B79-4E3E-80FF-7EE2B543F5D5}" type="CELLRANGE">
+                      <a:rPr lang="nl-NL"/>
+                      <a:pPr/>
+                      <a:t>[CELLRANGE]</a:t>
+                    </a:fld>
+                    <a:endParaRPr lang="nl-NL"/>
+                  </a:p>
+                </c:rich>
+              </c:tx>
+              <c:dLblPos val="t"/>
+              <c:showLegendKey val="0"/>
+              <c:showVal val="0"/>
+              <c:showCatName val="0"/>
+              <c:showSerName val="0"/>
+              <c:showPercent val="0"/>
+              <c:showBubbleSize val="0"/>
+              <c:extLst>
+                <c:ext xmlns:c15="http://schemas.microsoft.com/office/drawing/2012/chart" uri="{CE6537A1-D6FC-4f65-9D91-7224C49458BB}">
+                  <c15:layout/>
+                  <c15:dlblFieldTable/>
+                  <c15:xForSave val="1"/>
+                  <c15:showDataLabelsRange val="1"/>
+                </c:ext>
+                <c:ext xmlns:c16="http://schemas.microsoft.com/office/drawing/2014/chart" uri="{C3380CC4-5D6E-409C-BE32-E72D297353CC}">
+                  <c16:uniqueId val="{00000001-972D-4EBD-97EE-DAC29AFB9263}"/>
+                </c:ext>
+              </c:extLst>
+            </c:dLbl>
+            <c:dLbl>
+              <c:idx val="2"/>
+              <c:layout/>
+              <c:tx>
+                <c:rich>
+                  <a:bodyPr/>
+                  <a:lstStyle/>
+                  <a:p>
+                    <a:fld id="{EE58B245-353C-4A24-B529-DF6F1C3EB5AD}" type="CELLRANGE">
+                      <a:rPr lang="nl-NL"/>
+                      <a:pPr/>
+                      <a:t>[CELLRANGE]</a:t>
+                    </a:fld>
+                    <a:endParaRPr lang="nl-NL"/>
+                  </a:p>
+                </c:rich>
+              </c:tx>
+              <c:dLblPos val="t"/>
+              <c:showLegendKey val="0"/>
+              <c:showVal val="0"/>
+              <c:showCatName val="0"/>
+              <c:showSerName val="0"/>
+              <c:showPercent val="0"/>
+              <c:showBubbleSize val="0"/>
+              <c:extLst>
+                <c:ext xmlns:c15="http://schemas.microsoft.com/office/drawing/2012/chart" uri="{CE6537A1-D6FC-4f65-9D91-7224C49458BB}">
+                  <c15:layout/>
+                  <c15:dlblFieldTable/>
+                  <c15:xForSave val="1"/>
+                  <c15:showDataLabelsRange val="1"/>
+                </c:ext>
+                <c:ext xmlns:c16="http://schemas.microsoft.com/office/drawing/2014/chart" uri="{C3380CC4-5D6E-409C-BE32-E72D297353CC}">
+                  <c16:uniqueId val="{00000002-972D-4EBD-97EE-DAC29AFB9263}"/>
+                </c:ext>
+              </c:extLst>
+            </c:dLbl>
+            <c:spPr>
+              <a:noFill/>
+              <a:ln>
+                <a:noFill/>
+              </a:ln>
+              <a:effectLst/>
+            </c:spPr>
+            <c:txPr>
+              <a:bodyPr rot="0" spcFirstLastPara="1" vertOverflow="ellipsis" vert="horz" wrap="square" lIns="38100" tIns="19050" rIns="38100" bIns="19050" anchor="ctr" anchorCtr="1">
+                <a:spAutoFit/>
+              </a:bodyPr>
+              <a:lstStyle/>
+              <a:p>
+                <a:pPr>
+                  <a:defRPr sz="1800" b="0" i="0" u="none" strike="noStrike" kern="1200" baseline="0">
+                    <a:solidFill>
+                      <a:schemeClr val="tx1">
+                        <a:lumMod val="75000"/>
+                        <a:lumOff val="25000"/>
+                      </a:schemeClr>
+                    </a:solidFill>
+                    <a:latin typeface="+mn-lt"/>
+                    <a:ea typeface="+mn-ea"/>
+                    <a:cs typeface="+mn-cs"/>
+                  </a:defRPr>
+                </a:pPr>
+                <a:endParaRPr lang="nl-NL"/>
+              </a:p>
+            </c:txPr>
+            <c:dLblPos val="t"/>
+            <c:showLegendKey val="0"/>
+            <c:showVal val="0"/>
+            <c:showCatName val="0"/>
+            <c:showSerName val="0"/>
+            <c:showPercent val="0"/>
+            <c:showBubbleSize val="0"/>
+            <c:showLeaderLines val="0"/>
+            <c:extLst>
+              <c:ext xmlns:c15="http://schemas.microsoft.com/office/drawing/2012/chart" uri="{CE6537A1-D6FC-4f65-9D91-7224C49458BB}">
+                <c15:layout/>
+                <c15:showDataLabelsRange val="1"/>
+                <c15:showLeaderLines val="1"/>
+                <c15:leaderLines>
+                  <c:spPr>
+                    <a:ln w="9525" cap="flat" cmpd="sng" algn="ctr">
+                      <a:solidFill>
+                        <a:schemeClr val="tx1">
+                          <a:lumMod val="35000"/>
+                          <a:lumOff val="65000"/>
+                        </a:schemeClr>
+                      </a:solidFill>
+                      <a:round/>
+                    </a:ln>
+                    <a:effectLst/>
+                  </c:spPr>
+                </c15:leaderLines>
+              </c:ext>
+            </c:extLst>
+          </c:dLbls>
+          <c:xVal>
+            <c:numRef>
+              <c:f>Blad1!$I$8:$I$10</c:f>
+              <c:numCache>
+                <c:formatCode>General</c:formatCode>
+                <c:ptCount val="3"/>
+                <c:pt idx="0">
+                  <c:v>3</c:v>
+                </c:pt>
+                <c:pt idx="1">
+                  <c:v>5</c:v>
+                </c:pt>
+                <c:pt idx="2">
+                  <c:v>1</c:v>
+                </c:pt>
+              </c:numCache>
+            </c:numRef>
+          </c:xVal>
+          <c:yVal>
+            <c:numRef>
+              <c:f>Blad1!$J$8:$J$10</c:f>
+              <c:numCache>
+                <c:formatCode>General</c:formatCode>
+                <c:ptCount val="3"/>
+                <c:pt idx="0">
+                  <c:v>3</c:v>
+                </c:pt>
+                <c:pt idx="1">
+                  <c:v>5</c:v>
+                </c:pt>
+                <c:pt idx="2">
+                  <c:v>2</c:v>
+                </c:pt>
+              </c:numCache>
+            </c:numRef>
+          </c:yVal>
+          <c:smooth val="0"/>
+          <c:extLst>
+            <c:ext xmlns:c15="http://schemas.microsoft.com/office/drawing/2012/chart" uri="{02D57815-91ED-43cb-92C2-25804820EDAC}">
+              <c15:datalabelsRange>
+                <c15:f>Blad1!$I$13:$I$15</c15:f>
+                <c15:dlblRangeCache>
+                  <c:ptCount val="3"/>
+                  <c:pt idx="0">
+                    <c:v>User 2</c:v>
+                  </c:pt>
+                  <c:pt idx="1">
+                    <c:v>User 3</c:v>
+                  </c:pt>
+                  <c:pt idx="2">
+                    <c:v>User 1</c:v>
+                  </c:pt>
+                </c15:dlblRangeCache>
+              </c15:datalabelsRange>
+            </c:ext>
+            <c:ext xmlns:c16="http://schemas.microsoft.com/office/drawing/2014/chart" uri="{C3380CC4-5D6E-409C-BE32-E72D297353CC}">
+              <c16:uniqueId val="{00000003-972D-4EBD-97EE-DAC29AFB9263}"/>
+            </c:ext>
+          </c:extLst>
+        </c:ser>
+        <c:dLbls>
+          <c:showLegendKey val="0"/>
+          <c:showVal val="0"/>
+          <c:showCatName val="0"/>
+          <c:showSerName val="0"/>
+          <c:showPercent val="0"/>
+          <c:showBubbleSize val="0"/>
+        </c:dLbls>
+        <c:axId val="491948624"/>
+        <c:axId val="491949280"/>
+      </c:scatterChart>
+      <c:valAx>
+        <c:axId val="491948624"/>
+        <c:scaling>
+          <c:orientation val="minMax"/>
+          <c:max val="5"/>
+        </c:scaling>
+        <c:delete val="0"/>
+        <c:axPos val="b"/>
+        <c:majorGridlines>
+          <c:spPr>
+            <a:ln w="9525" cap="flat" cmpd="sng" algn="ctr">
+              <a:solidFill>
+                <a:schemeClr val="tx1">
+                  <a:lumMod val="15000"/>
+                  <a:lumOff val="85000"/>
+                </a:schemeClr>
+              </a:solidFill>
+              <a:round/>
+            </a:ln>
+            <a:effectLst/>
+          </c:spPr>
+        </c:majorGridlines>
+        <c:title>
+          <c:tx>
+            <c:rich>
+              <a:bodyPr rot="0" spcFirstLastPara="1" vertOverflow="ellipsis" vert="horz" wrap="square" anchor="ctr" anchorCtr="1"/>
+              <a:lstStyle/>
+              <a:p>
+                <a:pPr>
+                  <a:defRPr sz="2000" b="0" i="0" u="none" strike="noStrike" kern="1200" baseline="0">
+                    <a:solidFill>
+                      <a:schemeClr val="tx1">
+                        <a:lumMod val="65000"/>
+                        <a:lumOff val="35000"/>
+                      </a:schemeClr>
+                    </a:solidFill>
+                    <a:latin typeface="+mn-lt"/>
+                    <a:ea typeface="+mn-ea"/>
+                    <a:cs typeface="+mn-cs"/>
+                  </a:defRPr>
+                </a:pPr>
+                <a:r>
+                  <a:rPr lang="nl-NL" sz="2000"/>
+                  <a:t>Pulp Fiction</a:t>
+                </a:r>
+              </a:p>
+            </c:rich>
+          </c:tx>
+          <c:layout/>
+          <c:overlay val="0"/>
+          <c:spPr>
+            <a:noFill/>
+            <a:ln>
+              <a:noFill/>
+            </a:ln>
+            <a:effectLst/>
+          </c:spPr>
+          <c:txPr>
+            <a:bodyPr rot="0" spcFirstLastPara="1" vertOverflow="ellipsis" vert="horz" wrap="square" anchor="ctr" anchorCtr="1"/>
+            <a:lstStyle/>
+            <a:p>
+              <a:pPr>
+                <a:defRPr sz="2000" b="0" i="0" u="none" strike="noStrike" kern="1200" baseline="0">
+                  <a:solidFill>
+                    <a:schemeClr val="tx1">
+                      <a:lumMod val="65000"/>
+                      <a:lumOff val="35000"/>
+                    </a:schemeClr>
+                  </a:solidFill>
+                  <a:latin typeface="+mn-lt"/>
+                  <a:ea typeface="+mn-ea"/>
+                  <a:cs typeface="+mn-cs"/>
+                </a:defRPr>
+              </a:pPr>
+              <a:endParaRPr lang="nl-NL"/>
+            </a:p>
+          </c:txPr>
+        </c:title>
+        <c:numFmt formatCode="General" sourceLinked="1"/>
+        <c:majorTickMark val="none"/>
+        <c:minorTickMark val="none"/>
+        <c:tickLblPos val="nextTo"/>
+        <c:spPr>
+          <a:noFill/>
+          <a:ln w="9525" cap="flat" cmpd="sng" algn="ctr">
+            <a:solidFill>
+              <a:schemeClr val="tx1">
+                <a:lumMod val="25000"/>
+                <a:lumOff val="75000"/>
+              </a:schemeClr>
+            </a:solidFill>
+            <a:round/>
+          </a:ln>
+          <a:effectLst/>
+        </c:spPr>
+        <c:txPr>
+          <a:bodyPr rot="-60000000" spcFirstLastPara="1" vertOverflow="ellipsis" vert="horz" wrap="square" anchor="ctr" anchorCtr="1"/>
+          <a:lstStyle/>
+          <a:p>
+            <a:pPr>
+              <a:defRPr sz="1800" b="0" i="0" u="none" strike="noStrike" kern="1200" baseline="0">
+                <a:solidFill>
+                  <a:schemeClr val="tx1">
+                    <a:lumMod val="65000"/>
+                    <a:lumOff val="35000"/>
+                  </a:schemeClr>
+                </a:solidFill>
+                <a:latin typeface="+mn-lt"/>
+                <a:ea typeface="+mn-ea"/>
+                <a:cs typeface="+mn-cs"/>
+              </a:defRPr>
+            </a:pPr>
+            <a:endParaRPr lang="nl-NL"/>
+          </a:p>
+        </c:txPr>
+        <c:crossAx val="491949280"/>
+        <c:crosses val="autoZero"/>
+        <c:crossBetween val="midCat"/>
+        <c:majorUnit val="1"/>
+      </c:valAx>
+      <c:valAx>
+        <c:axId val="491949280"/>
+        <c:scaling>
+          <c:orientation val="minMax"/>
+          <c:max val="5"/>
+        </c:scaling>
+        <c:delete val="0"/>
+        <c:axPos val="l"/>
+        <c:majorGridlines>
+          <c:spPr>
+            <a:ln w="9525" cap="flat" cmpd="sng" algn="ctr">
+              <a:solidFill>
+                <a:schemeClr val="tx1">
+                  <a:lumMod val="15000"/>
+                  <a:lumOff val="85000"/>
+                </a:schemeClr>
+              </a:solidFill>
+              <a:round/>
+            </a:ln>
+            <a:effectLst/>
+          </c:spPr>
+        </c:majorGridlines>
+        <c:title>
+          <c:tx>
+            <c:rich>
+              <a:bodyPr rot="-5400000" spcFirstLastPara="1" vertOverflow="ellipsis" vert="horz" wrap="square" anchor="ctr" anchorCtr="1"/>
+              <a:lstStyle/>
+              <a:p>
+                <a:pPr>
+                  <a:defRPr sz="2000" b="0" i="0" u="none" strike="noStrike" kern="1200" baseline="0">
+                    <a:solidFill>
+                      <a:schemeClr val="tx1">
+                        <a:lumMod val="65000"/>
+                        <a:lumOff val="35000"/>
+                      </a:schemeClr>
+                    </a:solidFill>
+                    <a:latin typeface="+mn-lt"/>
+                    <a:ea typeface="+mn-ea"/>
+                    <a:cs typeface="+mn-cs"/>
+                  </a:defRPr>
+                </a:pPr>
+                <a:r>
+                  <a:rPr lang="nl-NL" sz="2000"/>
+                  <a:t>The Godfather</a:t>
+                </a:r>
+              </a:p>
+            </c:rich>
+          </c:tx>
+          <c:layout/>
+          <c:overlay val="0"/>
+          <c:spPr>
+            <a:noFill/>
+            <a:ln>
+              <a:noFill/>
+            </a:ln>
+            <a:effectLst/>
+          </c:spPr>
+          <c:txPr>
+            <a:bodyPr rot="-5400000" spcFirstLastPara="1" vertOverflow="ellipsis" vert="horz" wrap="square" anchor="ctr" anchorCtr="1"/>
+            <a:lstStyle/>
+            <a:p>
+              <a:pPr>
+                <a:defRPr sz="2000" b="0" i="0" u="none" strike="noStrike" kern="1200" baseline="0">
+                  <a:solidFill>
+                    <a:schemeClr val="tx1">
+                      <a:lumMod val="65000"/>
+                      <a:lumOff val="35000"/>
+                    </a:schemeClr>
+                  </a:solidFill>
+                  <a:latin typeface="+mn-lt"/>
+                  <a:ea typeface="+mn-ea"/>
+                  <a:cs typeface="+mn-cs"/>
+                </a:defRPr>
+              </a:pPr>
+              <a:endParaRPr lang="nl-NL"/>
+            </a:p>
+          </c:txPr>
+        </c:title>
+        <c:numFmt formatCode="General" sourceLinked="1"/>
+        <c:majorTickMark val="none"/>
+        <c:minorTickMark val="none"/>
+        <c:tickLblPos val="nextTo"/>
+        <c:spPr>
+          <a:noFill/>
+          <a:ln w="9525" cap="flat" cmpd="sng" algn="ctr">
+            <a:solidFill>
+              <a:schemeClr val="tx1">
+                <a:lumMod val="25000"/>
+                <a:lumOff val="75000"/>
+              </a:schemeClr>
+            </a:solidFill>
+            <a:round/>
+          </a:ln>
+          <a:effectLst/>
+        </c:spPr>
+        <c:txPr>
+          <a:bodyPr rot="-60000000" spcFirstLastPara="1" vertOverflow="ellipsis" vert="horz" wrap="square" anchor="ctr" anchorCtr="1"/>
+          <a:lstStyle/>
+          <a:p>
+            <a:pPr>
+              <a:defRPr sz="1800" b="0" i="0" u="none" strike="noStrike" kern="1200" baseline="0">
+                <a:solidFill>
+                  <a:schemeClr val="tx1">
+                    <a:lumMod val="65000"/>
+                    <a:lumOff val="35000"/>
+                  </a:schemeClr>
+                </a:solidFill>
+                <a:latin typeface="+mn-lt"/>
+                <a:ea typeface="+mn-ea"/>
+                <a:cs typeface="+mn-cs"/>
+              </a:defRPr>
+            </a:pPr>
+            <a:endParaRPr lang="nl-NL"/>
+          </a:p>
+        </c:txPr>
+        <c:crossAx val="491948624"/>
+        <c:crosses val="autoZero"/>
+        <c:crossBetween val="midCat"/>
+        <c:majorUnit val="1"/>
+      </c:valAx>
+      <c:spPr>
+        <a:noFill/>
+        <a:ln>
+          <a:noFill/>
+        </a:ln>
+        <a:effectLst/>
+      </c:spPr>
+    </c:plotArea>
+    <c:plotVisOnly val="1"/>
+    <c:dispBlanksAs val="gap"/>
+    <c:showDLblsOverMax val="0"/>
+  </c:chart>
+  <c:spPr>
+    <a:noFill/>
+    <a:ln>
+      <a:noFill/>
+    </a:ln>
+    <a:effectLst/>
+  </c:spPr>
+  <c:txPr>
+    <a:bodyPr/>
+    <a:lstStyle/>
+    <a:p>
+      <a:pPr>
+        <a:defRPr/>
+      </a:pPr>
+      <a:endParaRPr lang="nl-NL"/>
+    </a:p>
+  </c:txPr>
+  <c:externalData r:id="rId4">
+    <c:autoUpdate val="0"/>
+  </c:externalData>
+  <c:userShapes r:id="rId5"/>
+</c:chartSpace>
+</file>
+
+<file path=ppt/charts/colors1.xml><?xml version="1.0" encoding="utf-8"?>
+<cs:colorStyle xmlns:cs="http://schemas.microsoft.com/office/drawing/2012/chartStyle" xmlns:a="http://schemas.openxmlformats.org/drawingml/2006/main" meth="cycle" id="10">
+  <a:schemeClr val="accent1"/>
+  <a:schemeClr val="accent2"/>
+  <a:schemeClr val="accent3"/>
+  <a:schemeClr val="accent4"/>
+  <a:schemeClr val="accent5"/>
+  <a:schemeClr val="accent6"/>
+  <cs:variation/>
+  <cs:variation>
+    <a:lumMod val="60000"/>
+  </cs:variation>
+  <cs:variation>
+    <a:lumMod val="80000"/>
+    <a:lumOff val="20000"/>
+  </cs:variation>
+  <cs:variation>
+    <a:lumMod val="80000"/>
+  </cs:variation>
+  <cs:variation>
+    <a:lumMod val="60000"/>
+    <a:lumOff val="40000"/>
+  </cs:variation>
+  <cs:variation>
+    <a:lumMod val="50000"/>
+  </cs:variation>
+  <cs:variation>
+    <a:lumMod val="70000"/>
+    <a:lumOff val="30000"/>
+  </cs:variation>
+  <cs:variation>
+    <a:lumMod val="70000"/>
+  </cs:variation>
+  <cs:variation>
+    <a:lumMod val="50000"/>
+    <a:lumOff val="50000"/>
+  </cs:variation>
+</cs:colorStyle>
+</file>
+
+<file path=ppt/charts/colors2.xml><?xml version="1.0" encoding="utf-8"?>
+<cs:colorStyle xmlns:cs="http://schemas.microsoft.com/office/drawing/2012/chartStyle" xmlns:a="http://schemas.openxmlformats.org/drawingml/2006/main" meth="cycle" id="10">
+  <a:schemeClr val="accent1"/>
+  <a:schemeClr val="accent2"/>
+  <a:schemeClr val="accent3"/>
+  <a:schemeClr val="accent4"/>
+  <a:schemeClr val="accent5"/>
+  <a:schemeClr val="accent6"/>
+  <cs:variation/>
+  <cs:variation>
+    <a:lumMod val="60000"/>
+  </cs:variation>
+  <cs:variation>
+    <a:lumMod val="80000"/>
+    <a:lumOff val="20000"/>
+  </cs:variation>
+  <cs:variation>
+    <a:lumMod val="80000"/>
+  </cs:variation>
+  <cs:variation>
+    <a:lumMod val="60000"/>
+    <a:lumOff val="40000"/>
+  </cs:variation>
+  <cs:variation>
+    <a:lumMod val="50000"/>
+  </cs:variation>
+  <cs:variation>
+    <a:lumMod val="70000"/>
+    <a:lumOff val="30000"/>
+  </cs:variation>
+  <cs:variation>
+    <a:lumMod val="70000"/>
+  </cs:variation>
+  <cs:variation>
+    <a:lumMod val="50000"/>
+    <a:lumOff val="50000"/>
+  </cs:variation>
+</cs:colorStyle>
+</file>
+
+<file path=ppt/charts/style1.xml><?xml version="1.0" encoding="utf-8"?>
+<cs:chartStyle xmlns:cs="http://schemas.microsoft.com/office/drawing/2012/chartStyle" xmlns:a="http://schemas.openxmlformats.org/drawingml/2006/main" id="240">
+  <cs:axisTitle>
+    <cs:lnRef idx="0"/>
+    <cs:fillRef idx="0"/>
+    <cs:effectRef idx="0"/>
+    <cs:fontRef idx="minor">
+      <a:schemeClr val="tx1">
+        <a:lumMod val="65000"/>
+        <a:lumOff val="35000"/>
+      </a:schemeClr>
+    </cs:fontRef>
+    <cs:defRPr sz="1000" kern="1200"/>
+  </cs:axisTitle>
+  <cs:categoryAxis>
+    <cs:lnRef idx="0"/>
+    <cs:fillRef idx="0"/>
+    <cs:effectRef idx="0"/>
+    <cs:fontRef idx="minor">
+      <a:schemeClr val="tx1">
+        <a:lumMod val="65000"/>
+        <a:lumOff val="35000"/>
+      </a:schemeClr>
+    </cs:fontRef>
+    <cs:spPr>
+      <a:ln w="9525" cap="flat" cmpd="sng" algn="ctr">
+        <a:solidFill>
+          <a:schemeClr val="tx1">
+            <a:lumMod val="25000"/>
+            <a:lumOff val="75000"/>
+          </a:schemeClr>
+        </a:solidFill>
+        <a:round/>
+      </a:ln>
+    </cs:spPr>
+    <cs:defRPr sz="900" kern="1200"/>
+  </cs:categoryAxis>
+  <cs:chartArea mods="allowNoFillOverride allowNoLineOverride">
+    <cs:lnRef idx="0"/>
+    <cs:fillRef idx="0"/>
+    <cs:effectRef idx="0"/>
+    <cs:fontRef idx="minor">
+      <a:schemeClr val="tx1"/>
+    </cs:fontRef>
+    <cs:spPr>
+      <a:solidFill>
+        <a:schemeClr val="bg1"/>
+      </a:solidFill>
+      <a:ln w="9525" cap="flat" cmpd="sng" algn="ctr">
+        <a:solidFill>
+          <a:schemeClr val="tx1">
+            <a:lumMod val="15000"/>
+            <a:lumOff val="85000"/>
+          </a:schemeClr>
+        </a:solidFill>
+        <a:round/>
+      </a:ln>
+    </cs:spPr>
+    <cs:defRPr sz="1000" kern="1200"/>
+  </cs:chartArea>
+  <cs:dataLabel>
+    <cs:lnRef idx="0"/>
+    <cs:fillRef idx="0"/>
+    <cs:effectRef idx="0"/>
+    <cs:fontRef idx="minor">
+      <a:schemeClr val="tx1">
+        <a:lumMod val="75000"/>
+        <a:lumOff val="25000"/>
+      </a:schemeClr>
+    </cs:fontRef>
+    <cs:defRPr sz="900" kern="1200"/>
+  </cs:dataLabel>
+  <cs:dataLabelCallout>
+    <cs:lnRef idx="0"/>
+    <cs:fillRef idx="0"/>
+    <cs:effectRef idx="0"/>
+    <cs:fontRef idx="minor">
+      <a:schemeClr val="dk1">
+        <a:lumMod val="65000"/>
+        <a:lumOff val="35000"/>
+      </a:schemeClr>
+    </cs:fontRef>
+    <cs:spPr>
+      <a:solidFill>
+        <a:schemeClr val="lt1"/>
+      </a:solidFill>
+      <a:ln>
+        <a:solidFill>
+          <a:schemeClr val="dk1">
+            <a:lumMod val="25000"/>
+            <a:lumOff val="75000"/>
+          </a:schemeClr>
+        </a:solidFill>
+      </a:ln>
+    </cs:spPr>
+    <cs:defRPr sz="900" kern="1200"/>
+    <cs:bodyPr rot="0" spcFirstLastPara="1" vertOverflow="clip" horzOverflow="clip" vert="horz" wrap="square" lIns="36576" tIns="18288" rIns="36576" bIns="18288" anchor="ctr" anchorCtr="1">
+      <a:spAutoFit/>
+    </cs:bodyPr>
+  </cs:dataLabelCallout>
+  <cs:dataPoint>
+    <cs:lnRef idx="0"/>
+    <cs:fillRef idx="1">
+      <cs:styleClr val="auto"/>
+    </cs:fillRef>
+    <cs:effectRef idx="0"/>
+    <cs:fontRef idx="minor">
+      <a:schemeClr val="tx1"/>
+    </cs:fontRef>
+  </cs:dataPoint>
+  <cs:dataPoint3D>
+    <cs:lnRef idx="0"/>
+    <cs:fillRef idx="1">
+      <cs:styleClr val="auto"/>
+    </cs:fillRef>
+    <cs:effectRef idx="0"/>
+    <cs:fontRef idx="minor">
+      <a:schemeClr val="tx1"/>
+    </cs:fontRef>
+  </cs:dataPoint3D>
+  <cs:dataPointLine>
+    <cs:lnRef idx="0">
+      <cs:styleClr val="auto"/>
+    </cs:lnRef>
+    <cs:fillRef idx="1"/>
+    <cs:effectRef idx="0"/>
+    <cs:fontRef idx="minor">
+      <a:schemeClr val="tx1"/>
+    </cs:fontRef>
+    <cs:spPr>
+      <a:ln w="19050" cap="rnd">
+        <a:solidFill>
+          <a:schemeClr val="phClr"/>
+        </a:solidFill>
+        <a:round/>
+      </a:ln>
+    </cs:spPr>
+  </cs:dataPointLine>
+  <cs:dataPointMarker>
+    <cs:lnRef idx="0">
+      <cs:styleClr val="auto"/>
+    </cs:lnRef>
+    <cs:fillRef idx="1">
+      <cs:styleClr val="auto"/>
+    </cs:fillRef>
+    <cs:effectRef idx="0"/>
+    <cs:fontRef idx="minor">
+      <a:schemeClr val="tx1"/>
+    </cs:fontRef>
+    <cs:spPr>
+      <a:ln w="9525">
+        <a:solidFill>
+          <a:schemeClr val="phClr"/>
+        </a:solidFill>
+      </a:ln>
+    </cs:spPr>
+  </cs:dataPointMarker>
+  <cs:dataPointMarkerLayout symbol="circle" size="5"/>
+  <cs:dataPointWireframe>
+    <cs:lnRef idx="0">
+      <cs:styleClr val="auto"/>
+    </cs:lnRef>
+    <cs:fillRef idx="0"/>
+    <cs:effectRef idx="0"/>
+    <cs:fontRef idx="minor">
+      <a:schemeClr val="dk1"/>
+    </cs:fontRef>
+    <cs:spPr>
+      <a:ln w="9525" cap="rnd">
+        <a:solidFill>
+          <a:schemeClr val="phClr"/>
+        </a:solidFill>
+        <a:round/>
+      </a:ln>
+    </cs:spPr>
+  </cs:dataPointWireframe>
+  <cs:dataTable>
+    <cs:lnRef idx="0"/>
+    <cs:fillRef idx="0"/>
+    <cs:effectRef idx="0"/>
+    <cs:fontRef idx="minor">
+      <a:schemeClr val="tx1">
+        <a:lumMod val="65000"/>
+        <a:lumOff val="35000"/>
+      </a:schemeClr>
+    </cs:fontRef>
+    <cs:spPr>
+      <a:noFill/>
+      <a:ln w="9525" cap="flat" cmpd="sng" algn="ctr">
+        <a:solidFill>
+          <a:schemeClr val="tx1">
+            <a:lumMod val="15000"/>
+            <a:lumOff val="85000"/>
+          </a:schemeClr>
+        </a:solidFill>
+        <a:round/>
+      </a:ln>
+    </cs:spPr>
+    <cs:defRPr sz="900" kern="1200"/>
+  </cs:dataTable>
+  <cs:downBar>
+    <cs:lnRef idx="0"/>
+    <cs:fillRef idx="0"/>
+    <cs:effectRef idx="0"/>
+    <cs:fontRef idx="minor">
+      <a:schemeClr val="tx1"/>
+    </cs:fontRef>
+    <cs:spPr>
+      <a:solidFill>
+        <a:schemeClr val="dk1">
+          <a:lumMod val="75000"/>
+          <a:lumOff val="25000"/>
+        </a:schemeClr>
+      </a:solidFill>
+      <a:ln w="9525" cap="flat" cmpd="sng" algn="ctr">
+        <a:solidFill>
+          <a:schemeClr val="tx1">
+            <a:lumMod val="65000"/>
+            <a:lumOff val="35000"/>
+          </a:schemeClr>
+        </a:solidFill>
+        <a:round/>
+      </a:ln>
+    </cs:spPr>
+  </cs:downBar>
+  <cs:dropLine>
+    <cs:lnRef idx="0"/>
+    <cs:fillRef idx="0"/>
+    <cs:effectRef idx="0"/>
+    <cs:fontRef idx="minor">
+      <a:schemeClr val="tx1"/>
+    </cs:fontRef>
+    <cs:spPr>
+      <a:ln w="9525" cap="flat" cmpd="sng" algn="ctr">
+        <a:solidFill>
+          <a:schemeClr val="tx1">
+            <a:lumMod val="35000"/>
+            <a:lumOff val="65000"/>
+          </a:schemeClr>
+        </a:solidFill>
+        <a:round/>
+      </a:ln>
+    </cs:spPr>
+  </cs:dropLine>
+  <cs:errorBar>
+    <cs:lnRef idx="0"/>
+    <cs:fillRef idx="0"/>
+    <cs:effectRef idx="0"/>
+    <cs:fontRef idx="minor">
+      <a:schemeClr val="tx1"/>
+    </cs:fontRef>
+    <cs:spPr>
+      <a:ln w="9525" cap="flat" cmpd="sng" algn="ctr">
+        <a:solidFill>
+          <a:schemeClr val="tx1">
+            <a:lumMod val="65000"/>
+            <a:lumOff val="35000"/>
+          </a:schemeClr>
+        </a:solidFill>
+        <a:round/>
+      </a:ln>
+    </cs:spPr>
+  </cs:errorBar>
+  <cs:floor>
+    <cs:lnRef idx="0"/>
+    <cs:fillRef idx="0"/>
+    <cs:effectRef idx="0"/>
+    <cs:fontRef idx="minor">
+      <a:schemeClr val="tx1"/>
+    </cs:fontRef>
+    <cs:spPr>
+      <a:noFill/>
+      <a:ln>
+        <a:noFill/>
+      </a:ln>
+    </cs:spPr>
+  </cs:floor>
+  <cs:gridlineMajor>
+    <cs:lnRef idx="0"/>
+    <cs:fillRef idx="0"/>
+    <cs:effectRef idx="0"/>
+    <cs:fontRef idx="minor">
+      <a:schemeClr val="tx1"/>
+    </cs:fontRef>
+    <cs:spPr>
+      <a:ln w="9525" cap="flat" cmpd="sng" algn="ctr">
+        <a:solidFill>
+          <a:schemeClr val="tx1">
+            <a:lumMod val="15000"/>
+            <a:lumOff val="85000"/>
+          </a:schemeClr>
+        </a:solidFill>
+        <a:round/>
+      </a:ln>
+    </cs:spPr>
+  </cs:gridlineMajor>
+  <cs:gridlineMinor>
+    <cs:lnRef idx="0"/>
+    <cs:fillRef idx="0"/>
+    <cs:effectRef idx="0"/>
+    <cs:fontRef idx="minor">
+      <a:schemeClr val="tx1"/>
+    </cs:fontRef>
+    <cs:spPr>
+      <a:ln w="9525" cap="flat" cmpd="sng" algn="ctr">
+        <a:solidFill>
+          <a:schemeClr val="tx1">
+            <a:lumMod val="5000"/>
+            <a:lumOff val="95000"/>
+          </a:schemeClr>
+        </a:solidFill>
+        <a:round/>
+      </a:ln>
+    </cs:spPr>
+  </cs:gridlineMinor>
+  <cs:hiLoLine>
+    <cs:lnRef idx="0"/>
+    <cs:fillRef idx="0"/>
+    <cs:effectRef idx="0"/>
+    <cs:fontRef idx="minor">
+      <a:schemeClr val="tx1"/>
+    </cs:fontRef>
+    <cs:spPr>
+      <a:ln w="9525" cap="flat" cmpd="sng" algn="ctr">
+        <a:solidFill>
+          <a:schemeClr val="tx1">
+            <a:lumMod val="50000"/>
+            <a:lumOff val="50000"/>
+          </a:schemeClr>
+        </a:solidFill>
+        <a:round/>
+      </a:ln>
+    </cs:spPr>
+  </cs:hiLoLine>
+  <cs:leaderLine>
+    <cs:lnRef idx="0"/>
+    <cs:fillRef idx="0"/>
+    <cs:effectRef idx="0"/>
+    <cs:fontRef idx="minor">
+      <a:schemeClr val="tx1"/>
+    </cs:fontRef>
+    <cs:spPr>
+      <a:ln w="9525" cap="flat" cmpd="sng" algn="ctr">
+        <a:solidFill>
+          <a:schemeClr val="tx1">
+            <a:lumMod val="35000"/>
+            <a:lumOff val="65000"/>
+          </a:schemeClr>
+        </a:solidFill>
+        <a:round/>
+      </a:ln>
+    </cs:spPr>
+  </cs:leaderLine>
+  <cs:legend>
+    <cs:lnRef idx="0"/>
+    <cs:fillRef idx="0"/>
+    <cs:effectRef idx="0"/>
+    <cs:fontRef idx="minor">
+      <a:schemeClr val="tx1">
+        <a:lumMod val="65000"/>
+        <a:lumOff val="35000"/>
+      </a:schemeClr>
+    </cs:fontRef>
+    <cs:defRPr sz="900" kern="1200"/>
+  </cs:legend>
+  <cs:plotArea mods="allowNoFillOverride allowNoLineOverride">
+    <cs:lnRef idx="0"/>
+    <cs:fillRef idx="0"/>
+    <cs:effectRef idx="0"/>
+    <cs:fontRef idx="minor">
+      <a:schemeClr val="tx1"/>
+    </cs:fontRef>
+  </cs:plotArea>
+  <cs:plotArea3D mods="allowNoFillOverride allowNoLineOverride">
+    <cs:lnRef idx="0"/>
+    <cs:fillRef idx="0"/>
+    <cs:effectRef idx="0"/>
+    <cs:fontRef idx="minor">
+      <a:schemeClr val="tx1"/>
+    </cs:fontRef>
+  </cs:plotArea3D>
+  <cs:seriesAxis>
+    <cs:lnRef idx="0"/>
+    <cs:fillRef idx="0"/>
+    <cs:effectRef idx="0"/>
+    <cs:fontRef idx="minor">
+      <a:schemeClr val="tx1">
+        <a:lumMod val="65000"/>
+        <a:lumOff val="35000"/>
+      </a:schemeClr>
+    </cs:fontRef>
+    <cs:defRPr sz="900" kern="1200"/>
+  </cs:seriesAxis>
+  <cs:seriesLine>
+    <cs:lnRef idx="0"/>
+    <cs:fillRef idx="0"/>
+    <cs:effectRef idx="0"/>
+    <cs:fontRef idx="minor">
+      <a:schemeClr val="tx1"/>
+    </cs:fontRef>
+    <cs:spPr>
+      <a:ln w="9525" cap="flat" cmpd="sng" algn="ctr">
+        <a:solidFill>
+          <a:schemeClr val="tx1">
+            <a:lumMod val="35000"/>
+            <a:lumOff val="65000"/>
+          </a:schemeClr>
+        </a:solidFill>
+        <a:round/>
+      </a:ln>
+    </cs:spPr>
+  </cs:seriesLine>
+  <cs:title>
+    <cs:lnRef idx="0"/>
+    <cs:fillRef idx="0"/>
+    <cs:effectRef idx="0"/>
+    <cs:fontRef idx="minor">
+      <a:schemeClr val="tx1">
+        <a:lumMod val="65000"/>
+        <a:lumOff val="35000"/>
+      </a:schemeClr>
+    </cs:fontRef>
+    <cs:defRPr sz="1400" b="0" kern="1200" spc="0" baseline="0"/>
+  </cs:title>
+  <cs:trendline>
+    <cs:lnRef idx="0">
+      <cs:styleClr val="auto"/>
+    </cs:lnRef>
+    <cs:fillRef idx="0"/>
+    <cs:effectRef idx="0"/>
+    <cs:fontRef idx="minor">
+      <a:schemeClr val="tx1"/>
+    </cs:fontRef>
+    <cs:spPr>
+      <a:ln w="19050" cap="rnd">
+        <a:solidFill>
+          <a:schemeClr val="phClr"/>
+        </a:solidFill>
+        <a:prstDash val="sysDot"/>
+      </a:ln>
+    </cs:spPr>
+  </cs:trendline>
+  <cs:trendlineLabel>
+    <cs:lnRef idx="0"/>
+    <cs:fillRef idx="0"/>
+    <cs:effectRef idx="0"/>
+    <cs:fontRef idx="minor">
+      <a:schemeClr val="tx1">
+        <a:lumMod val="65000"/>
+        <a:lumOff val="35000"/>
+      </a:schemeClr>
+    </cs:fontRef>
+    <cs:defRPr sz="900" kern="1200"/>
+  </cs:trendlineLabel>
+  <cs:upBar>
+    <cs:lnRef idx="0"/>
+    <cs:fillRef idx="0"/>
+    <cs:effectRef idx="0"/>
+    <cs:fontRef idx="minor">
+      <a:schemeClr val="tx1"/>
+    </cs:fontRef>
+    <cs:spPr>
+      <a:solidFill>
+        <a:schemeClr val="lt1"/>
+      </a:solidFill>
+      <a:ln w="9525" cap="flat" cmpd="sng" algn="ctr">
+        <a:solidFill>
+          <a:schemeClr val="tx1">
+            <a:lumMod val="65000"/>
+            <a:lumOff val="35000"/>
+          </a:schemeClr>
+        </a:solidFill>
+        <a:round/>
+      </a:ln>
+    </cs:spPr>
+  </cs:upBar>
+  <cs:valueAxis>
+    <cs:lnRef idx="0"/>
+    <cs:fillRef idx="0"/>
+    <cs:effectRef idx="0"/>
+    <cs:fontRef idx="minor">
+      <a:schemeClr val="tx1">
+        <a:lumMod val="65000"/>
+        <a:lumOff val="35000"/>
+      </a:schemeClr>
+    </cs:fontRef>
+    <cs:spPr>
+      <a:ln w="9525" cap="flat" cmpd="sng" algn="ctr">
+        <a:solidFill>
+          <a:schemeClr val="tx1">
+            <a:lumMod val="25000"/>
+            <a:lumOff val="75000"/>
+          </a:schemeClr>
+        </a:solidFill>
+        <a:round/>
+      </a:ln>
+    </cs:spPr>
+    <cs:defRPr sz="900" kern="1200"/>
+  </cs:valueAxis>
+  <cs:wall>
+    <cs:lnRef idx="0"/>
+    <cs:fillRef idx="0"/>
+    <cs:effectRef idx="0"/>
+    <cs:fontRef idx="minor">
+      <a:schemeClr val="tx1"/>
+    </cs:fontRef>
+    <cs:spPr>
+      <a:noFill/>
+      <a:ln>
+        <a:noFill/>
+      </a:ln>
+    </cs:spPr>
+  </cs:wall>
+</cs:chartStyle>
+</file>
+
+<file path=ppt/charts/style2.xml><?xml version="1.0" encoding="utf-8"?>
+<cs:chartStyle xmlns:cs="http://schemas.microsoft.com/office/drawing/2012/chartStyle" xmlns:a="http://schemas.openxmlformats.org/drawingml/2006/main" id="240">
+  <cs:axisTitle>
+    <cs:lnRef idx="0"/>
+    <cs:fillRef idx="0"/>
+    <cs:effectRef idx="0"/>
+    <cs:fontRef idx="minor">
+      <a:schemeClr val="tx1">
+        <a:lumMod val="65000"/>
+        <a:lumOff val="35000"/>
+      </a:schemeClr>
+    </cs:fontRef>
+    <cs:defRPr sz="1000" kern="1200"/>
+  </cs:axisTitle>
+  <cs:categoryAxis>
+    <cs:lnRef idx="0"/>
+    <cs:fillRef idx="0"/>
+    <cs:effectRef idx="0"/>
+    <cs:fontRef idx="minor">
+      <a:schemeClr val="tx1">
+        <a:lumMod val="65000"/>
+        <a:lumOff val="35000"/>
+      </a:schemeClr>
+    </cs:fontRef>
+    <cs:spPr>
+      <a:ln w="9525" cap="flat" cmpd="sng" algn="ctr">
+        <a:solidFill>
+          <a:schemeClr val="tx1">
+            <a:lumMod val="25000"/>
+            <a:lumOff val="75000"/>
+          </a:schemeClr>
+        </a:solidFill>
+        <a:round/>
+      </a:ln>
+    </cs:spPr>
+    <cs:defRPr sz="900" kern="1200"/>
+  </cs:categoryAxis>
+  <cs:chartArea mods="allowNoFillOverride allowNoLineOverride">
+    <cs:lnRef idx="0"/>
+    <cs:fillRef idx="0"/>
+    <cs:effectRef idx="0"/>
+    <cs:fontRef idx="minor">
+      <a:schemeClr val="tx1"/>
+    </cs:fontRef>
+    <cs:spPr>
+      <a:solidFill>
+        <a:schemeClr val="bg1"/>
+      </a:solidFill>
+      <a:ln w="9525" cap="flat" cmpd="sng" algn="ctr">
+        <a:solidFill>
+          <a:schemeClr val="tx1">
+            <a:lumMod val="15000"/>
+            <a:lumOff val="85000"/>
+          </a:schemeClr>
+        </a:solidFill>
+        <a:round/>
+      </a:ln>
+    </cs:spPr>
+    <cs:defRPr sz="1000" kern="1200"/>
+  </cs:chartArea>
+  <cs:dataLabel>
+    <cs:lnRef idx="0"/>
+    <cs:fillRef idx="0"/>
+    <cs:effectRef idx="0"/>
+    <cs:fontRef idx="minor">
+      <a:schemeClr val="tx1">
+        <a:lumMod val="75000"/>
+        <a:lumOff val="25000"/>
+      </a:schemeClr>
+    </cs:fontRef>
+    <cs:defRPr sz="900" kern="1200"/>
+  </cs:dataLabel>
+  <cs:dataLabelCallout>
+    <cs:lnRef idx="0"/>
+    <cs:fillRef idx="0"/>
+    <cs:effectRef idx="0"/>
+    <cs:fontRef idx="minor">
+      <a:schemeClr val="dk1">
+        <a:lumMod val="65000"/>
+        <a:lumOff val="35000"/>
+      </a:schemeClr>
+    </cs:fontRef>
+    <cs:spPr>
+      <a:solidFill>
+        <a:schemeClr val="lt1"/>
+      </a:solidFill>
+      <a:ln>
+        <a:solidFill>
+          <a:schemeClr val="dk1">
+            <a:lumMod val="25000"/>
+            <a:lumOff val="75000"/>
+          </a:schemeClr>
+        </a:solidFill>
+      </a:ln>
+    </cs:spPr>
+    <cs:defRPr sz="900" kern="1200"/>
+    <cs:bodyPr rot="0" spcFirstLastPara="1" vertOverflow="clip" horzOverflow="clip" vert="horz" wrap="square" lIns="36576" tIns="18288" rIns="36576" bIns="18288" anchor="ctr" anchorCtr="1">
+      <a:spAutoFit/>
+    </cs:bodyPr>
+  </cs:dataLabelCallout>
+  <cs:dataPoint>
+    <cs:lnRef idx="0"/>
+    <cs:fillRef idx="1">
+      <cs:styleClr val="auto"/>
+    </cs:fillRef>
+    <cs:effectRef idx="0"/>
+    <cs:fontRef idx="minor">
+      <a:schemeClr val="tx1"/>
+    </cs:fontRef>
+  </cs:dataPoint>
+  <cs:dataPoint3D>
+    <cs:lnRef idx="0"/>
+    <cs:fillRef idx="1">
+      <cs:styleClr val="auto"/>
+    </cs:fillRef>
+    <cs:effectRef idx="0"/>
+    <cs:fontRef idx="minor">
+      <a:schemeClr val="tx1"/>
+    </cs:fontRef>
+  </cs:dataPoint3D>
+  <cs:dataPointLine>
+    <cs:lnRef idx="0">
+      <cs:styleClr val="auto"/>
+    </cs:lnRef>
+    <cs:fillRef idx="1"/>
+    <cs:effectRef idx="0"/>
+    <cs:fontRef idx="minor">
+      <a:schemeClr val="tx1"/>
+    </cs:fontRef>
+    <cs:spPr>
+      <a:ln w="19050" cap="rnd">
+        <a:solidFill>
+          <a:schemeClr val="phClr"/>
+        </a:solidFill>
+        <a:round/>
+      </a:ln>
+    </cs:spPr>
+  </cs:dataPointLine>
+  <cs:dataPointMarker>
+    <cs:lnRef idx="0">
+      <cs:styleClr val="auto"/>
+    </cs:lnRef>
+    <cs:fillRef idx="1">
+      <cs:styleClr val="auto"/>
+    </cs:fillRef>
+    <cs:effectRef idx="0"/>
+    <cs:fontRef idx="minor">
+      <a:schemeClr val="tx1"/>
+    </cs:fontRef>
+    <cs:spPr>
+      <a:ln w="9525">
+        <a:solidFill>
+          <a:schemeClr val="phClr"/>
+        </a:solidFill>
+      </a:ln>
+    </cs:spPr>
+  </cs:dataPointMarker>
+  <cs:dataPointMarkerLayout symbol="circle" size="5"/>
+  <cs:dataPointWireframe>
+    <cs:lnRef idx="0">
+      <cs:styleClr val="auto"/>
+    </cs:lnRef>
+    <cs:fillRef idx="0"/>
+    <cs:effectRef idx="0"/>
+    <cs:fontRef idx="minor">
+      <a:schemeClr val="dk1"/>
+    </cs:fontRef>
+    <cs:spPr>
+      <a:ln w="9525" cap="rnd">
+        <a:solidFill>
+          <a:schemeClr val="phClr"/>
+        </a:solidFill>
+        <a:round/>
+      </a:ln>
+    </cs:spPr>
+  </cs:dataPointWireframe>
+  <cs:dataTable>
+    <cs:lnRef idx="0"/>
+    <cs:fillRef idx="0"/>
+    <cs:effectRef idx="0"/>
+    <cs:fontRef idx="minor">
+      <a:schemeClr val="tx1">
+        <a:lumMod val="65000"/>
+        <a:lumOff val="35000"/>
+      </a:schemeClr>
+    </cs:fontRef>
+    <cs:spPr>
+      <a:noFill/>
+      <a:ln w="9525" cap="flat" cmpd="sng" algn="ctr">
+        <a:solidFill>
+          <a:schemeClr val="tx1">
+            <a:lumMod val="15000"/>
+            <a:lumOff val="85000"/>
+          </a:schemeClr>
+        </a:solidFill>
+        <a:round/>
+      </a:ln>
+    </cs:spPr>
+    <cs:defRPr sz="900" kern="1200"/>
+  </cs:dataTable>
+  <cs:downBar>
+    <cs:lnRef idx="0"/>
+    <cs:fillRef idx="0"/>
+    <cs:effectRef idx="0"/>
+    <cs:fontRef idx="minor">
+      <a:schemeClr val="tx1"/>
+    </cs:fontRef>
+    <cs:spPr>
+      <a:solidFill>
+        <a:schemeClr val="dk1">
+          <a:lumMod val="75000"/>
+          <a:lumOff val="25000"/>
+        </a:schemeClr>
+      </a:solidFill>
+      <a:ln w="9525" cap="flat" cmpd="sng" algn="ctr">
+        <a:solidFill>
+          <a:schemeClr val="tx1">
+            <a:lumMod val="65000"/>
+            <a:lumOff val="35000"/>
+          </a:schemeClr>
+        </a:solidFill>
+        <a:round/>
+      </a:ln>
+    </cs:spPr>
+  </cs:downBar>
+  <cs:dropLine>
+    <cs:lnRef idx="0"/>
+    <cs:fillRef idx="0"/>
+    <cs:effectRef idx="0"/>
+    <cs:fontRef idx="minor">
+      <a:schemeClr val="tx1"/>
+    </cs:fontRef>
+    <cs:spPr>
+      <a:ln w="9525" cap="flat" cmpd="sng" algn="ctr">
+        <a:solidFill>
+          <a:schemeClr val="tx1">
+            <a:lumMod val="35000"/>
+            <a:lumOff val="65000"/>
+          </a:schemeClr>
+        </a:solidFill>
+        <a:round/>
+      </a:ln>
+    </cs:spPr>
+  </cs:dropLine>
+  <cs:errorBar>
+    <cs:lnRef idx="0"/>
+    <cs:fillRef idx="0"/>
+    <cs:effectRef idx="0"/>
+    <cs:fontRef idx="minor">
+      <a:schemeClr val="tx1"/>
+    </cs:fontRef>
+    <cs:spPr>
+      <a:ln w="9525" cap="flat" cmpd="sng" algn="ctr">
+        <a:solidFill>
+          <a:schemeClr val="tx1">
+            <a:lumMod val="65000"/>
+            <a:lumOff val="35000"/>
+          </a:schemeClr>
+        </a:solidFill>
+        <a:round/>
+      </a:ln>
+    </cs:spPr>
+  </cs:errorBar>
+  <cs:floor>
+    <cs:lnRef idx="0"/>
+    <cs:fillRef idx="0"/>
+    <cs:effectRef idx="0"/>
+    <cs:fontRef idx="minor">
+      <a:schemeClr val="tx1"/>
+    </cs:fontRef>
+    <cs:spPr>
+      <a:noFill/>
+      <a:ln>
+        <a:noFill/>
+      </a:ln>
+    </cs:spPr>
+  </cs:floor>
+  <cs:gridlineMajor>
+    <cs:lnRef idx="0"/>
+    <cs:fillRef idx="0"/>
+    <cs:effectRef idx="0"/>
+    <cs:fontRef idx="minor">
+      <a:schemeClr val="tx1"/>
+    </cs:fontRef>
+    <cs:spPr>
+      <a:ln w="9525" cap="flat" cmpd="sng" algn="ctr">
+        <a:solidFill>
+          <a:schemeClr val="tx1">
+            <a:lumMod val="15000"/>
+            <a:lumOff val="85000"/>
+          </a:schemeClr>
+        </a:solidFill>
+        <a:round/>
+      </a:ln>
+    </cs:spPr>
+  </cs:gridlineMajor>
+  <cs:gridlineMinor>
+    <cs:lnRef idx="0"/>
+    <cs:fillRef idx="0"/>
+    <cs:effectRef idx="0"/>
+    <cs:fontRef idx="minor">
+      <a:schemeClr val="tx1"/>
+    </cs:fontRef>
+    <cs:spPr>
+      <a:ln w="9525" cap="flat" cmpd="sng" algn="ctr">
+        <a:solidFill>
+          <a:schemeClr val="tx1">
+            <a:lumMod val="5000"/>
+            <a:lumOff val="95000"/>
+          </a:schemeClr>
+        </a:solidFill>
+        <a:round/>
+      </a:ln>
+    </cs:spPr>
+  </cs:gridlineMinor>
+  <cs:hiLoLine>
+    <cs:lnRef idx="0"/>
+    <cs:fillRef idx="0"/>
+    <cs:effectRef idx="0"/>
+    <cs:fontRef idx="minor">
+      <a:schemeClr val="tx1"/>
+    </cs:fontRef>
+    <cs:spPr>
+      <a:ln w="9525" cap="flat" cmpd="sng" algn="ctr">
+        <a:solidFill>
+          <a:schemeClr val="tx1">
+            <a:lumMod val="50000"/>
+            <a:lumOff val="50000"/>
+          </a:schemeClr>
+        </a:solidFill>
+        <a:round/>
+      </a:ln>
+    </cs:spPr>
+  </cs:hiLoLine>
+  <cs:leaderLine>
+    <cs:lnRef idx="0"/>
+    <cs:fillRef idx="0"/>
+    <cs:effectRef idx="0"/>
+    <cs:fontRef idx="minor">
+      <a:schemeClr val="tx1"/>
+    </cs:fontRef>
+    <cs:spPr>
+      <a:ln w="9525" cap="flat" cmpd="sng" algn="ctr">
+        <a:solidFill>
+          <a:schemeClr val="tx1">
+            <a:lumMod val="35000"/>
+            <a:lumOff val="65000"/>
+          </a:schemeClr>
+        </a:solidFill>
+        <a:round/>
+      </a:ln>
+    </cs:spPr>
+  </cs:leaderLine>
+  <cs:legend>
+    <cs:lnRef idx="0"/>
+    <cs:fillRef idx="0"/>
+    <cs:effectRef idx="0"/>
+    <cs:fontRef idx="minor">
+      <a:schemeClr val="tx1">
+        <a:lumMod val="65000"/>
+        <a:lumOff val="35000"/>
+      </a:schemeClr>
+    </cs:fontRef>
+    <cs:defRPr sz="900" kern="1200"/>
+  </cs:legend>
+  <cs:plotArea mods="allowNoFillOverride allowNoLineOverride">
+    <cs:lnRef idx="0"/>
+    <cs:fillRef idx="0"/>
+    <cs:effectRef idx="0"/>
+    <cs:fontRef idx="minor">
+      <a:schemeClr val="tx1"/>
+    </cs:fontRef>
+  </cs:plotArea>
+  <cs:plotArea3D mods="allowNoFillOverride allowNoLineOverride">
+    <cs:lnRef idx="0"/>
+    <cs:fillRef idx="0"/>
+    <cs:effectRef idx="0"/>
+    <cs:fontRef idx="minor">
+      <a:schemeClr val="tx1"/>
+    </cs:fontRef>
+  </cs:plotArea3D>
+  <cs:seriesAxis>
+    <cs:lnRef idx="0"/>
+    <cs:fillRef idx="0"/>
+    <cs:effectRef idx="0"/>
+    <cs:fontRef idx="minor">
+      <a:schemeClr val="tx1">
+        <a:lumMod val="65000"/>
+        <a:lumOff val="35000"/>
+      </a:schemeClr>
+    </cs:fontRef>
+    <cs:defRPr sz="900" kern="1200"/>
+  </cs:seriesAxis>
+  <cs:seriesLine>
+    <cs:lnRef idx="0"/>
+    <cs:fillRef idx="0"/>
+    <cs:effectRef idx="0"/>
+    <cs:fontRef idx="minor">
+      <a:schemeClr val="tx1"/>
+    </cs:fontRef>
+    <cs:spPr>
+      <a:ln w="9525" cap="flat" cmpd="sng" algn="ctr">
+        <a:solidFill>
+          <a:schemeClr val="tx1">
+            <a:lumMod val="35000"/>
+            <a:lumOff val="65000"/>
+          </a:schemeClr>
+        </a:solidFill>
+        <a:round/>
+      </a:ln>
+    </cs:spPr>
+  </cs:seriesLine>
+  <cs:title>
+    <cs:lnRef idx="0"/>
+    <cs:fillRef idx="0"/>
+    <cs:effectRef idx="0"/>
+    <cs:fontRef idx="minor">
+      <a:schemeClr val="tx1">
+        <a:lumMod val="65000"/>
+        <a:lumOff val="35000"/>
+      </a:schemeClr>
+    </cs:fontRef>
+    <cs:defRPr sz="1400" b="0" kern="1200" spc="0" baseline="0"/>
+  </cs:title>
+  <cs:trendline>
+    <cs:lnRef idx="0">
+      <cs:styleClr val="auto"/>
+    </cs:lnRef>
+    <cs:fillRef idx="0"/>
+    <cs:effectRef idx="0"/>
+    <cs:fontRef idx="minor">
+      <a:schemeClr val="tx1"/>
+    </cs:fontRef>
+    <cs:spPr>
+      <a:ln w="19050" cap="rnd">
+        <a:solidFill>
+          <a:schemeClr val="phClr"/>
+        </a:solidFill>
+        <a:prstDash val="sysDot"/>
+      </a:ln>
+    </cs:spPr>
+  </cs:trendline>
+  <cs:trendlineLabel>
+    <cs:lnRef idx="0"/>
+    <cs:fillRef idx="0"/>
+    <cs:effectRef idx="0"/>
+    <cs:fontRef idx="minor">
+      <a:schemeClr val="tx1">
+        <a:lumMod val="65000"/>
+        <a:lumOff val="35000"/>
+      </a:schemeClr>
+    </cs:fontRef>
+    <cs:defRPr sz="900" kern="1200"/>
+  </cs:trendlineLabel>
+  <cs:upBar>
+    <cs:lnRef idx="0"/>
+    <cs:fillRef idx="0"/>
+    <cs:effectRef idx="0"/>
+    <cs:fontRef idx="minor">
+      <a:schemeClr val="tx1"/>
+    </cs:fontRef>
+    <cs:spPr>
+      <a:solidFill>
+        <a:schemeClr val="lt1"/>
+      </a:solidFill>
+      <a:ln w="9525" cap="flat" cmpd="sng" algn="ctr">
+        <a:solidFill>
+          <a:schemeClr val="tx1">
+            <a:lumMod val="65000"/>
+            <a:lumOff val="35000"/>
+          </a:schemeClr>
+        </a:solidFill>
+        <a:round/>
+      </a:ln>
+    </cs:spPr>
+  </cs:upBar>
+  <cs:valueAxis>
+    <cs:lnRef idx="0"/>
+    <cs:fillRef idx="0"/>
+    <cs:effectRef idx="0"/>
+    <cs:fontRef idx="minor">
+      <a:schemeClr val="tx1">
+        <a:lumMod val="65000"/>
+        <a:lumOff val="35000"/>
+      </a:schemeClr>
+    </cs:fontRef>
+    <cs:spPr>
+      <a:ln w="9525" cap="flat" cmpd="sng" algn="ctr">
+        <a:solidFill>
+          <a:schemeClr val="tx1">
+            <a:lumMod val="25000"/>
+            <a:lumOff val="75000"/>
+          </a:schemeClr>
+        </a:solidFill>
+        <a:round/>
+      </a:ln>
+    </cs:spPr>
+    <cs:defRPr sz="900" kern="1200"/>
+  </cs:valueAxis>
+  <cs:wall>
+    <cs:lnRef idx="0"/>
+    <cs:fillRef idx="0"/>
+    <cs:effectRef idx="0"/>
+    <cs:fontRef idx="minor">
+      <a:schemeClr val="tx1"/>
+    </cs:fontRef>
+    <cs:spPr>
+      <a:noFill/>
+      <a:ln>
+        <a:noFill/>
+      </a:ln>
+    </cs:spPr>
+  </cs:wall>
+</cs:chartStyle>
+</file>
+
+<file path=ppt/drawings/drawing1.xml><?xml version="1.0" encoding="utf-8"?>
+<c:userShapes xmlns:c="http://schemas.openxmlformats.org/drawingml/2006/chart">
+  <cdr:relSizeAnchor xmlns:cdr="http://schemas.openxmlformats.org/drawingml/2006/chartDrawing">
+    <cdr:from>
+      <cdr:x>0.30189</cdr:x>
+      <cdr:y>0.37288</cdr:y>
+    </cdr:from>
+    <cdr:to>
+      <cdr:x>0.63208</cdr:x>
+      <cdr:y>0.49153</cdr:y>
+    </cdr:to>
+    <cdr:cxnSp macro="">
+      <cdr:nvCxnSpPr>
+        <cdr:cNvPr id="3" name="Rechte verbindingslijn 2"/>
+        <cdr:cNvCxnSpPr/>
+      </cdr:nvCxnSpPr>
+      <cdr:spPr bwMode="auto">
+        <a:xfrm xmlns:a="http://schemas.openxmlformats.org/drawingml/2006/main" flipV="1">
+          <a:off x="2304256" y="1584176"/>
+          <a:ext cx="2520280" cy="504056"/>
+        </a:xfrm>
+        <a:prstGeom xmlns:a="http://schemas.openxmlformats.org/drawingml/2006/main" prst="line">
+          <a:avLst/>
+        </a:prstGeom>
+        <a:solidFill xmlns:a="http://schemas.openxmlformats.org/drawingml/2006/main">
+          <a:schemeClr val="accent1"/>
+        </a:solidFill>
+        <a:ln xmlns:a="http://schemas.openxmlformats.org/drawingml/2006/main" w="31750" cap="flat" cmpd="sng" algn="ctr">
+          <a:solidFill>
+            <a:srgbClr val="0070C0"/>
+          </a:solidFill>
+          <a:prstDash val="solid"/>
+          <a:round/>
+          <a:headEnd type="none" w="med" len="med"/>
+          <a:tailEnd type="none" w="med" len="med"/>
+        </a:ln>
+        <a:effectLst xmlns:a="http://schemas.openxmlformats.org/drawingml/2006/main"/>
+      </cdr:spPr>
+    </cdr:cxnSp>
+  </cdr:relSizeAnchor>
+</c:userShapes>
+</file>
+
 <file path=ppt/slideLayouts/slideLayout1.xml><?xml version="1.0" encoding="utf-8"?>
 <p:sldLayout xmlns:a="http://schemas.openxmlformats.org/drawingml/2006/main" xmlns:r="http://schemas.openxmlformats.org/officeDocument/2006/relationships" xmlns:p="http://schemas.openxmlformats.org/presentationml/2006/main" type="title" preserve="1">
   <p:cSld name="Titeldia">
@@ -238,7 +2687,7 @@
             <a:fld id="{93F21019-3A00-48AC-9663-40DF67A83229}" type="datetime1">
               <a:rPr lang="en-US"/>
               <a:pPr/>
-              <a:t>12/18/2018</a:t>
+              <a:t>1/3/2019</a:t>
             </a:fld>
             <a:endParaRPr lang="en-US">
               <a:solidFill>
@@ -434,7 +2883,7 @@
             <a:fld id="{8B2EF9C8-0AC3-4A53-9A61-1834A571F420}" type="datetime1">
               <a:rPr lang="en-US"/>
               <a:pPr/>
-              <a:t>12/18/2018</a:t>
+              <a:t>1/3/2019</a:t>
             </a:fld>
             <a:endParaRPr lang="en-US" sz="1400">
               <a:solidFill>
@@ -636,7 +3085,7 @@
             <a:fld id="{F02960F3-A385-4905-A491-FDC17E063DD1}" type="datetime1">
               <a:rPr lang="en-US"/>
               <a:pPr/>
-              <a:t>12/18/2018</a:t>
+              <a:t>1/3/2019</a:t>
             </a:fld>
             <a:endParaRPr lang="en-US" sz="1400">
               <a:solidFill>
@@ -900,7 +3349,7 @@
             <a:fld id="{CD3AD70A-8E2A-47B5-AC18-ABBB5A8E737D}" type="datetime1">
               <a:rPr lang="en-US"/>
               <a:pPr/>
-              <a:t>12/18/2018</a:t>
+              <a:t>1/3/2019</a:t>
             </a:fld>
             <a:endParaRPr lang="en-US" sz="1400">
               <a:solidFill>
@@ -1141,7 +3590,7 @@
             <a:fld id="{07008C2E-9BD6-496B-BFC3-B4A975EBC85E}" type="datetime1">
               <a:rPr lang="en-US"/>
               <a:pPr/>
-              <a:t>12/18/2018</a:t>
+              <a:t>1/3/2019</a:t>
             </a:fld>
             <a:endParaRPr lang="en-US" sz="1400">
               <a:solidFill>
@@ -1325,7 +3774,7 @@
             <a:fld id="{1AA2C3CF-866C-4FDE-B76D-4E9536901630}" type="datetime1">
               <a:rPr lang="en-US"/>
               <a:pPr/>
-              <a:t>12/18/2018</a:t>
+              <a:t>1/3/2019</a:t>
             </a:fld>
             <a:endParaRPr lang="en-US" sz="1400">
               <a:solidFill>
@@ -1509,7 +3958,7 @@
             <a:fld id="{555EE259-FE08-4558-B721-B189FFE77284}" type="datetime1">
               <a:rPr lang="en-US"/>
               <a:pPr/>
-              <a:t>12/18/2018</a:t>
+              <a:t>1/3/2019</a:t>
             </a:fld>
             <a:endParaRPr lang="en-US" sz="1400">
               <a:solidFill>
@@ -1783,7 +4232,7 @@
             <a:fld id="{0AF4064E-5624-49AB-B7C6-E301A8F6B1FF}" type="datetime1">
               <a:rPr lang="en-US"/>
               <a:pPr/>
-              <a:t>12/18/2018</a:t>
+              <a:t>1/3/2019</a:t>
             </a:fld>
             <a:endParaRPr lang="en-US" sz="1400">
               <a:solidFill>
@@ -1985,7 +4434,7 @@
             <a:fld id="{CBC97FCD-6C54-4833-B032-BFBCDFA8379D}" type="datetime1">
               <a:rPr lang="en-US"/>
               <a:pPr/>
-              <a:t>12/18/2018</a:t>
+              <a:t>1/3/2019</a:t>
             </a:fld>
             <a:endParaRPr lang="en-US" sz="1400">
               <a:solidFill>
@@ -2199,7 +4648,7 @@
             <a:fld id="{F04AA577-515A-431F-98B6-3B03494ABB11}" type="datetime1">
               <a:rPr lang="en-US"/>
               <a:pPr/>
-              <a:t>12/18/2018</a:t>
+              <a:t>1/3/2019</a:t>
             </a:fld>
             <a:endParaRPr lang="en-US" sz="1400">
               <a:solidFill>
@@ -2509,7 +4958,7 @@
             <a:fld id="{6475F1A4-C474-4345-A800-2F40B0E4E70C}" type="datetime1">
               <a:rPr lang="en-US"/>
               <a:pPr/>
-              <a:t>12/18/2018</a:t>
+              <a:t>1/3/2019</a:t>
             </a:fld>
             <a:endParaRPr lang="en-US" sz="1400">
               <a:solidFill>
@@ -2958,7 +5407,7 @@
             <a:fld id="{7BA535AB-820E-4207-9DA8-5F37106C7AF4}" type="datetime1">
               <a:rPr lang="en-US"/>
               <a:pPr/>
-              <a:t>12/18/2018</a:t>
+              <a:t>1/3/2019</a:t>
             </a:fld>
             <a:endParaRPr lang="en-US" sz="1400">
               <a:solidFill>
@@ -3098,7 +5547,7 @@
             <a:fld id="{0A7E69FA-D7EE-42C0-9117-1971B541885F}" type="datetime1">
               <a:rPr lang="en-US"/>
               <a:pPr/>
-              <a:t>12/18/2018</a:t>
+              <a:t>1/3/2019</a:t>
             </a:fld>
             <a:endParaRPr lang="en-US" sz="1400">
               <a:solidFill>
@@ -3215,7 +5664,7 @@
             <a:fld id="{10D7644E-1B5D-4325-BA79-338DF2B89B56}" type="datetime1">
               <a:rPr lang="en-US"/>
               <a:pPr/>
-              <a:t>12/18/2018</a:t>
+              <a:t>1/3/2019</a:t>
             </a:fld>
             <a:endParaRPr lang="en-US" sz="1400">
               <a:solidFill>
@@ -3514,7 +5963,7 @@
             <a:fld id="{B790C882-0B74-4932-8998-E9ABB8AF1740}" type="datetime1">
               <a:rPr lang="en-US"/>
               <a:pPr/>
-              <a:t>12/18/2018</a:t>
+              <a:t>1/3/2019</a:t>
             </a:fld>
             <a:endParaRPr lang="en-US" sz="1400">
               <a:solidFill>
@@ -3789,7 +6238,7 @@
             <a:fld id="{9DC585DC-AE7D-44C1-90AB-C3A391DEA065}" type="datetime1">
               <a:rPr lang="en-US"/>
               <a:pPr/>
-              <a:t>12/18/2018</a:t>
+              <a:t>1/3/2019</a:t>
             </a:fld>
             <a:endParaRPr lang="en-US" sz="1400">
               <a:solidFill>
@@ -4058,7 +6507,7 @@
             <a:fld id="{256CE565-1940-4E5F-9190-C0815CEAAA9D}" type="datetime1">
               <a:rPr lang="en-US"/>
               <a:pPr/>
-              <a:t>12/18/2018</a:t>
+              <a:t>1/3/2019</a:t>
             </a:fld>
             <a:endParaRPr lang="en-US"/>
           </a:p>
@@ -5216,6 +7665,2112 @@
       </p:par>
     </p:tnLst>
   </p:timing>
+</p:sld>
+</file>
+
+<file path=ppt/slides/slide10.xml><?xml version="1.0" encoding="utf-8"?>
+<p:sld xmlns:a="http://schemas.openxmlformats.org/drawingml/2006/main" xmlns:r="http://schemas.openxmlformats.org/officeDocument/2006/relationships" xmlns:p="http://schemas.openxmlformats.org/presentationml/2006/main">
+  <p:cSld>
+    <p:spTree>
+      <p:nvGrpSpPr>
+        <p:cNvPr id="1" name=""/>
+        <p:cNvGrpSpPr/>
+        <p:nvPr/>
+      </p:nvGrpSpPr>
+      <p:grpSpPr>
+        <a:xfrm>
+          <a:off x="0" y="0"/>
+          <a:ext cx="0" cy="0"/>
+          <a:chOff x="0" y="0"/>
+          <a:chExt cx="0" cy="0"/>
+        </a:xfrm>
+      </p:grpSpPr>
+      <p:sp>
+        <p:nvSpPr>
+          <p:cNvPr id="2" name="Titel 1"/>
+          <p:cNvSpPr>
+            <a:spLocks noGrp="1"/>
+          </p:cNvSpPr>
+          <p:nvPr>
+            <p:ph type="title"/>
+          </p:nvPr>
+        </p:nvSpPr>
+        <p:spPr/>
+        <p:txBody>
+          <a:bodyPr/>
+          <a:lstStyle/>
+          <a:p>
+            <a:endParaRPr lang="nl-NL"/>
+          </a:p>
+        </p:txBody>
+      </p:sp>
+      <p:sp>
+        <p:nvSpPr>
+          <p:cNvPr id="3" name="Tijdelijke aanduiding voor inhoud 2"/>
+          <p:cNvSpPr>
+            <a:spLocks noGrp="1"/>
+          </p:cNvSpPr>
+          <p:nvPr>
+            <p:ph idx="1"/>
+          </p:nvPr>
+        </p:nvSpPr>
+        <p:spPr/>
+        <p:txBody>
+          <a:bodyPr/>
+          <a:lstStyle/>
+          <a:p>
+            <a:endParaRPr lang="nl-NL"/>
+          </a:p>
+        </p:txBody>
+      </p:sp>
+    </p:spTree>
+    <p:extLst>
+      <p:ext uri="{BB962C8B-B14F-4D97-AF65-F5344CB8AC3E}">
+        <p14:creationId xmlns:p14="http://schemas.microsoft.com/office/powerpoint/2010/main" val="1134410402"/>
+      </p:ext>
+    </p:extLst>
+  </p:cSld>
+  <p:clrMapOvr>
+    <a:masterClrMapping/>
+  </p:clrMapOvr>
+</p:sld>
+</file>
+
+<file path=ppt/slides/slide11.xml><?xml version="1.0" encoding="utf-8"?>
+<p:sld xmlns:a="http://schemas.openxmlformats.org/drawingml/2006/main" xmlns:r="http://schemas.openxmlformats.org/officeDocument/2006/relationships" xmlns:p="http://schemas.openxmlformats.org/presentationml/2006/main">
+  <p:cSld>
+    <p:spTree>
+      <p:nvGrpSpPr>
+        <p:cNvPr id="1" name=""/>
+        <p:cNvGrpSpPr/>
+        <p:nvPr/>
+      </p:nvGrpSpPr>
+      <p:grpSpPr>
+        <a:xfrm>
+          <a:off x="0" y="0"/>
+          <a:ext cx="0" cy="0"/>
+          <a:chOff x="0" y="0"/>
+          <a:chExt cx="0" cy="0"/>
+        </a:xfrm>
+      </p:grpSpPr>
+      <p:sp>
+        <p:nvSpPr>
+          <p:cNvPr id="2" name="Titel 1"/>
+          <p:cNvSpPr>
+            <a:spLocks noGrp="1"/>
+          </p:cNvSpPr>
+          <p:nvPr>
+            <p:ph type="title"/>
+          </p:nvPr>
+        </p:nvSpPr>
+        <p:spPr/>
+        <p:txBody>
+          <a:bodyPr/>
+          <a:lstStyle/>
+          <a:p>
+            <a:r>
+              <a:rPr lang="nl-NL" dirty="0" err="1" smtClean="0"/>
+              <a:t>Distance</a:t>
+            </a:r>
+            <a:endParaRPr lang="nl-NL" dirty="0"/>
+          </a:p>
+        </p:txBody>
+      </p:sp>
+      <p:graphicFrame>
+        <p:nvGraphicFramePr>
+          <p:cNvPr id="5" name="Tijdelijke aanduiding voor inhoud 4"/>
+          <p:cNvGraphicFramePr>
+            <a:graphicFrameLocks noGrp="1"/>
+          </p:cNvGraphicFramePr>
+          <p:nvPr>
+            <p:ph idx="1"/>
+            <p:extLst/>
+          </p:nvPr>
+        </p:nvGraphicFramePr>
+        <p:xfrm>
+          <a:off x="2063552" y="1628800"/>
+          <a:ext cx="7632848" cy="4248472"/>
+        </p:xfrm>
+        <a:graphic>
+          <a:graphicData uri="http://schemas.openxmlformats.org/drawingml/2006/chart">
+            <c:chart xmlns:c="http://schemas.openxmlformats.org/drawingml/2006/chart" xmlns:r="http://schemas.openxmlformats.org/officeDocument/2006/relationships" r:id="rId2"/>
+          </a:graphicData>
+        </a:graphic>
+      </p:graphicFrame>
+      <p:sp>
+        <p:nvSpPr>
+          <p:cNvPr id="6" name="Tijdelijke aanduiding voor inhoud 2"/>
+          <p:cNvSpPr txBox="1">
+            <a:spLocks/>
+          </p:cNvSpPr>
+          <p:nvPr/>
+        </p:nvSpPr>
+        <p:spPr bwMode="auto">
+          <a:xfrm>
+            <a:off x="3575720" y="5922912"/>
+            <a:ext cx="7881938" cy="461665"/>
+          </a:xfrm>
+          <a:prstGeom prst="rect">
+            <a:avLst/>
+          </a:prstGeom>
+          <a:noFill/>
+          <a:ln w="9525">
+            <a:noFill/>
+            <a:miter lim="800000"/>
+            <a:headEnd/>
+            <a:tailEnd/>
+          </a:ln>
+          <a:effectLst/>
+        </p:spPr>
+        <p:txBody>
+          <a:bodyPr vert="horz" wrap="square" lIns="91440" tIns="45720" rIns="91440" bIns="45720" numCol="1" anchor="t" anchorCtr="0" compatLnSpc="1">
+            <a:prstTxWarp prst="textNoShape">
+              <a:avLst/>
+            </a:prstTxWarp>
+            <a:spAutoFit/>
+          </a:bodyPr>
+          <a:lstStyle>
+            <a:lvl1pPr marL="342900" indent="-342900" algn="l" rtl="0" fontAlgn="base">
+              <a:spcBef>
+                <a:spcPct val="20000"/>
+              </a:spcBef>
+              <a:spcAft>
+                <a:spcPct val="0"/>
+              </a:spcAft>
+              <a:buClr>
+                <a:srgbClr val="ED0010"/>
+              </a:buClr>
+              <a:buSzPct val="60000"/>
+              <a:buFont typeface="Zapf Dingbats" charset="2"/>
+              <a:buChar char="n"/>
+              <a:defRPr sz="2800">
+                <a:solidFill>
+                  <a:srgbClr val="000000"/>
+                </a:solidFill>
+                <a:latin typeface="+mn-lt"/>
+                <a:ea typeface="+mn-ea"/>
+                <a:cs typeface="+mn-cs"/>
+              </a:defRPr>
+            </a:lvl1pPr>
+            <a:lvl2pPr marL="819150" indent="-285750" algn="l" rtl="0" fontAlgn="base">
+              <a:spcBef>
+                <a:spcPct val="20000"/>
+              </a:spcBef>
+              <a:spcAft>
+                <a:spcPct val="0"/>
+              </a:spcAft>
+              <a:buClr>
+                <a:schemeClr val="accent1"/>
+              </a:buClr>
+              <a:buSzPct val="60000"/>
+              <a:buFont typeface="Zapf Dingbats" charset="2"/>
+              <a:buChar char="n"/>
+              <a:defRPr sz="2600">
+                <a:solidFill>
+                  <a:srgbClr val="000000"/>
+                </a:solidFill>
+                <a:latin typeface="+mn-lt"/>
+              </a:defRPr>
+            </a:lvl2pPr>
+            <a:lvl3pPr marL="1143000" indent="-228600" algn="l" rtl="0" fontAlgn="base">
+              <a:spcBef>
+                <a:spcPct val="20000"/>
+              </a:spcBef>
+              <a:spcAft>
+                <a:spcPct val="0"/>
+              </a:spcAft>
+              <a:buClr>
+                <a:schemeClr val="accent1"/>
+              </a:buClr>
+              <a:buSzPct val="60000"/>
+              <a:buFont typeface="Zapf Dingbats" charset="2"/>
+              <a:buChar char="n"/>
+              <a:defRPr sz="2400">
+                <a:solidFill>
+                  <a:srgbClr val="000000"/>
+                </a:solidFill>
+                <a:latin typeface="+mn-lt"/>
+              </a:defRPr>
+            </a:lvl3pPr>
+            <a:lvl4pPr marL="1562100" indent="-228600" algn="l" rtl="0" fontAlgn="base">
+              <a:spcBef>
+                <a:spcPct val="20000"/>
+              </a:spcBef>
+              <a:spcAft>
+                <a:spcPct val="0"/>
+              </a:spcAft>
+              <a:buClr>
+                <a:schemeClr val="accent1"/>
+              </a:buClr>
+              <a:buSzPct val="60000"/>
+              <a:buFont typeface="Zapf Dingbats" charset="2"/>
+              <a:buChar char="n"/>
+              <a:defRPr sz="2200">
+                <a:solidFill>
+                  <a:srgbClr val="000000"/>
+                </a:solidFill>
+                <a:latin typeface="+mn-lt"/>
+              </a:defRPr>
+            </a:lvl4pPr>
+            <a:lvl5pPr marL="1981200" indent="-228600" algn="l" rtl="0" fontAlgn="base">
+              <a:spcBef>
+                <a:spcPct val="20000"/>
+              </a:spcBef>
+              <a:spcAft>
+                <a:spcPct val="0"/>
+              </a:spcAft>
+              <a:buClr>
+                <a:schemeClr val="accent1"/>
+              </a:buClr>
+              <a:buSzPct val="60000"/>
+              <a:buFont typeface="Zapf Dingbats" charset="2"/>
+              <a:buChar char="n"/>
+              <a:defRPr sz="2000">
+                <a:solidFill>
+                  <a:srgbClr val="000000"/>
+                </a:solidFill>
+                <a:latin typeface="+mn-lt"/>
+              </a:defRPr>
+            </a:lvl5pPr>
+            <a:lvl6pPr marL="2438400" indent="-228600" algn="l" rtl="0" fontAlgn="base">
+              <a:spcBef>
+                <a:spcPct val="20000"/>
+              </a:spcBef>
+              <a:spcAft>
+                <a:spcPct val="0"/>
+              </a:spcAft>
+              <a:buClr>
+                <a:schemeClr val="accent1"/>
+              </a:buClr>
+              <a:buSzPct val="60000"/>
+              <a:buFont typeface="Zapf Dingbats" charset="2"/>
+              <a:buChar char="n"/>
+              <a:defRPr sz="2000">
+                <a:solidFill>
+                  <a:srgbClr val="000000"/>
+                </a:solidFill>
+                <a:latin typeface="+mn-lt"/>
+              </a:defRPr>
+            </a:lvl6pPr>
+            <a:lvl7pPr marL="2895600" indent="-228600" algn="l" rtl="0" fontAlgn="base">
+              <a:spcBef>
+                <a:spcPct val="20000"/>
+              </a:spcBef>
+              <a:spcAft>
+                <a:spcPct val="0"/>
+              </a:spcAft>
+              <a:buClr>
+                <a:schemeClr val="accent1"/>
+              </a:buClr>
+              <a:buSzPct val="60000"/>
+              <a:buFont typeface="Zapf Dingbats" charset="2"/>
+              <a:buChar char="n"/>
+              <a:defRPr sz="2000">
+                <a:solidFill>
+                  <a:srgbClr val="000000"/>
+                </a:solidFill>
+                <a:latin typeface="+mn-lt"/>
+              </a:defRPr>
+            </a:lvl7pPr>
+            <a:lvl8pPr marL="3352800" indent="-228600" algn="l" rtl="0" fontAlgn="base">
+              <a:spcBef>
+                <a:spcPct val="20000"/>
+              </a:spcBef>
+              <a:spcAft>
+                <a:spcPct val="0"/>
+              </a:spcAft>
+              <a:buClr>
+                <a:schemeClr val="accent1"/>
+              </a:buClr>
+              <a:buSzPct val="60000"/>
+              <a:buFont typeface="Zapf Dingbats" charset="2"/>
+              <a:buChar char="n"/>
+              <a:defRPr sz="2000">
+                <a:solidFill>
+                  <a:srgbClr val="000000"/>
+                </a:solidFill>
+                <a:latin typeface="+mn-lt"/>
+              </a:defRPr>
+            </a:lvl8pPr>
+            <a:lvl9pPr marL="3810000" indent="-228600" algn="l" rtl="0" fontAlgn="base">
+              <a:spcBef>
+                <a:spcPct val="20000"/>
+              </a:spcBef>
+              <a:spcAft>
+                <a:spcPct val="0"/>
+              </a:spcAft>
+              <a:buClr>
+                <a:schemeClr val="accent1"/>
+              </a:buClr>
+              <a:buSzPct val="60000"/>
+              <a:buFont typeface="Zapf Dingbats" charset="2"/>
+              <a:buChar char="n"/>
+              <a:defRPr sz="2000">
+                <a:solidFill>
+                  <a:srgbClr val="000000"/>
+                </a:solidFill>
+                <a:latin typeface="+mn-lt"/>
+              </a:defRPr>
+            </a:lvl9pPr>
+          </a:lstStyle>
+          <a:p>
+            <a:pPr marL="0" indent="0">
+              <a:buNone/>
+            </a:pPr>
+            <a:r>
+              <a:rPr lang="nl-NL" sz="2400" kern="0" dirty="0" err="1"/>
+              <a:t>Which</a:t>
+            </a:r>
+            <a:r>
+              <a:rPr lang="nl-NL" sz="2400" kern="0" dirty="0"/>
+              <a:t> is </a:t>
+            </a:r>
+            <a:r>
+              <a:rPr lang="nl-NL" sz="2400" kern="0" dirty="0" err="1"/>
+              <a:t>closest</a:t>
+            </a:r>
+            <a:r>
+              <a:rPr lang="nl-NL" sz="2400" kern="0" dirty="0"/>
+              <a:t>, user 1&amp;2 or 2&amp;3?</a:t>
+            </a:r>
+            <a:endParaRPr lang="nl-NL" sz="2400" kern="0" dirty="0"/>
+          </a:p>
+        </p:txBody>
+      </p:sp>
+    </p:spTree>
+    <p:extLst>
+      <p:ext uri="{BB962C8B-B14F-4D97-AF65-F5344CB8AC3E}">
+        <p14:creationId xmlns:p14="http://schemas.microsoft.com/office/powerpoint/2010/main" val="2811886922"/>
+      </p:ext>
+    </p:extLst>
+  </p:cSld>
+  <p:clrMapOvr>
+    <a:masterClrMapping/>
+  </p:clrMapOvr>
+</p:sld>
+</file>
+
+<file path=ppt/slides/slide12.xml><?xml version="1.0" encoding="utf-8"?>
+<p:sld xmlns:a="http://schemas.openxmlformats.org/drawingml/2006/main" xmlns:r="http://schemas.openxmlformats.org/officeDocument/2006/relationships" xmlns:p="http://schemas.openxmlformats.org/presentationml/2006/main">
+  <p:cSld>
+    <p:spTree>
+      <p:nvGrpSpPr>
+        <p:cNvPr id="1" name=""/>
+        <p:cNvGrpSpPr/>
+        <p:nvPr/>
+      </p:nvGrpSpPr>
+      <p:grpSpPr>
+        <a:xfrm>
+          <a:off x="0" y="0"/>
+          <a:ext cx="0" cy="0"/>
+          <a:chOff x="0" y="0"/>
+          <a:chExt cx="0" cy="0"/>
+        </a:xfrm>
+      </p:grpSpPr>
+      <p:sp>
+        <p:nvSpPr>
+          <p:cNvPr id="2" name="Titel 1"/>
+          <p:cNvSpPr>
+            <a:spLocks noGrp="1"/>
+          </p:cNvSpPr>
+          <p:nvPr>
+            <p:ph type="title"/>
+          </p:nvPr>
+        </p:nvSpPr>
+        <p:spPr/>
+        <p:txBody>
+          <a:bodyPr/>
+          <a:lstStyle/>
+          <a:p>
+            <a:r>
+              <a:rPr lang="nl-NL" dirty="0" err="1" smtClean="0"/>
+              <a:t>Euclidean</a:t>
+            </a:r>
+            <a:r>
+              <a:rPr lang="nl-NL" dirty="0" smtClean="0"/>
+              <a:t> </a:t>
+            </a:r>
+            <a:r>
+              <a:rPr lang="nl-NL" dirty="0" err="1" smtClean="0"/>
+              <a:t>distance</a:t>
+            </a:r>
+            <a:endParaRPr lang="nl-NL" dirty="0"/>
+          </a:p>
+        </p:txBody>
+      </p:sp>
+      <p:graphicFrame>
+        <p:nvGraphicFramePr>
+          <p:cNvPr id="5" name="Tijdelijke aanduiding voor inhoud 4"/>
+          <p:cNvGraphicFramePr>
+            <a:graphicFrameLocks/>
+          </p:cNvGraphicFramePr>
+          <p:nvPr>
+            <p:extLst/>
+          </p:nvPr>
+        </p:nvGraphicFramePr>
+        <p:xfrm>
+          <a:off x="2063552" y="1628800"/>
+          <a:ext cx="7632848" cy="4248472"/>
+        </p:xfrm>
+        <a:graphic>
+          <a:graphicData uri="http://schemas.openxmlformats.org/drawingml/2006/chart">
+            <c:chart xmlns:c="http://schemas.openxmlformats.org/drawingml/2006/chart" xmlns:r="http://schemas.openxmlformats.org/officeDocument/2006/relationships" r:id="rId2"/>
+          </a:graphicData>
+        </a:graphic>
+      </p:graphicFrame>
+      <p:cxnSp>
+        <p:nvCxnSpPr>
+          <p:cNvPr id="6" name="Rechte verbindingslijn 5"/>
+          <p:cNvCxnSpPr/>
+          <p:nvPr/>
+        </p:nvCxnSpPr>
+        <p:spPr bwMode="auto">
+          <a:xfrm flipV="1">
+            <a:off x="6888088" y="2132856"/>
+            <a:ext cx="2448272" cy="1008112"/>
+          </a:xfrm>
+          <a:prstGeom prst="line">
+            <a:avLst/>
+          </a:prstGeom>
+          <a:solidFill>
+            <a:schemeClr val="accent1"/>
+          </a:solidFill>
+          <a:ln w="31750" cap="flat" cmpd="sng" algn="ctr">
+            <a:solidFill>
+              <a:srgbClr val="FFC000"/>
+            </a:solidFill>
+            <a:prstDash val="solid"/>
+            <a:round/>
+            <a:headEnd type="none" w="med" len="med"/>
+            <a:tailEnd type="none" w="med" len="med"/>
+          </a:ln>
+          <a:effectLst/>
+        </p:spPr>
+      </p:cxnSp>
+      <p:sp>
+        <p:nvSpPr>
+          <p:cNvPr id="8" name="Tijdelijke aanduiding voor inhoud 2"/>
+          <p:cNvSpPr txBox="1">
+            <a:spLocks/>
+          </p:cNvSpPr>
+          <p:nvPr/>
+        </p:nvSpPr>
+        <p:spPr bwMode="auto">
+          <a:xfrm>
+            <a:off x="3215680" y="5855370"/>
+            <a:ext cx="7881938" cy="461665"/>
+          </a:xfrm>
+          <a:prstGeom prst="rect">
+            <a:avLst/>
+          </a:prstGeom>
+          <a:noFill/>
+          <a:ln w="9525">
+            <a:noFill/>
+            <a:miter lim="800000"/>
+            <a:headEnd/>
+            <a:tailEnd/>
+          </a:ln>
+          <a:effectLst/>
+        </p:spPr>
+        <p:txBody>
+          <a:bodyPr vert="horz" wrap="square" lIns="91440" tIns="45720" rIns="91440" bIns="45720" numCol="1" anchor="t" anchorCtr="0" compatLnSpc="1">
+            <a:prstTxWarp prst="textNoShape">
+              <a:avLst/>
+            </a:prstTxWarp>
+            <a:spAutoFit/>
+          </a:bodyPr>
+          <a:lstStyle>
+            <a:lvl1pPr marL="342900" indent="-342900" algn="l" rtl="0" fontAlgn="base">
+              <a:spcBef>
+                <a:spcPct val="20000"/>
+              </a:spcBef>
+              <a:spcAft>
+                <a:spcPct val="0"/>
+              </a:spcAft>
+              <a:buClr>
+                <a:srgbClr val="ED0010"/>
+              </a:buClr>
+              <a:buSzPct val="60000"/>
+              <a:buFont typeface="Zapf Dingbats" charset="2"/>
+              <a:buChar char="n"/>
+              <a:defRPr sz="2800">
+                <a:solidFill>
+                  <a:srgbClr val="000000"/>
+                </a:solidFill>
+                <a:latin typeface="+mn-lt"/>
+                <a:ea typeface="+mn-ea"/>
+                <a:cs typeface="+mn-cs"/>
+              </a:defRPr>
+            </a:lvl1pPr>
+            <a:lvl2pPr marL="819150" indent="-285750" algn="l" rtl="0" fontAlgn="base">
+              <a:spcBef>
+                <a:spcPct val="20000"/>
+              </a:spcBef>
+              <a:spcAft>
+                <a:spcPct val="0"/>
+              </a:spcAft>
+              <a:buClr>
+                <a:schemeClr val="accent1"/>
+              </a:buClr>
+              <a:buSzPct val="60000"/>
+              <a:buFont typeface="Zapf Dingbats" charset="2"/>
+              <a:buChar char="n"/>
+              <a:defRPr sz="2600">
+                <a:solidFill>
+                  <a:srgbClr val="000000"/>
+                </a:solidFill>
+                <a:latin typeface="+mn-lt"/>
+              </a:defRPr>
+            </a:lvl2pPr>
+            <a:lvl3pPr marL="1143000" indent="-228600" algn="l" rtl="0" fontAlgn="base">
+              <a:spcBef>
+                <a:spcPct val="20000"/>
+              </a:spcBef>
+              <a:spcAft>
+                <a:spcPct val="0"/>
+              </a:spcAft>
+              <a:buClr>
+                <a:schemeClr val="accent1"/>
+              </a:buClr>
+              <a:buSzPct val="60000"/>
+              <a:buFont typeface="Zapf Dingbats" charset="2"/>
+              <a:buChar char="n"/>
+              <a:defRPr sz="2400">
+                <a:solidFill>
+                  <a:srgbClr val="000000"/>
+                </a:solidFill>
+                <a:latin typeface="+mn-lt"/>
+              </a:defRPr>
+            </a:lvl3pPr>
+            <a:lvl4pPr marL="1562100" indent="-228600" algn="l" rtl="0" fontAlgn="base">
+              <a:spcBef>
+                <a:spcPct val="20000"/>
+              </a:spcBef>
+              <a:spcAft>
+                <a:spcPct val="0"/>
+              </a:spcAft>
+              <a:buClr>
+                <a:schemeClr val="accent1"/>
+              </a:buClr>
+              <a:buSzPct val="60000"/>
+              <a:buFont typeface="Zapf Dingbats" charset="2"/>
+              <a:buChar char="n"/>
+              <a:defRPr sz="2200">
+                <a:solidFill>
+                  <a:srgbClr val="000000"/>
+                </a:solidFill>
+                <a:latin typeface="+mn-lt"/>
+              </a:defRPr>
+            </a:lvl4pPr>
+            <a:lvl5pPr marL="1981200" indent="-228600" algn="l" rtl="0" fontAlgn="base">
+              <a:spcBef>
+                <a:spcPct val="20000"/>
+              </a:spcBef>
+              <a:spcAft>
+                <a:spcPct val="0"/>
+              </a:spcAft>
+              <a:buClr>
+                <a:schemeClr val="accent1"/>
+              </a:buClr>
+              <a:buSzPct val="60000"/>
+              <a:buFont typeface="Zapf Dingbats" charset="2"/>
+              <a:buChar char="n"/>
+              <a:defRPr sz="2000">
+                <a:solidFill>
+                  <a:srgbClr val="000000"/>
+                </a:solidFill>
+                <a:latin typeface="+mn-lt"/>
+              </a:defRPr>
+            </a:lvl5pPr>
+            <a:lvl6pPr marL="2438400" indent="-228600" algn="l" rtl="0" fontAlgn="base">
+              <a:spcBef>
+                <a:spcPct val="20000"/>
+              </a:spcBef>
+              <a:spcAft>
+                <a:spcPct val="0"/>
+              </a:spcAft>
+              <a:buClr>
+                <a:schemeClr val="accent1"/>
+              </a:buClr>
+              <a:buSzPct val="60000"/>
+              <a:buFont typeface="Zapf Dingbats" charset="2"/>
+              <a:buChar char="n"/>
+              <a:defRPr sz="2000">
+                <a:solidFill>
+                  <a:srgbClr val="000000"/>
+                </a:solidFill>
+                <a:latin typeface="+mn-lt"/>
+              </a:defRPr>
+            </a:lvl6pPr>
+            <a:lvl7pPr marL="2895600" indent="-228600" algn="l" rtl="0" fontAlgn="base">
+              <a:spcBef>
+                <a:spcPct val="20000"/>
+              </a:spcBef>
+              <a:spcAft>
+                <a:spcPct val="0"/>
+              </a:spcAft>
+              <a:buClr>
+                <a:schemeClr val="accent1"/>
+              </a:buClr>
+              <a:buSzPct val="60000"/>
+              <a:buFont typeface="Zapf Dingbats" charset="2"/>
+              <a:buChar char="n"/>
+              <a:defRPr sz="2000">
+                <a:solidFill>
+                  <a:srgbClr val="000000"/>
+                </a:solidFill>
+                <a:latin typeface="+mn-lt"/>
+              </a:defRPr>
+            </a:lvl7pPr>
+            <a:lvl8pPr marL="3352800" indent="-228600" algn="l" rtl="0" fontAlgn="base">
+              <a:spcBef>
+                <a:spcPct val="20000"/>
+              </a:spcBef>
+              <a:spcAft>
+                <a:spcPct val="0"/>
+              </a:spcAft>
+              <a:buClr>
+                <a:schemeClr val="accent1"/>
+              </a:buClr>
+              <a:buSzPct val="60000"/>
+              <a:buFont typeface="Zapf Dingbats" charset="2"/>
+              <a:buChar char="n"/>
+              <a:defRPr sz="2000">
+                <a:solidFill>
+                  <a:srgbClr val="000000"/>
+                </a:solidFill>
+                <a:latin typeface="+mn-lt"/>
+              </a:defRPr>
+            </a:lvl8pPr>
+            <a:lvl9pPr marL="3810000" indent="-228600" algn="l" rtl="0" fontAlgn="base">
+              <a:spcBef>
+                <a:spcPct val="20000"/>
+              </a:spcBef>
+              <a:spcAft>
+                <a:spcPct val="0"/>
+              </a:spcAft>
+              <a:buClr>
+                <a:schemeClr val="accent1"/>
+              </a:buClr>
+              <a:buSzPct val="60000"/>
+              <a:buFont typeface="Zapf Dingbats" charset="2"/>
+              <a:buChar char="n"/>
+              <a:defRPr sz="2000">
+                <a:solidFill>
+                  <a:srgbClr val="000000"/>
+                </a:solidFill>
+                <a:latin typeface="+mn-lt"/>
+              </a:defRPr>
+            </a:lvl9pPr>
+          </a:lstStyle>
+          <a:p>
+            <a:pPr marL="0" indent="0">
+              <a:buNone/>
+            </a:pPr>
+            <a:r>
+              <a:rPr lang="nl-NL" sz="2400" kern="0" dirty="0" err="1"/>
+              <a:t>Euclidean</a:t>
+            </a:r>
+            <a:r>
+              <a:rPr lang="nl-NL" sz="2400" kern="0" dirty="0"/>
+              <a:t> </a:t>
+            </a:r>
+            <a:r>
+              <a:rPr lang="nl-NL" sz="2400" kern="0" dirty="0" err="1"/>
+              <a:t>distance</a:t>
+            </a:r>
+            <a:r>
+              <a:rPr lang="nl-NL" sz="2400" kern="0" dirty="0"/>
+              <a:t>: user 1&amp;2 are closer!</a:t>
+            </a:r>
+            <a:endParaRPr lang="nl-NL" sz="2400" kern="0" dirty="0"/>
+          </a:p>
+        </p:txBody>
+      </p:sp>
+    </p:spTree>
+    <p:extLst>
+      <p:ext uri="{BB962C8B-B14F-4D97-AF65-F5344CB8AC3E}">
+        <p14:creationId xmlns:p14="http://schemas.microsoft.com/office/powerpoint/2010/main" val="3097827064"/>
+      </p:ext>
+    </p:extLst>
+  </p:cSld>
+  <p:clrMapOvr>
+    <a:masterClrMapping/>
+  </p:clrMapOvr>
+</p:sld>
+</file>
+
+<file path=ppt/slides/slide13.xml><?xml version="1.0" encoding="utf-8"?>
+<p:sld xmlns:a="http://schemas.openxmlformats.org/drawingml/2006/main" xmlns:r="http://schemas.openxmlformats.org/officeDocument/2006/relationships" xmlns:p="http://schemas.openxmlformats.org/presentationml/2006/main">
+  <p:cSld>
+    <p:spTree>
+      <p:nvGrpSpPr>
+        <p:cNvPr id="1" name=""/>
+        <p:cNvGrpSpPr/>
+        <p:nvPr/>
+      </p:nvGrpSpPr>
+      <p:grpSpPr>
+        <a:xfrm>
+          <a:off x="0" y="0"/>
+          <a:ext cx="0" cy="0"/>
+          <a:chOff x="0" y="0"/>
+          <a:chExt cx="0" cy="0"/>
+        </a:xfrm>
+      </p:grpSpPr>
+      <p:sp>
+        <p:nvSpPr>
+          <p:cNvPr id="2" name="Titel 1"/>
+          <p:cNvSpPr>
+            <a:spLocks noGrp="1"/>
+          </p:cNvSpPr>
+          <p:nvPr>
+            <p:ph type="title"/>
+          </p:nvPr>
+        </p:nvSpPr>
+        <p:spPr>
+          <a:xfrm>
+            <a:off x="2362200" y="604264"/>
+            <a:ext cx="6974160" cy="584775"/>
+          </a:xfrm>
+        </p:spPr>
+        <p:txBody>
+          <a:bodyPr/>
+          <a:lstStyle/>
+          <a:p>
+            <a:r>
+              <a:rPr lang="nl-NL" dirty="0" err="1" smtClean="0"/>
+              <a:t>Exercise</a:t>
+            </a:r>
+            <a:r>
+              <a:rPr lang="nl-NL" dirty="0" smtClean="0"/>
+              <a:t> </a:t>
+            </a:r>
+            <a:r>
+              <a:rPr lang="nl-NL" dirty="0" smtClean="0"/>
+              <a:t>2: </a:t>
+            </a:r>
+            <a:r>
+              <a:rPr lang="nl-NL" dirty="0" err="1" smtClean="0"/>
+              <a:t>recommender</a:t>
+            </a:r>
+            <a:r>
+              <a:rPr lang="nl-NL" dirty="0" smtClean="0"/>
+              <a:t> systems</a:t>
+            </a:r>
+            <a:endParaRPr lang="nl-NL" dirty="0"/>
+          </a:p>
+        </p:txBody>
+      </p:sp>
+      <p:sp>
+        <p:nvSpPr>
+          <p:cNvPr id="4" name="Tijdelijke aanduiding voor inhoud 2"/>
+          <p:cNvSpPr txBox="1">
+            <a:spLocks noGrp="1"/>
+          </p:cNvSpPr>
+          <p:nvPr>
+            <p:ph idx="1"/>
+          </p:nvPr>
+        </p:nvSpPr>
+        <p:spPr bwMode="auto">
+          <a:xfrm>
+            <a:off x="2286000" y="1762125"/>
+            <a:ext cx="7881938" cy="5620000"/>
+          </a:xfrm>
+          <a:prstGeom prst="rect">
+            <a:avLst/>
+          </a:prstGeom>
+          <a:noFill/>
+          <a:ln w="9525">
+            <a:noFill/>
+            <a:miter lim="800000"/>
+            <a:headEnd/>
+            <a:tailEnd/>
+          </a:ln>
+          <a:effectLst/>
+        </p:spPr>
+        <p:txBody>
+          <a:bodyPr vert="horz" wrap="square" lIns="91440" tIns="45720" rIns="91440" bIns="45720" numCol="1" anchor="t" anchorCtr="0" compatLnSpc="1">
+            <a:prstTxWarp prst="textNoShape">
+              <a:avLst/>
+            </a:prstTxWarp>
+            <a:spAutoFit/>
+          </a:bodyPr>
+          <a:lstStyle>
+            <a:lvl1pPr marL="342900" indent="-342900" algn="l" rtl="0" fontAlgn="base">
+              <a:spcBef>
+                <a:spcPct val="20000"/>
+              </a:spcBef>
+              <a:spcAft>
+                <a:spcPct val="0"/>
+              </a:spcAft>
+              <a:buClr>
+                <a:srgbClr val="ED0010"/>
+              </a:buClr>
+              <a:buSzPct val="60000"/>
+              <a:buFont typeface="Zapf Dingbats" charset="2"/>
+              <a:buChar char="n"/>
+              <a:defRPr sz="2800">
+                <a:solidFill>
+                  <a:srgbClr val="000000"/>
+                </a:solidFill>
+                <a:latin typeface="+mn-lt"/>
+                <a:ea typeface="+mn-ea"/>
+                <a:cs typeface="+mn-cs"/>
+              </a:defRPr>
+            </a:lvl1pPr>
+            <a:lvl2pPr marL="819150" indent="-285750" algn="l" rtl="0" fontAlgn="base">
+              <a:spcBef>
+                <a:spcPct val="20000"/>
+              </a:spcBef>
+              <a:spcAft>
+                <a:spcPct val="0"/>
+              </a:spcAft>
+              <a:buClr>
+                <a:schemeClr val="accent1"/>
+              </a:buClr>
+              <a:buSzPct val="60000"/>
+              <a:buFont typeface="Zapf Dingbats" charset="2"/>
+              <a:buChar char="n"/>
+              <a:defRPr sz="2600">
+                <a:solidFill>
+                  <a:srgbClr val="000000"/>
+                </a:solidFill>
+                <a:latin typeface="+mn-lt"/>
+              </a:defRPr>
+            </a:lvl2pPr>
+            <a:lvl3pPr marL="1143000" indent="-228600" algn="l" rtl="0" fontAlgn="base">
+              <a:spcBef>
+                <a:spcPct val="20000"/>
+              </a:spcBef>
+              <a:spcAft>
+                <a:spcPct val="0"/>
+              </a:spcAft>
+              <a:buClr>
+                <a:schemeClr val="accent1"/>
+              </a:buClr>
+              <a:buSzPct val="60000"/>
+              <a:buFont typeface="Zapf Dingbats" charset="2"/>
+              <a:buChar char="n"/>
+              <a:defRPr sz="2400">
+                <a:solidFill>
+                  <a:srgbClr val="000000"/>
+                </a:solidFill>
+                <a:latin typeface="+mn-lt"/>
+              </a:defRPr>
+            </a:lvl3pPr>
+            <a:lvl4pPr marL="1562100" indent="-228600" algn="l" rtl="0" fontAlgn="base">
+              <a:spcBef>
+                <a:spcPct val="20000"/>
+              </a:spcBef>
+              <a:spcAft>
+                <a:spcPct val="0"/>
+              </a:spcAft>
+              <a:buClr>
+                <a:schemeClr val="accent1"/>
+              </a:buClr>
+              <a:buSzPct val="60000"/>
+              <a:buFont typeface="Zapf Dingbats" charset="2"/>
+              <a:buChar char="n"/>
+              <a:defRPr sz="2200">
+                <a:solidFill>
+                  <a:srgbClr val="000000"/>
+                </a:solidFill>
+                <a:latin typeface="+mn-lt"/>
+              </a:defRPr>
+            </a:lvl4pPr>
+            <a:lvl5pPr marL="1981200" indent="-228600" algn="l" rtl="0" fontAlgn="base">
+              <a:spcBef>
+                <a:spcPct val="20000"/>
+              </a:spcBef>
+              <a:spcAft>
+                <a:spcPct val="0"/>
+              </a:spcAft>
+              <a:buClr>
+                <a:schemeClr val="accent1"/>
+              </a:buClr>
+              <a:buSzPct val="60000"/>
+              <a:buFont typeface="Zapf Dingbats" charset="2"/>
+              <a:buChar char="n"/>
+              <a:defRPr sz="2000">
+                <a:solidFill>
+                  <a:srgbClr val="000000"/>
+                </a:solidFill>
+                <a:latin typeface="+mn-lt"/>
+              </a:defRPr>
+            </a:lvl5pPr>
+            <a:lvl6pPr marL="2438400" indent="-228600" algn="l" rtl="0" fontAlgn="base">
+              <a:spcBef>
+                <a:spcPct val="20000"/>
+              </a:spcBef>
+              <a:spcAft>
+                <a:spcPct val="0"/>
+              </a:spcAft>
+              <a:buClr>
+                <a:schemeClr val="accent1"/>
+              </a:buClr>
+              <a:buSzPct val="60000"/>
+              <a:buFont typeface="Zapf Dingbats" charset="2"/>
+              <a:buChar char="n"/>
+              <a:defRPr sz="2000">
+                <a:solidFill>
+                  <a:srgbClr val="000000"/>
+                </a:solidFill>
+                <a:latin typeface="+mn-lt"/>
+              </a:defRPr>
+            </a:lvl6pPr>
+            <a:lvl7pPr marL="2895600" indent="-228600" algn="l" rtl="0" fontAlgn="base">
+              <a:spcBef>
+                <a:spcPct val="20000"/>
+              </a:spcBef>
+              <a:spcAft>
+                <a:spcPct val="0"/>
+              </a:spcAft>
+              <a:buClr>
+                <a:schemeClr val="accent1"/>
+              </a:buClr>
+              <a:buSzPct val="60000"/>
+              <a:buFont typeface="Zapf Dingbats" charset="2"/>
+              <a:buChar char="n"/>
+              <a:defRPr sz="2000">
+                <a:solidFill>
+                  <a:srgbClr val="000000"/>
+                </a:solidFill>
+                <a:latin typeface="+mn-lt"/>
+              </a:defRPr>
+            </a:lvl7pPr>
+            <a:lvl8pPr marL="3352800" indent="-228600" algn="l" rtl="0" fontAlgn="base">
+              <a:spcBef>
+                <a:spcPct val="20000"/>
+              </a:spcBef>
+              <a:spcAft>
+                <a:spcPct val="0"/>
+              </a:spcAft>
+              <a:buClr>
+                <a:schemeClr val="accent1"/>
+              </a:buClr>
+              <a:buSzPct val="60000"/>
+              <a:buFont typeface="Zapf Dingbats" charset="2"/>
+              <a:buChar char="n"/>
+              <a:defRPr sz="2000">
+                <a:solidFill>
+                  <a:srgbClr val="000000"/>
+                </a:solidFill>
+                <a:latin typeface="+mn-lt"/>
+              </a:defRPr>
+            </a:lvl8pPr>
+            <a:lvl9pPr marL="3810000" indent="-228600" algn="l" rtl="0" fontAlgn="base">
+              <a:spcBef>
+                <a:spcPct val="20000"/>
+              </a:spcBef>
+              <a:spcAft>
+                <a:spcPct val="0"/>
+              </a:spcAft>
+              <a:buClr>
+                <a:schemeClr val="accent1"/>
+              </a:buClr>
+              <a:buSzPct val="60000"/>
+              <a:buFont typeface="Zapf Dingbats" charset="2"/>
+              <a:buChar char="n"/>
+              <a:defRPr sz="2000">
+                <a:solidFill>
+                  <a:srgbClr val="000000"/>
+                </a:solidFill>
+                <a:latin typeface="+mn-lt"/>
+              </a:defRPr>
+            </a:lvl9pPr>
+          </a:lstStyle>
+          <a:p>
+            <a:pPr marL="0" indent="0">
+              <a:buNone/>
+            </a:pPr>
+            <a:r>
+              <a:rPr lang="nl-NL" sz="1600" dirty="0" err="1">
+                <a:latin typeface="Courier New" panose="02070309020205020404" pitchFamily="49" charset="0"/>
+                <a:cs typeface="Courier New" panose="02070309020205020404" pitchFamily="49" charset="0"/>
+              </a:rPr>
+              <a:t>Work</a:t>
+            </a:r>
+            <a:r>
+              <a:rPr lang="nl-NL" sz="1600" dirty="0">
+                <a:latin typeface="Courier New" panose="02070309020205020404" pitchFamily="49" charset="0"/>
+                <a:cs typeface="Courier New" panose="02070309020205020404" pitchFamily="49" charset="0"/>
+              </a:rPr>
+              <a:t> </a:t>
+            </a:r>
+            <a:r>
+              <a:rPr lang="nl-NL" sz="1600" dirty="0" err="1">
+                <a:latin typeface="Courier New" panose="02070309020205020404" pitchFamily="49" charset="0"/>
+                <a:cs typeface="Courier New" panose="02070309020205020404" pitchFamily="49" charset="0"/>
+              </a:rPr>
+              <a:t>together</a:t>
+            </a:r>
+            <a:r>
+              <a:rPr lang="nl-NL" sz="1600" dirty="0">
+                <a:latin typeface="Courier New" panose="02070309020205020404" pitchFamily="49" charset="0"/>
+                <a:cs typeface="Courier New" panose="02070309020205020404" pitchFamily="49" charset="0"/>
+              </a:rPr>
+              <a:t> in </a:t>
+            </a:r>
+            <a:r>
+              <a:rPr lang="nl-NL" sz="1600" dirty="0" err="1">
+                <a:latin typeface="Courier New" panose="02070309020205020404" pitchFamily="49" charset="0"/>
+                <a:cs typeface="Courier New" panose="02070309020205020404" pitchFamily="49" charset="0"/>
+              </a:rPr>
+              <a:t>couples</a:t>
+            </a:r>
+            <a:r>
+              <a:rPr lang="nl-NL" sz="1600" dirty="0">
+                <a:latin typeface="Courier New" panose="02070309020205020404" pitchFamily="49" charset="0"/>
+                <a:cs typeface="Courier New" panose="02070309020205020404" pitchFamily="49" charset="0"/>
+              </a:rPr>
+              <a:t> or </a:t>
+            </a:r>
+            <a:r>
+              <a:rPr lang="nl-NL" sz="1600" dirty="0" err="1">
+                <a:latin typeface="Courier New" panose="02070309020205020404" pitchFamily="49" charset="0"/>
+                <a:cs typeface="Courier New" panose="02070309020205020404" pitchFamily="49" charset="0"/>
+              </a:rPr>
+              <a:t>groups</a:t>
+            </a:r>
+            <a:r>
+              <a:rPr lang="nl-NL" sz="1600" dirty="0">
+                <a:latin typeface="Courier New" panose="02070309020205020404" pitchFamily="49" charset="0"/>
+                <a:cs typeface="Courier New" panose="02070309020205020404" pitchFamily="49" charset="0"/>
+              </a:rPr>
+              <a:t> of 3. Have a look at the </a:t>
+            </a:r>
+            <a:r>
+              <a:rPr lang="nl-NL" sz="1600" i="1" dirty="0">
+                <a:latin typeface="Courier New" panose="02070309020205020404" pitchFamily="49" charset="0"/>
+                <a:cs typeface="Courier New" panose="02070309020205020404" pitchFamily="49" charset="0"/>
+              </a:rPr>
+              <a:t>full </a:t>
+            </a:r>
+            <a:r>
+              <a:rPr lang="nl-NL" sz="1600" dirty="0">
+                <a:latin typeface="Courier New" panose="02070309020205020404" pitchFamily="49" charset="0"/>
+                <a:cs typeface="Courier New" panose="02070309020205020404" pitchFamily="49" charset="0"/>
+              </a:rPr>
+              <a:t>Movielens data set (</a:t>
+            </a:r>
+            <a:r>
+              <a:rPr lang="nl-NL" sz="1600" dirty="0" err="1">
+                <a:latin typeface="Courier New" panose="02070309020205020404" pitchFamily="49" charset="0"/>
+                <a:cs typeface="Courier New" panose="02070309020205020404" pitchFamily="49" charset="0"/>
+              </a:rPr>
+              <a:t>including</a:t>
+            </a:r>
+            <a:r>
+              <a:rPr lang="nl-NL" sz="1600" dirty="0">
+                <a:latin typeface="Courier New" panose="02070309020205020404" pitchFamily="49" charset="0"/>
+                <a:cs typeface="Courier New" panose="02070309020205020404" pitchFamily="49" charset="0"/>
+              </a:rPr>
+              <a:t> </a:t>
+            </a:r>
+            <a:r>
+              <a:rPr lang="nl-NL" sz="1600" i="1" dirty="0">
+                <a:latin typeface="Courier New" panose="02070309020205020404" pitchFamily="49" charset="0"/>
+                <a:cs typeface="Courier New" panose="02070309020205020404" pitchFamily="49" charset="0"/>
+              </a:rPr>
+              <a:t>tags.csv</a:t>
+            </a:r>
+            <a:r>
+              <a:rPr lang="nl-NL" sz="1600" dirty="0">
+                <a:latin typeface="Courier New" panose="02070309020205020404" pitchFamily="49" charset="0"/>
+                <a:cs typeface="Courier New" panose="02070309020205020404" pitchFamily="49" charset="0"/>
+              </a:rPr>
+              <a:t>) </a:t>
+            </a:r>
+            <a:r>
+              <a:rPr lang="nl-NL" sz="1600" dirty="0" err="1">
+                <a:latin typeface="Courier New" panose="02070309020205020404" pitchFamily="49" charset="0"/>
+                <a:cs typeface="Courier New" panose="02070309020205020404" pitchFamily="49" charset="0"/>
+              </a:rPr>
+              <a:t>and</a:t>
+            </a:r>
+            <a:r>
+              <a:rPr lang="nl-NL" sz="1600" dirty="0">
+                <a:latin typeface="Courier New" panose="02070309020205020404" pitchFamily="49" charset="0"/>
+                <a:cs typeface="Courier New" panose="02070309020205020404" pitchFamily="49" charset="0"/>
+              </a:rPr>
+              <a:t> </a:t>
+            </a:r>
+            <a:r>
+              <a:rPr lang="nl-NL" sz="1600" dirty="0" err="1">
+                <a:latin typeface="Courier New" panose="02070309020205020404" pitchFamily="49" charset="0"/>
+                <a:cs typeface="Courier New" panose="02070309020205020404" pitchFamily="49" charset="0"/>
+              </a:rPr>
+              <a:t>write</a:t>
+            </a:r>
+            <a:r>
+              <a:rPr lang="nl-NL" sz="1600" dirty="0">
+                <a:latin typeface="Courier New" panose="02070309020205020404" pitchFamily="49" charset="0"/>
+                <a:cs typeface="Courier New" panose="02070309020205020404" pitchFamily="49" charset="0"/>
+              </a:rPr>
+              <a:t> down the </a:t>
+            </a:r>
+            <a:r>
+              <a:rPr lang="nl-NL" sz="1600" dirty="0" err="1">
+                <a:latin typeface="Courier New" panose="02070309020205020404" pitchFamily="49" charset="0"/>
+                <a:cs typeface="Courier New" panose="02070309020205020404" pitchFamily="49" charset="0"/>
+              </a:rPr>
+              <a:t>answers</a:t>
+            </a:r>
+            <a:r>
+              <a:rPr lang="nl-NL" sz="1600" dirty="0">
+                <a:latin typeface="Courier New" panose="02070309020205020404" pitchFamily="49" charset="0"/>
+                <a:cs typeface="Courier New" panose="02070309020205020404" pitchFamily="49" charset="0"/>
+              </a:rPr>
+              <a:t> </a:t>
+            </a:r>
+            <a:r>
+              <a:rPr lang="nl-NL" sz="1600" dirty="0" err="1">
+                <a:latin typeface="Courier New" panose="02070309020205020404" pitchFamily="49" charset="0"/>
+                <a:cs typeface="Courier New" panose="02070309020205020404" pitchFamily="49" charset="0"/>
+              </a:rPr>
+              <a:t>to</a:t>
+            </a:r>
+            <a:r>
+              <a:rPr lang="nl-NL" sz="1600" dirty="0">
+                <a:latin typeface="Courier New" panose="02070309020205020404" pitchFamily="49" charset="0"/>
+                <a:cs typeface="Courier New" panose="02070309020205020404" pitchFamily="49" charset="0"/>
+              </a:rPr>
+              <a:t> the </a:t>
+            </a:r>
+            <a:r>
+              <a:rPr lang="nl-NL" sz="1600" dirty="0" err="1">
+                <a:latin typeface="Courier New" panose="02070309020205020404" pitchFamily="49" charset="0"/>
+                <a:cs typeface="Courier New" panose="02070309020205020404" pitchFamily="49" charset="0"/>
+              </a:rPr>
+              <a:t>following</a:t>
+            </a:r>
+            <a:r>
+              <a:rPr lang="nl-NL" sz="1600" dirty="0">
+                <a:latin typeface="Courier New" panose="02070309020205020404" pitchFamily="49" charset="0"/>
+                <a:cs typeface="Courier New" panose="02070309020205020404" pitchFamily="49" charset="0"/>
+              </a:rPr>
+              <a:t> </a:t>
+            </a:r>
+            <a:r>
+              <a:rPr lang="nl-NL" sz="1600" dirty="0" err="1">
+                <a:latin typeface="Courier New" panose="02070309020205020404" pitchFamily="49" charset="0"/>
+                <a:cs typeface="Courier New" panose="02070309020205020404" pitchFamily="49" charset="0"/>
+              </a:rPr>
+              <a:t>questions</a:t>
+            </a:r>
+            <a:r>
+              <a:rPr lang="nl-NL" sz="1600" dirty="0">
+                <a:latin typeface="Courier New" panose="02070309020205020404" pitchFamily="49" charset="0"/>
+                <a:cs typeface="Courier New" panose="02070309020205020404" pitchFamily="49" charset="0"/>
+              </a:rPr>
+              <a:t>, </a:t>
+            </a:r>
+            <a:r>
+              <a:rPr lang="nl-NL" sz="1600" dirty="0" err="1">
+                <a:latin typeface="Courier New" panose="02070309020205020404" pitchFamily="49" charset="0"/>
+                <a:cs typeface="Courier New" panose="02070309020205020404" pitchFamily="49" charset="0"/>
+              </a:rPr>
+              <a:t>to</a:t>
+            </a:r>
+            <a:r>
+              <a:rPr lang="nl-NL" sz="1600" dirty="0">
+                <a:latin typeface="Courier New" panose="02070309020205020404" pitchFamily="49" charset="0"/>
+                <a:cs typeface="Courier New" panose="02070309020205020404" pitchFamily="49" charset="0"/>
+              </a:rPr>
+              <a:t> </a:t>
+            </a:r>
+            <a:r>
+              <a:rPr lang="nl-NL" sz="1600" dirty="0" err="1">
+                <a:latin typeface="Courier New" panose="02070309020205020404" pitchFamily="49" charset="0"/>
+                <a:cs typeface="Courier New" panose="02070309020205020404" pitchFamily="49" charset="0"/>
+              </a:rPr>
+              <a:t>be</a:t>
+            </a:r>
+            <a:r>
+              <a:rPr lang="nl-NL" sz="1600" dirty="0">
+                <a:latin typeface="Courier New" panose="02070309020205020404" pitchFamily="49" charset="0"/>
+                <a:cs typeface="Courier New" panose="02070309020205020404" pitchFamily="49" charset="0"/>
+              </a:rPr>
+              <a:t> </a:t>
+            </a:r>
+            <a:r>
+              <a:rPr lang="nl-NL" sz="1600" dirty="0" err="1">
+                <a:latin typeface="Courier New" panose="02070309020205020404" pitchFamily="49" charset="0"/>
+                <a:cs typeface="Courier New" panose="02070309020205020404" pitchFamily="49" charset="0"/>
+              </a:rPr>
+              <a:t>discussed</a:t>
+            </a:r>
+            <a:r>
+              <a:rPr lang="nl-NL" sz="1600" dirty="0">
+                <a:latin typeface="Courier New" panose="02070309020205020404" pitchFamily="49" charset="0"/>
+                <a:cs typeface="Courier New" panose="02070309020205020404" pitchFamily="49" charset="0"/>
+              </a:rPr>
+              <a:t> later in class.</a:t>
+            </a:r>
+            <a:endParaRPr lang="nl-NL" sz="1600" dirty="0">
+              <a:latin typeface="Courier New" panose="02070309020205020404" pitchFamily="49" charset="0"/>
+              <a:cs typeface="Courier New" panose="02070309020205020404" pitchFamily="49" charset="0"/>
+            </a:endParaRPr>
+          </a:p>
+          <a:p>
+            <a:pPr marL="0" indent="0">
+              <a:buNone/>
+            </a:pPr>
+            <a:endParaRPr lang="nl-NL" sz="1600" dirty="0">
+              <a:latin typeface="Courier New" panose="02070309020205020404" pitchFamily="49" charset="0"/>
+              <a:cs typeface="Courier New" panose="02070309020205020404" pitchFamily="49" charset="0"/>
+            </a:endParaRPr>
+          </a:p>
+          <a:p>
+            <a:pPr>
+              <a:buAutoNum type="arabicPeriod"/>
+            </a:pPr>
+            <a:r>
+              <a:rPr lang="nl-NL" sz="1600" dirty="0" err="1">
+                <a:latin typeface="Courier New" panose="02070309020205020404" pitchFamily="49" charset="0"/>
+                <a:cs typeface="Courier New" panose="02070309020205020404" pitchFamily="49" charset="0"/>
+              </a:rPr>
+              <a:t>Which</a:t>
+            </a:r>
+            <a:r>
+              <a:rPr lang="nl-NL" sz="1600" dirty="0">
+                <a:latin typeface="Courier New" panose="02070309020205020404" pitchFamily="49" charset="0"/>
+                <a:cs typeface="Courier New" panose="02070309020205020404" pitchFamily="49" charset="0"/>
+              </a:rPr>
+              <a:t> </a:t>
+            </a:r>
+            <a:r>
+              <a:rPr lang="nl-NL" sz="1600" dirty="0" err="1">
+                <a:latin typeface="Courier New" panose="02070309020205020404" pitchFamily="49" charset="0"/>
+                <a:cs typeface="Courier New" panose="02070309020205020404" pitchFamily="49" charset="0"/>
+              </a:rPr>
+              <a:t>elements</a:t>
+            </a:r>
+            <a:r>
+              <a:rPr lang="nl-NL" sz="1600" dirty="0">
+                <a:latin typeface="Courier New" panose="02070309020205020404" pitchFamily="49" charset="0"/>
+                <a:cs typeface="Courier New" panose="02070309020205020404" pitchFamily="49" charset="0"/>
+              </a:rPr>
+              <a:t> of the Movielens data set </a:t>
+            </a:r>
+            <a:r>
+              <a:rPr lang="nl-NL" sz="1600" dirty="0" err="1">
+                <a:latin typeface="Courier New" panose="02070309020205020404" pitchFamily="49" charset="0"/>
+                <a:cs typeface="Courier New" panose="02070309020205020404" pitchFamily="49" charset="0"/>
+              </a:rPr>
+              <a:t>can</a:t>
+            </a:r>
+            <a:r>
+              <a:rPr lang="nl-NL" sz="1600" dirty="0">
+                <a:latin typeface="Courier New" panose="02070309020205020404" pitchFamily="49" charset="0"/>
+                <a:cs typeface="Courier New" panose="02070309020205020404" pitchFamily="49" charset="0"/>
+              </a:rPr>
+              <a:t> </a:t>
+            </a:r>
+            <a:r>
+              <a:rPr lang="nl-NL" sz="1600" dirty="0" err="1">
+                <a:latin typeface="Courier New" panose="02070309020205020404" pitchFamily="49" charset="0"/>
+                <a:cs typeface="Courier New" panose="02070309020205020404" pitchFamily="49" charset="0"/>
+              </a:rPr>
+              <a:t>be</a:t>
+            </a:r>
+            <a:r>
+              <a:rPr lang="nl-NL" sz="1600" dirty="0">
+                <a:latin typeface="Courier New" panose="02070309020205020404" pitchFamily="49" charset="0"/>
+                <a:cs typeface="Courier New" panose="02070309020205020404" pitchFamily="49" charset="0"/>
+              </a:rPr>
+              <a:t> </a:t>
+            </a:r>
+            <a:r>
+              <a:rPr lang="nl-NL" sz="1600" dirty="0" err="1">
+                <a:latin typeface="Courier New" panose="02070309020205020404" pitchFamily="49" charset="0"/>
+                <a:cs typeface="Courier New" panose="02070309020205020404" pitchFamily="49" charset="0"/>
+              </a:rPr>
+              <a:t>used</a:t>
+            </a:r>
+            <a:r>
+              <a:rPr lang="nl-NL" sz="1600" dirty="0">
+                <a:latin typeface="Courier New" panose="02070309020205020404" pitchFamily="49" charset="0"/>
+                <a:cs typeface="Courier New" panose="02070309020205020404" pitchFamily="49" charset="0"/>
+              </a:rPr>
+              <a:t> </a:t>
+            </a:r>
+            <a:r>
+              <a:rPr lang="nl-NL" sz="1600" dirty="0" err="1">
+                <a:latin typeface="Courier New" panose="02070309020205020404" pitchFamily="49" charset="0"/>
+                <a:cs typeface="Courier New" panose="02070309020205020404" pitchFamily="49" charset="0"/>
+              </a:rPr>
+              <a:t>for</a:t>
+            </a:r>
+            <a:r>
+              <a:rPr lang="nl-NL" sz="1600" dirty="0">
+                <a:latin typeface="Courier New" panose="02070309020205020404" pitchFamily="49" charset="0"/>
+                <a:cs typeface="Courier New" panose="02070309020205020404" pitchFamily="49" charset="0"/>
+              </a:rPr>
+              <a:t> </a:t>
+            </a:r>
+            <a:r>
+              <a:rPr lang="nl-NL" sz="1600" dirty="0" err="1">
+                <a:latin typeface="Courier New" panose="02070309020205020404" pitchFamily="49" charset="0"/>
+                <a:cs typeface="Courier New" panose="02070309020205020404" pitchFamily="49" charset="0"/>
+              </a:rPr>
+              <a:t>collaborative</a:t>
+            </a:r>
+            <a:r>
+              <a:rPr lang="nl-NL" sz="1600" dirty="0">
+                <a:latin typeface="Courier New" panose="02070309020205020404" pitchFamily="49" charset="0"/>
+                <a:cs typeface="Courier New" panose="02070309020205020404" pitchFamily="49" charset="0"/>
+              </a:rPr>
+              <a:t> filtering? How </a:t>
+            </a:r>
+            <a:r>
+              <a:rPr lang="nl-NL" sz="1600" dirty="0" err="1">
+                <a:latin typeface="Courier New" panose="02070309020205020404" pitchFamily="49" charset="0"/>
+                <a:cs typeface="Courier New" panose="02070309020205020404" pitchFamily="49" charset="0"/>
+              </a:rPr>
+              <a:t>c</a:t>
+            </a:r>
+            <a:r>
+              <a:rPr lang="nl-NL" sz="1600" dirty="0" err="1">
+                <a:latin typeface="Courier New" panose="02070309020205020404" pitchFamily="49" charset="0"/>
+                <a:cs typeface="Courier New" panose="02070309020205020404" pitchFamily="49" charset="0"/>
+              </a:rPr>
+              <a:t>ould</a:t>
+            </a:r>
+            <a:r>
+              <a:rPr lang="nl-NL" sz="1600" dirty="0">
+                <a:latin typeface="Courier New" panose="02070309020205020404" pitchFamily="49" charset="0"/>
+                <a:cs typeface="Courier New" panose="02070309020205020404" pitchFamily="49" charset="0"/>
+              </a:rPr>
+              <a:t> we </a:t>
+            </a:r>
+            <a:r>
+              <a:rPr lang="nl-NL" sz="1600" dirty="0" err="1">
+                <a:latin typeface="Courier New" panose="02070309020205020404" pitchFamily="49" charset="0"/>
+                <a:cs typeface="Courier New" panose="02070309020205020404" pitchFamily="49" charset="0"/>
+              </a:rPr>
+              <a:t>use</a:t>
+            </a:r>
+            <a:r>
+              <a:rPr lang="nl-NL" sz="1600" dirty="0">
+                <a:latin typeface="Courier New" panose="02070309020205020404" pitchFamily="49" charset="0"/>
+                <a:cs typeface="Courier New" panose="02070309020205020404" pitchFamily="49" charset="0"/>
+              </a:rPr>
+              <a:t> </a:t>
+            </a:r>
+            <a:r>
+              <a:rPr lang="nl-NL" sz="1600" dirty="0" err="1">
+                <a:latin typeface="Courier New" panose="02070309020205020404" pitchFamily="49" charset="0"/>
+                <a:cs typeface="Courier New" panose="02070309020205020404" pitchFamily="49" charset="0"/>
+              </a:rPr>
+              <a:t>it</a:t>
+            </a:r>
+            <a:r>
+              <a:rPr lang="nl-NL" sz="1600" dirty="0">
+                <a:latin typeface="Courier New" panose="02070309020205020404" pitchFamily="49" charset="0"/>
+                <a:cs typeface="Courier New" panose="02070309020205020404" pitchFamily="49" charset="0"/>
+              </a:rPr>
+              <a:t> in a </a:t>
+            </a:r>
+            <a:r>
+              <a:rPr lang="nl-NL" sz="1600" dirty="0" err="1">
+                <a:latin typeface="Courier New" panose="02070309020205020404" pitchFamily="49" charset="0"/>
+                <a:cs typeface="Courier New" panose="02070309020205020404" pitchFamily="49" charset="0"/>
+              </a:rPr>
+              <a:t>recommender</a:t>
+            </a:r>
+            <a:r>
+              <a:rPr lang="nl-NL" sz="1600" dirty="0">
+                <a:latin typeface="Courier New" panose="02070309020205020404" pitchFamily="49" charset="0"/>
+                <a:cs typeface="Courier New" panose="02070309020205020404" pitchFamily="49" charset="0"/>
+              </a:rPr>
+              <a:t> system?</a:t>
+            </a:r>
+          </a:p>
+          <a:p>
+            <a:pPr>
+              <a:buAutoNum type="arabicPeriod"/>
+            </a:pPr>
+            <a:endParaRPr lang="nl-NL" sz="1600" dirty="0">
+              <a:latin typeface="Courier New" panose="02070309020205020404" pitchFamily="49" charset="0"/>
+              <a:cs typeface="Courier New" panose="02070309020205020404" pitchFamily="49" charset="0"/>
+            </a:endParaRPr>
+          </a:p>
+          <a:p>
+            <a:pPr>
+              <a:buAutoNum type="arabicPeriod"/>
+            </a:pPr>
+            <a:r>
+              <a:rPr lang="nl-NL" sz="1600" dirty="0" err="1">
+                <a:latin typeface="Courier New" panose="02070309020205020404" pitchFamily="49" charset="0"/>
+                <a:cs typeface="Courier New" panose="02070309020205020404" pitchFamily="49" charset="0"/>
+              </a:rPr>
+              <a:t>Which</a:t>
+            </a:r>
+            <a:r>
+              <a:rPr lang="nl-NL" sz="1600" dirty="0">
+                <a:latin typeface="Courier New" panose="02070309020205020404" pitchFamily="49" charset="0"/>
+                <a:cs typeface="Courier New" panose="02070309020205020404" pitchFamily="49" charset="0"/>
+              </a:rPr>
+              <a:t> </a:t>
+            </a:r>
+            <a:r>
+              <a:rPr lang="nl-NL" sz="1600" dirty="0" err="1">
+                <a:latin typeface="Courier New" panose="02070309020205020404" pitchFamily="49" charset="0"/>
+                <a:cs typeface="Courier New" panose="02070309020205020404" pitchFamily="49" charset="0"/>
+              </a:rPr>
+              <a:t>elements</a:t>
+            </a:r>
+            <a:r>
+              <a:rPr lang="nl-NL" sz="1600" dirty="0">
+                <a:latin typeface="Courier New" panose="02070309020205020404" pitchFamily="49" charset="0"/>
+                <a:cs typeface="Courier New" panose="02070309020205020404" pitchFamily="49" charset="0"/>
+              </a:rPr>
+              <a:t> of the Movielens data set </a:t>
+            </a:r>
+            <a:r>
+              <a:rPr lang="nl-NL" sz="1600" dirty="0" err="1">
+                <a:latin typeface="Courier New" panose="02070309020205020404" pitchFamily="49" charset="0"/>
+                <a:cs typeface="Courier New" panose="02070309020205020404" pitchFamily="49" charset="0"/>
+              </a:rPr>
+              <a:t>can</a:t>
+            </a:r>
+            <a:r>
+              <a:rPr lang="nl-NL" sz="1600" dirty="0">
+                <a:latin typeface="Courier New" panose="02070309020205020404" pitchFamily="49" charset="0"/>
+                <a:cs typeface="Courier New" panose="02070309020205020404" pitchFamily="49" charset="0"/>
+              </a:rPr>
+              <a:t> </a:t>
+            </a:r>
+            <a:r>
+              <a:rPr lang="nl-NL" sz="1600" dirty="0" err="1">
+                <a:latin typeface="Courier New" panose="02070309020205020404" pitchFamily="49" charset="0"/>
+                <a:cs typeface="Courier New" panose="02070309020205020404" pitchFamily="49" charset="0"/>
+              </a:rPr>
+              <a:t>be</a:t>
+            </a:r>
+            <a:r>
+              <a:rPr lang="nl-NL" sz="1600" dirty="0">
+                <a:latin typeface="Courier New" panose="02070309020205020404" pitchFamily="49" charset="0"/>
+                <a:cs typeface="Courier New" panose="02070309020205020404" pitchFamily="49" charset="0"/>
+              </a:rPr>
+              <a:t> </a:t>
+            </a:r>
+            <a:r>
+              <a:rPr lang="nl-NL" sz="1600" dirty="0" err="1">
+                <a:latin typeface="Courier New" panose="02070309020205020404" pitchFamily="49" charset="0"/>
+                <a:cs typeface="Courier New" panose="02070309020205020404" pitchFamily="49" charset="0"/>
+              </a:rPr>
+              <a:t>used</a:t>
+            </a:r>
+            <a:r>
+              <a:rPr lang="nl-NL" sz="1600" dirty="0">
+                <a:latin typeface="Courier New" panose="02070309020205020404" pitchFamily="49" charset="0"/>
+                <a:cs typeface="Courier New" panose="02070309020205020404" pitchFamily="49" charset="0"/>
+              </a:rPr>
+              <a:t> </a:t>
+            </a:r>
+            <a:r>
+              <a:rPr lang="nl-NL" sz="1600" dirty="0" err="1">
+                <a:latin typeface="Courier New" panose="02070309020205020404" pitchFamily="49" charset="0"/>
+                <a:cs typeface="Courier New" panose="02070309020205020404" pitchFamily="49" charset="0"/>
+              </a:rPr>
+              <a:t>for</a:t>
+            </a:r>
+            <a:r>
+              <a:rPr lang="nl-NL" sz="1600" dirty="0">
+                <a:latin typeface="Courier New" panose="02070309020205020404" pitchFamily="49" charset="0"/>
+                <a:cs typeface="Courier New" panose="02070309020205020404" pitchFamily="49" charset="0"/>
+              </a:rPr>
+              <a:t> content filtering? How </a:t>
+            </a:r>
+            <a:r>
+              <a:rPr lang="nl-NL" sz="1600" dirty="0" err="1">
+                <a:latin typeface="Courier New" panose="02070309020205020404" pitchFamily="49" charset="0"/>
+                <a:cs typeface="Courier New" panose="02070309020205020404" pitchFamily="49" charset="0"/>
+              </a:rPr>
+              <a:t>could</a:t>
+            </a:r>
+            <a:r>
+              <a:rPr lang="nl-NL" sz="1600" dirty="0">
+                <a:latin typeface="Courier New" panose="02070309020205020404" pitchFamily="49" charset="0"/>
+                <a:cs typeface="Courier New" panose="02070309020205020404" pitchFamily="49" charset="0"/>
+              </a:rPr>
+              <a:t> we </a:t>
+            </a:r>
+            <a:r>
+              <a:rPr lang="nl-NL" sz="1600" dirty="0" err="1">
+                <a:latin typeface="Courier New" panose="02070309020205020404" pitchFamily="49" charset="0"/>
+                <a:cs typeface="Courier New" panose="02070309020205020404" pitchFamily="49" charset="0"/>
+              </a:rPr>
+              <a:t>use</a:t>
+            </a:r>
+            <a:r>
+              <a:rPr lang="nl-NL" sz="1600" dirty="0">
+                <a:latin typeface="Courier New" panose="02070309020205020404" pitchFamily="49" charset="0"/>
+                <a:cs typeface="Courier New" panose="02070309020205020404" pitchFamily="49" charset="0"/>
+              </a:rPr>
+              <a:t> </a:t>
+            </a:r>
+            <a:r>
+              <a:rPr lang="nl-NL" sz="1600" dirty="0" err="1">
+                <a:latin typeface="Courier New" panose="02070309020205020404" pitchFamily="49" charset="0"/>
+                <a:cs typeface="Courier New" panose="02070309020205020404" pitchFamily="49" charset="0"/>
+              </a:rPr>
+              <a:t>it</a:t>
+            </a:r>
+            <a:r>
+              <a:rPr lang="nl-NL" sz="1600" dirty="0">
+                <a:latin typeface="Courier New" panose="02070309020205020404" pitchFamily="49" charset="0"/>
+                <a:cs typeface="Courier New" panose="02070309020205020404" pitchFamily="49" charset="0"/>
+              </a:rPr>
+              <a:t> in a </a:t>
+            </a:r>
+            <a:r>
+              <a:rPr lang="nl-NL" sz="1600" dirty="0" err="1">
+                <a:latin typeface="Courier New" panose="02070309020205020404" pitchFamily="49" charset="0"/>
+                <a:cs typeface="Courier New" panose="02070309020205020404" pitchFamily="49" charset="0"/>
+              </a:rPr>
+              <a:t>recommender</a:t>
+            </a:r>
+            <a:r>
+              <a:rPr lang="nl-NL" sz="1600" dirty="0">
+                <a:latin typeface="Courier New" panose="02070309020205020404" pitchFamily="49" charset="0"/>
+                <a:cs typeface="Courier New" panose="02070309020205020404" pitchFamily="49" charset="0"/>
+              </a:rPr>
+              <a:t> system?</a:t>
+            </a:r>
+          </a:p>
+          <a:p>
+            <a:pPr>
+              <a:buAutoNum type="arabicPeriod"/>
+            </a:pPr>
+            <a:endParaRPr lang="nl-NL" sz="1600" dirty="0">
+              <a:latin typeface="Courier New" panose="02070309020205020404" pitchFamily="49" charset="0"/>
+              <a:cs typeface="Courier New" panose="02070309020205020404" pitchFamily="49" charset="0"/>
+            </a:endParaRPr>
+          </a:p>
+          <a:p>
+            <a:pPr>
+              <a:buAutoNum type="arabicPeriod"/>
+            </a:pPr>
+            <a:r>
+              <a:rPr lang="nl-NL" sz="1600" dirty="0" err="1">
+                <a:latin typeface="Courier New" panose="02070309020205020404" pitchFamily="49" charset="0"/>
+                <a:cs typeface="Courier New" panose="02070309020205020404" pitchFamily="49" charset="0"/>
+              </a:rPr>
+              <a:t>Which</a:t>
+            </a:r>
+            <a:r>
+              <a:rPr lang="nl-NL" sz="1600" dirty="0">
+                <a:latin typeface="Courier New" panose="02070309020205020404" pitchFamily="49" charset="0"/>
+                <a:cs typeface="Courier New" panose="02070309020205020404" pitchFamily="49" charset="0"/>
+              </a:rPr>
+              <a:t> </a:t>
+            </a:r>
+            <a:r>
+              <a:rPr lang="nl-NL" sz="1600" dirty="0" err="1">
+                <a:latin typeface="Courier New" panose="02070309020205020404" pitchFamily="49" charset="0"/>
+                <a:cs typeface="Courier New" panose="02070309020205020404" pitchFamily="49" charset="0"/>
+              </a:rPr>
+              <a:t>problems</a:t>
+            </a:r>
+            <a:r>
+              <a:rPr lang="nl-NL" sz="1600" dirty="0">
+                <a:latin typeface="Courier New" panose="02070309020205020404" pitchFamily="49" charset="0"/>
+                <a:cs typeface="Courier New" panose="02070309020205020404" pitchFamily="49" charset="0"/>
+              </a:rPr>
+              <a:t> do </a:t>
+            </a:r>
+            <a:r>
+              <a:rPr lang="nl-NL" sz="1600" dirty="0" err="1">
+                <a:latin typeface="Courier New" panose="02070309020205020404" pitchFamily="49" charset="0"/>
+                <a:cs typeface="Courier New" panose="02070309020205020404" pitchFamily="49" charset="0"/>
+              </a:rPr>
+              <a:t>you</a:t>
+            </a:r>
+            <a:r>
+              <a:rPr lang="nl-NL" sz="1600" dirty="0">
+                <a:latin typeface="Courier New" panose="02070309020205020404" pitchFamily="49" charset="0"/>
+                <a:cs typeface="Courier New" panose="02070309020205020404" pitchFamily="49" charset="0"/>
+              </a:rPr>
+              <a:t> </a:t>
+            </a:r>
+            <a:r>
+              <a:rPr lang="nl-NL" sz="1600" dirty="0" err="1">
+                <a:latin typeface="Courier New" panose="02070309020205020404" pitchFamily="49" charset="0"/>
+                <a:cs typeface="Courier New" panose="02070309020205020404" pitchFamily="49" charset="0"/>
+              </a:rPr>
+              <a:t>envision</a:t>
+            </a:r>
+            <a:r>
+              <a:rPr lang="nl-NL" sz="1600" dirty="0">
+                <a:latin typeface="Courier New" panose="02070309020205020404" pitchFamily="49" charset="0"/>
+                <a:cs typeface="Courier New" panose="02070309020205020404" pitchFamily="49" charset="0"/>
+              </a:rPr>
+              <a:t> </a:t>
+            </a:r>
+            <a:r>
+              <a:rPr lang="nl-NL" sz="1600" dirty="0" err="1">
+                <a:latin typeface="Courier New" panose="02070309020205020404" pitchFamily="49" charset="0"/>
+                <a:cs typeface="Courier New" panose="02070309020205020404" pitchFamily="49" charset="0"/>
+              </a:rPr>
+              <a:t>with</a:t>
+            </a:r>
+            <a:r>
+              <a:rPr lang="nl-NL" sz="1600" dirty="0">
+                <a:latin typeface="Courier New" panose="02070309020205020404" pitchFamily="49" charset="0"/>
+                <a:cs typeface="Courier New" panose="02070309020205020404" pitchFamily="49" charset="0"/>
+              </a:rPr>
+              <a:t> a </a:t>
+            </a:r>
+            <a:r>
+              <a:rPr lang="nl-NL" sz="1600" dirty="0" err="1">
+                <a:latin typeface="Courier New" panose="02070309020205020404" pitchFamily="49" charset="0"/>
+                <a:cs typeface="Courier New" panose="02070309020205020404" pitchFamily="49" charset="0"/>
+              </a:rPr>
+              <a:t>recommender</a:t>
+            </a:r>
+            <a:r>
+              <a:rPr lang="nl-NL" sz="1600" dirty="0">
+                <a:latin typeface="Courier New" panose="02070309020205020404" pitchFamily="49" charset="0"/>
+                <a:cs typeface="Courier New" panose="02070309020205020404" pitchFamily="49" charset="0"/>
+              </a:rPr>
+              <a:t> system </a:t>
+            </a:r>
+            <a:r>
+              <a:rPr lang="nl-NL" sz="1600" dirty="0" err="1">
+                <a:latin typeface="Courier New" panose="02070309020205020404" pitchFamily="49" charset="0"/>
+                <a:cs typeface="Courier New" panose="02070309020205020404" pitchFamily="49" charset="0"/>
+              </a:rPr>
+              <a:t>based</a:t>
+            </a:r>
+            <a:r>
+              <a:rPr lang="nl-NL" sz="1600" dirty="0">
+                <a:latin typeface="Courier New" panose="02070309020205020404" pitchFamily="49" charset="0"/>
+                <a:cs typeface="Courier New" panose="02070309020205020404" pitchFamily="49" charset="0"/>
+              </a:rPr>
+              <a:t> on the Movielens data, or </a:t>
+            </a:r>
+            <a:r>
+              <a:rPr lang="nl-NL" sz="1600" dirty="0" err="1">
+                <a:latin typeface="Courier New" panose="02070309020205020404" pitchFamily="49" charset="0"/>
+                <a:cs typeface="Courier New" panose="02070309020205020404" pitchFamily="49" charset="0"/>
+              </a:rPr>
+              <a:t>recommender</a:t>
+            </a:r>
+            <a:r>
+              <a:rPr lang="nl-NL" sz="1600" dirty="0">
+                <a:latin typeface="Courier New" panose="02070309020205020404" pitchFamily="49" charset="0"/>
+                <a:cs typeface="Courier New" panose="02070309020205020404" pitchFamily="49" charset="0"/>
+              </a:rPr>
+              <a:t> systems in </a:t>
+            </a:r>
+            <a:r>
+              <a:rPr lang="nl-NL" sz="1600" dirty="0" err="1">
+                <a:latin typeface="Courier New" panose="02070309020205020404" pitchFamily="49" charset="0"/>
+                <a:cs typeface="Courier New" panose="02070309020205020404" pitchFamily="49" charset="0"/>
+              </a:rPr>
+              <a:t>general</a:t>
+            </a:r>
+            <a:r>
+              <a:rPr lang="nl-NL" sz="1600" dirty="0">
+                <a:latin typeface="Courier New" panose="02070309020205020404" pitchFamily="49" charset="0"/>
+                <a:cs typeface="Courier New" panose="02070309020205020404" pitchFamily="49" charset="0"/>
+              </a:rPr>
+              <a:t>? Name at </a:t>
+            </a:r>
+            <a:r>
+              <a:rPr lang="nl-NL" sz="1600" dirty="0" err="1">
+                <a:latin typeface="Courier New" panose="02070309020205020404" pitchFamily="49" charset="0"/>
+                <a:cs typeface="Courier New" panose="02070309020205020404" pitchFamily="49" charset="0"/>
+              </a:rPr>
+              <a:t>least</a:t>
+            </a:r>
+            <a:r>
+              <a:rPr lang="nl-NL" sz="1600" dirty="0">
+                <a:latin typeface="Courier New" panose="02070309020205020404" pitchFamily="49" charset="0"/>
+                <a:cs typeface="Courier New" panose="02070309020205020404" pitchFamily="49" charset="0"/>
+              </a:rPr>
+              <a:t> 3 </a:t>
+            </a:r>
+            <a:r>
+              <a:rPr lang="nl-NL" sz="1600" dirty="0" err="1">
+                <a:latin typeface="Courier New" panose="02070309020205020404" pitchFamily="49" charset="0"/>
+                <a:cs typeface="Courier New" panose="02070309020205020404" pitchFamily="49" charset="0"/>
+              </a:rPr>
+              <a:t>problems</a:t>
+            </a:r>
+            <a:r>
+              <a:rPr lang="nl-NL" sz="1600" dirty="0">
+                <a:latin typeface="Courier New" panose="02070309020205020404" pitchFamily="49" charset="0"/>
+                <a:cs typeface="Courier New" panose="02070309020205020404" pitchFamily="49" charset="0"/>
+              </a:rPr>
+              <a:t>.</a:t>
+            </a:r>
+            <a:endParaRPr lang="nl-NL" sz="1600" dirty="0">
+              <a:latin typeface="Courier New" panose="02070309020205020404" pitchFamily="49" charset="0"/>
+              <a:cs typeface="Courier New" panose="02070309020205020404" pitchFamily="49" charset="0"/>
+            </a:endParaRPr>
+          </a:p>
+          <a:p>
+            <a:pPr>
+              <a:buFont typeface="+mj-lt"/>
+              <a:buAutoNum type="arabicPeriod"/>
+            </a:pPr>
+            <a:endParaRPr lang="nl-NL" sz="1400" dirty="0">
+              <a:latin typeface="Courier New" panose="02070309020205020404" pitchFamily="49" charset="0"/>
+              <a:cs typeface="Courier New" panose="02070309020205020404" pitchFamily="49" charset="0"/>
+            </a:endParaRPr>
+          </a:p>
+          <a:p>
+            <a:pPr marL="0" indent="0">
+              <a:buNone/>
+            </a:pPr>
+            <a:endParaRPr lang="nl-NL" sz="1400" dirty="0">
+              <a:latin typeface="Courier New" panose="02070309020205020404" pitchFamily="49" charset="0"/>
+              <a:cs typeface="Courier New" panose="02070309020205020404" pitchFamily="49" charset="0"/>
+            </a:endParaRPr>
+          </a:p>
+          <a:p>
+            <a:pPr marL="0" indent="0">
+              <a:buNone/>
+            </a:pPr>
+            <a:endParaRPr lang="nl-NL" sz="1400" dirty="0">
+              <a:latin typeface="Courier New" panose="02070309020205020404" pitchFamily="49" charset="0"/>
+              <a:cs typeface="Courier New" panose="02070309020205020404" pitchFamily="49" charset="0"/>
+            </a:endParaRPr>
+          </a:p>
+          <a:p>
+            <a:pPr marL="0" indent="0">
+              <a:buNone/>
+            </a:pPr>
+            <a:endParaRPr lang="nl-NL" sz="1400" dirty="0">
+              <a:latin typeface="Courier New" panose="02070309020205020404" pitchFamily="49" charset="0"/>
+              <a:cs typeface="Courier New" panose="02070309020205020404" pitchFamily="49" charset="0"/>
+            </a:endParaRPr>
+          </a:p>
+          <a:p>
+            <a:pPr marL="0" indent="0">
+              <a:buNone/>
+            </a:pPr>
+            <a:endParaRPr lang="nl-NL" sz="1400" dirty="0">
+              <a:latin typeface="Courier New" panose="02070309020205020404" pitchFamily="49" charset="0"/>
+              <a:cs typeface="Courier New" panose="02070309020205020404" pitchFamily="49" charset="0"/>
+            </a:endParaRPr>
+          </a:p>
+        </p:txBody>
+      </p:sp>
+    </p:spTree>
+    <p:extLst>
+      <p:ext uri="{BB962C8B-B14F-4D97-AF65-F5344CB8AC3E}">
+        <p14:creationId xmlns:p14="http://schemas.microsoft.com/office/powerpoint/2010/main" val="615029768"/>
+      </p:ext>
+    </p:extLst>
+  </p:cSld>
+  <p:clrMapOvr>
+    <a:masterClrMapping/>
+  </p:clrMapOvr>
+</p:sld>
+</file>
+
+<file path=ppt/slides/slide14.xml><?xml version="1.0" encoding="utf-8"?>
+<p:sld xmlns:a="http://schemas.openxmlformats.org/drawingml/2006/main" xmlns:r="http://schemas.openxmlformats.org/officeDocument/2006/relationships" xmlns:p="http://schemas.openxmlformats.org/presentationml/2006/main">
+  <p:cSld>
+    <p:spTree>
+      <p:nvGrpSpPr>
+        <p:cNvPr id="1" name=""/>
+        <p:cNvGrpSpPr/>
+        <p:nvPr/>
+      </p:nvGrpSpPr>
+      <p:grpSpPr>
+        <a:xfrm>
+          <a:off x="0" y="0"/>
+          <a:ext cx="0" cy="0"/>
+          <a:chOff x="0" y="0"/>
+          <a:chExt cx="0" cy="0"/>
+        </a:xfrm>
+      </p:grpSpPr>
+      <p:sp>
+        <p:nvSpPr>
+          <p:cNvPr id="2" name="Titel 1"/>
+          <p:cNvSpPr>
+            <a:spLocks noGrp="1"/>
+          </p:cNvSpPr>
+          <p:nvPr>
+            <p:ph type="title"/>
+          </p:nvPr>
+        </p:nvSpPr>
+        <p:spPr/>
+        <p:txBody>
+          <a:bodyPr/>
+          <a:lstStyle/>
+          <a:p>
+            <a:r>
+              <a:rPr lang="nl-NL" dirty="0" err="1" smtClean="0"/>
+              <a:t>Cosine</a:t>
+            </a:r>
+            <a:r>
+              <a:rPr lang="nl-NL" dirty="0" smtClean="0"/>
+              <a:t> </a:t>
+            </a:r>
+            <a:r>
+              <a:rPr lang="nl-NL" dirty="0" err="1" smtClean="0"/>
+              <a:t>similarity</a:t>
+            </a:r>
+            <a:endParaRPr lang="nl-NL" dirty="0"/>
+          </a:p>
+        </p:txBody>
+      </p:sp>
+      <p:sp>
+        <p:nvSpPr>
+          <p:cNvPr id="3" name="Tijdelijke aanduiding voor inhoud 2"/>
+          <p:cNvSpPr>
+            <a:spLocks noGrp="1"/>
+          </p:cNvSpPr>
+          <p:nvPr>
+            <p:ph idx="1"/>
+          </p:nvPr>
+        </p:nvSpPr>
+        <p:spPr>
+          <a:xfrm>
+            <a:off x="2286000" y="1762126"/>
+            <a:ext cx="7881938" cy="4081117"/>
+          </a:xfrm>
+        </p:spPr>
+        <p:txBody>
+          <a:bodyPr/>
+          <a:lstStyle/>
+          <a:p>
+            <a:r>
+              <a:rPr lang="nl-NL" sz="2400" dirty="0" err="1"/>
+              <a:t>When</a:t>
+            </a:r>
+            <a:r>
+              <a:rPr lang="nl-NL" sz="2400" dirty="0"/>
+              <a:t> the </a:t>
+            </a:r>
+            <a:r>
+              <a:rPr lang="nl-NL" sz="2400" i="1" dirty="0" err="1"/>
+              <a:t>direction</a:t>
+            </a:r>
+            <a:r>
+              <a:rPr lang="nl-NL" sz="2400" dirty="0"/>
+              <a:t> is more important </a:t>
+            </a:r>
+            <a:r>
+              <a:rPr lang="nl-NL" sz="2400" dirty="0" err="1"/>
+              <a:t>than</a:t>
+            </a:r>
+            <a:r>
+              <a:rPr lang="nl-NL" sz="2400" dirty="0"/>
+              <a:t> the </a:t>
+            </a:r>
+            <a:r>
+              <a:rPr lang="nl-NL" sz="2400" i="1" dirty="0"/>
+              <a:t>magnitude</a:t>
+            </a:r>
+            <a:r>
+              <a:rPr lang="nl-NL" sz="2400" dirty="0"/>
+              <a:t>, </a:t>
+            </a:r>
+            <a:r>
+              <a:rPr lang="nl-NL" sz="2400" dirty="0" err="1"/>
+              <a:t>cosine</a:t>
+            </a:r>
+            <a:r>
+              <a:rPr lang="nl-NL" sz="2400" dirty="0"/>
+              <a:t> </a:t>
+            </a:r>
+            <a:r>
+              <a:rPr lang="nl-NL" sz="2400" dirty="0" err="1"/>
+              <a:t>similarity</a:t>
+            </a:r>
+            <a:r>
+              <a:rPr lang="nl-NL" sz="2400" dirty="0"/>
+              <a:t> </a:t>
+            </a:r>
+            <a:r>
+              <a:rPr lang="nl-NL" sz="2400" dirty="0" err="1"/>
+              <a:t>works</a:t>
+            </a:r>
+            <a:r>
+              <a:rPr lang="nl-NL" sz="2400" dirty="0"/>
+              <a:t> </a:t>
+            </a:r>
+            <a:r>
+              <a:rPr lang="nl-NL" sz="2400" dirty="0" err="1"/>
+              <a:t>better</a:t>
+            </a:r>
+            <a:r>
+              <a:rPr lang="nl-NL" sz="2400" dirty="0"/>
+              <a:t> </a:t>
+            </a:r>
+            <a:r>
+              <a:rPr lang="nl-NL" sz="2400" dirty="0" err="1"/>
+              <a:t>than</a:t>
+            </a:r>
+            <a:r>
+              <a:rPr lang="nl-NL" sz="2400" dirty="0"/>
+              <a:t> </a:t>
+            </a:r>
+            <a:r>
+              <a:rPr lang="nl-NL" sz="2400" dirty="0" err="1"/>
+              <a:t>Euclidean</a:t>
+            </a:r>
+            <a:r>
+              <a:rPr lang="nl-NL" sz="2400" dirty="0"/>
+              <a:t> </a:t>
+            </a:r>
+            <a:r>
+              <a:rPr lang="nl-NL" sz="2400" dirty="0" err="1"/>
+              <a:t>distance</a:t>
+            </a:r>
+            <a:endParaRPr lang="nl-NL" sz="2400" dirty="0"/>
+          </a:p>
+          <a:p>
+            <a:endParaRPr lang="nl-NL" sz="2400" dirty="0"/>
+          </a:p>
+          <a:p>
+            <a:r>
+              <a:rPr lang="nl-NL" sz="2400" dirty="0" err="1"/>
+              <a:t>Cosine</a:t>
+            </a:r>
+            <a:r>
+              <a:rPr lang="nl-NL" sz="2400" dirty="0"/>
+              <a:t> </a:t>
+            </a:r>
+            <a:r>
+              <a:rPr lang="nl-NL" sz="2400" dirty="0" err="1"/>
+              <a:t>similarity</a:t>
+            </a:r>
+            <a:r>
+              <a:rPr lang="nl-NL" sz="2400" dirty="0"/>
+              <a:t> is the </a:t>
+            </a:r>
+            <a:r>
+              <a:rPr lang="nl-NL" sz="2400" i="1" dirty="0" err="1"/>
+              <a:t>angle</a:t>
+            </a:r>
+            <a:r>
+              <a:rPr lang="nl-NL" sz="2400" dirty="0"/>
+              <a:t> </a:t>
+            </a:r>
+            <a:r>
+              <a:rPr lang="nl-NL" sz="2400" dirty="0" err="1"/>
+              <a:t>between</a:t>
+            </a:r>
+            <a:r>
+              <a:rPr lang="nl-NL" sz="2400" dirty="0"/>
+              <a:t> the </a:t>
+            </a:r>
+            <a:r>
+              <a:rPr lang="nl-NL" sz="2400" dirty="0" err="1"/>
+              <a:t>vectors</a:t>
+            </a:r>
+            <a:r>
+              <a:rPr lang="nl-NL" sz="2400" dirty="0"/>
+              <a:t> of the </a:t>
+            </a:r>
+            <a:r>
+              <a:rPr lang="nl-NL" sz="2400" dirty="0" err="1"/>
+              <a:t>two</a:t>
+            </a:r>
+            <a:r>
+              <a:rPr lang="nl-NL" sz="2400" dirty="0"/>
+              <a:t> users</a:t>
+            </a:r>
+          </a:p>
+          <a:p>
+            <a:endParaRPr lang="nl-NL" sz="2400" dirty="0"/>
+          </a:p>
+          <a:p>
+            <a:r>
+              <a:rPr lang="nl-NL" sz="2400" dirty="0"/>
+              <a:t>As users </a:t>
+            </a:r>
+            <a:r>
+              <a:rPr lang="nl-NL" sz="2400" dirty="0" err="1"/>
+              <a:t>use</a:t>
+            </a:r>
+            <a:r>
+              <a:rPr lang="nl-NL" sz="2400" dirty="0"/>
+              <a:t> different rating magnitudes (</a:t>
+            </a:r>
+            <a:r>
+              <a:rPr lang="nl-NL" sz="2400" dirty="0" err="1"/>
+              <a:t>some</a:t>
+            </a:r>
+            <a:r>
+              <a:rPr lang="nl-NL" sz="2400" dirty="0"/>
+              <a:t> </a:t>
+            </a:r>
+            <a:r>
+              <a:rPr lang="nl-NL" sz="2400" dirty="0" err="1"/>
+              <a:t>very</a:t>
+            </a:r>
+            <a:r>
+              <a:rPr lang="nl-NL" sz="2400" dirty="0"/>
+              <a:t> </a:t>
+            </a:r>
+            <a:r>
+              <a:rPr lang="nl-NL" sz="2400" dirty="0" err="1"/>
+              <a:t>positive</a:t>
+            </a:r>
+            <a:r>
+              <a:rPr lang="nl-NL" sz="2400" dirty="0"/>
+              <a:t>, </a:t>
+            </a:r>
+            <a:r>
+              <a:rPr lang="nl-NL" sz="2400" dirty="0" err="1"/>
+              <a:t>some</a:t>
+            </a:r>
+            <a:r>
+              <a:rPr lang="nl-NL" sz="2400" dirty="0"/>
+              <a:t> more </a:t>
+            </a:r>
+            <a:r>
+              <a:rPr lang="nl-NL" sz="2400" dirty="0" err="1"/>
+              <a:t>negative</a:t>
+            </a:r>
+            <a:r>
+              <a:rPr lang="nl-NL" sz="2400" dirty="0"/>
+              <a:t>), we </a:t>
+            </a:r>
+            <a:r>
+              <a:rPr lang="nl-NL" sz="2400" dirty="0" err="1"/>
+              <a:t>use</a:t>
+            </a:r>
+            <a:r>
+              <a:rPr lang="nl-NL" sz="2400" dirty="0"/>
+              <a:t> the </a:t>
+            </a:r>
+            <a:r>
+              <a:rPr lang="nl-NL" sz="2400" dirty="0" err="1"/>
+              <a:t>cosine</a:t>
+            </a:r>
+            <a:r>
+              <a:rPr lang="nl-NL" sz="2400" dirty="0"/>
+              <a:t> </a:t>
+            </a:r>
+            <a:r>
+              <a:rPr lang="nl-NL" sz="2400" dirty="0" err="1"/>
+              <a:t>similarity</a:t>
+            </a:r>
+            <a:endParaRPr lang="nl-NL" sz="2400" dirty="0"/>
+          </a:p>
+        </p:txBody>
+      </p:sp>
+    </p:spTree>
+    <p:extLst>
+      <p:ext uri="{BB962C8B-B14F-4D97-AF65-F5344CB8AC3E}">
+        <p14:creationId xmlns:p14="http://schemas.microsoft.com/office/powerpoint/2010/main" val="1716792580"/>
+      </p:ext>
+    </p:extLst>
+  </p:cSld>
+  <p:clrMapOvr>
+    <a:masterClrMapping/>
+  </p:clrMapOvr>
 </p:sld>
 </file>
 
@@ -7624,7 +12179,6 @@
               <a:rPr lang="nl-NL" i="1" dirty="0"/>
               <a:t> more…</a:t>
             </a:r>
-            <a:endParaRPr lang="nl-NL" i="1" dirty="0"/>
           </a:p>
         </p:txBody>
       </p:sp>
@@ -7679,11 +12233,7 @@
             </a:r>
             <a:r>
               <a:rPr lang="nl-NL" dirty="0" smtClean="0"/>
-              <a:t> </a:t>
-            </a:r>
-            <a:r>
-              <a:rPr lang="nl-NL" dirty="0" smtClean="0"/>
-              <a:t>2</a:t>
+              <a:t> 2</a:t>
             </a:r>
             <a:endParaRPr lang="nl-NL" dirty="0"/>
           </a:p>
@@ -9454,4 +14004,508 @@
     </a:extraClrScheme>
   </a:extraClrSchemeLst>
 </a:theme>
+</file>
+
+<file path=ppt/theme/themeOverride1.xml><?xml version="1.0" encoding="utf-8"?>
+<a:themeOverride xmlns:a="http://schemas.openxmlformats.org/drawingml/2006/main">
+  <a:clrScheme name="Kantoor">
+    <a:dk1>
+      <a:sysClr val="windowText" lastClr="000000"/>
+    </a:dk1>
+    <a:lt1>
+      <a:sysClr val="window" lastClr="FFFFFF"/>
+    </a:lt1>
+    <a:dk2>
+      <a:srgbClr val="44546A"/>
+    </a:dk2>
+    <a:lt2>
+      <a:srgbClr val="E7E6E6"/>
+    </a:lt2>
+    <a:accent1>
+      <a:srgbClr val="5B9BD5"/>
+    </a:accent1>
+    <a:accent2>
+      <a:srgbClr val="ED7D31"/>
+    </a:accent2>
+    <a:accent3>
+      <a:srgbClr val="A5A5A5"/>
+    </a:accent3>
+    <a:accent4>
+      <a:srgbClr val="FFC000"/>
+    </a:accent4>
+    <a:accent5>
+      <a:srgbClr val="4472C4"/>
+    </a:accent5>
+    <a:accent6>
+      <a:srgbClr val="70AD47"/>
+    </a:accent6>
+    <a:hlink>
+      <a:srgbClr val="0563C1"/>
+    </a:hlink>
+    <a:folHlink>
+      <a:srgbClr val="954F72"/>
+    </a:folHlink>
+  </a:clrScheme>
+  <a:fontScheme name="Kantoor">
+    <a:majorFont>
+      <a:latin typeface="Calibri Light" panose="020F0302020204030204"/>
+      <a:ea typeface=""/>
+      <a:cs typeface=""/>
+      <a:font script="Jpan" typeface="游ゴシック Light"/>
+      <a:font script="Hang" typeface="맑은 고딕"/>
+      <a:font script="Hans" typeface="等线 Light"/>
+      <a:font script="Hant" typeface="新細明體"/>
+      <a:font script="Arab" typeface="Times New Roman"/>
+      <a:font script="Hebr" typeface="Times New Roman"/>
+      <a:font script="Thai" typeface="Tahoma"/>
+      <a:font script="Ethi" typeface="Nyala"/>
+      <a:font script="Beng" typeface="Vrinda"/>
+      <a:font script="Gujr" typeface="Shruti"/>
+      <a:font script="Khmr" typeface="MoolBoran"/>
+      <a:font script="Knda" typeface="Tunga"/>
+      <a:font script="Guru" typeface="Raavi"/>
+      <a:font script="Cans" typeface="Euphemia"/>
+      <a:font script="Cher" typeface="Plantagenet Cherokee"/>
+      <a:font script="Yiii" typeface="Microsoft Yi Baiti"/>
+      <a:font script="Tibt" typeface="Microsoft Himalaya"/>
+      <a:font script="Thaa" typeface="MV Boli"/>
+      <a:font script="Deva" typeface="Mangal"/>
+      <a:font script="Telu" typeface="Gautami"/>
+      <a:font script="Taml" typeface="Latha"/>
+      <a:font script="Syrc" typeface="Estrangelo Edessa"/>
+      <a:font script="Orya" typeface="Kalinga"/>
+      <a:font script="Mlym" typeface="Kartika"/>
+      <a:font script="Laoo" typeface="DokChampa"/>
+      <a:font script="Sinh" typeface="Iskoola Pota"/>
+      <a:font script="Mong" typeface="Mongolian Baiti"/>
+      <a:font script="Viet" typeface="Times New Roman"/>
+      <a:font script="Uigh" typeface="Microsoft Uighur"/>
+      <a:font script="Geor" typeface="Sylfaen"/>
+    </a:majorFont>
+    <a:minorFont>
+      <a:latin typeface="Calibri" panose="020F0502020204030204"/>
+      <a:ea typeface=""/>
+      <a:cs typeface=""/>
+      <a:font script="Jpan" typeface="游ゴシック"/>
+      <a:font script="Hang" typeface="맑은 고딕"/>
+      <a:font script="Hans" typeface="等线"/>
+      <a:font script="Hant" typeface="新細明體"/>
+      <a:font script="Arab" typeface="Arial"/>
+      <a:font script="Hebr" typeface="Arial"/>
+      <a:font script="Thai" typeface="Tahoma"/>
+      <a:font script="Ethi" typeface="Nyala"/>
+      <a:font script="Beng" typeface="Vrinda"/>
+      <a:font script="Gujr" typeface="Shruti"/>
+      <a:font script="Khmr" typeface="DaunPenh"/>
+      <a:font script="Knda" typeface="Tunga"/>
+      <a:font script="Guru" typeface="Raavi"/>
+      <a:font script="Cans" typeface="Euphemia"/>
+      <a:font script="Cher" typeface="Plantagenet Cherokee"/>
+      <a:font script="Yiii" typeface="Microsoft Yi Baiti"/>
+      <a:font script="Tibt" typeface="Microsoft Himalaya"/>
+      <a:font script="Thaa" typeface="MV Boli"/>
+      <a:font script="Deva" typeface="Mangal"/>
+      <a:font script="Telu" typeface="Gautami"/>
+      <a:font script="Taml" typeface="Latha"/>
+      <a:font script="Syrc" typeface="Estrangelo Edessa"/>
+      <a:font script="Orya" typeface="Kalinga"/>
+      <a:font script="Mlym" typeface="Kartika"/>
+      <a:font script="Laoo" typeface="DokChampa"/>
+      <a:font script="Sinh" typeface="Iskoola Pota"/>
+      <a:font script="Mong" typeface="Mongolian Baiti"/>
+      <a:font script="Viet" typeface="Arial"/>
+      <a:font script="Uigh" typeface="Microsoft Uighur"/>
+      <a:font script="Geor" typeface="Sylfaen"/>
+    </a:minorFont>
+  </a:fontScheme>
+  <a:fmtScheme name="Kantoor">
+    <a:fillStyleLst>
+      <a:solidFill>
+        <a:schemeClr val="phClr"/>
+      </a:solidFill>
+      <a:gradFill rotWithShape="1">
+        <a:gsLst>
+          <a:gs pos="0">
+            <a:schemeClr val="phClr">
+              <a:lumMod val="110000"/>
+              <a:satMod val="105000"/>
+              <a:tint val="67000"/>
+            </a:schemeClr>
+          </a:gs>
+          <a:gs pos="50000">
+            <a:schemeClr val="phClr">
+              <a:lumMod val="105000"/>
+              <a:satMod val="103000"/>
+              <a:tint val="73000"/>
+            </a:schemeClr>
+          </a:gs>
+          <a:gs pos="100000">
+            <a:schemeClr val="phClr">
+              <a:lumMod val="105000"/>
+              <a:satMod val="109000"/>
+              <a:tint val="81000"/>
+            </a:schemeClr>
+          </a:gs>
+        </a:gsLst>
+        <a:lin ang="5400000" scaled="0"/>
+      </a:gradFill>
+      <a:gradFill rotWithShape="1">
+        <a:gsLst>
+          <a:gs pos="0">
+            <a:schemeClr val="phClr">
+              <a:satMod val="103000"/>
+              <a:lumMod val="102000"/>
+              <a:tint val="94000"/>
+            </a:schemeClr>
+          </a:gs>
+          <a:gs pos="50000">
+            <a:schemeClr val="phClr">
+              <a:satMod val="110000"/>
+              <a:lumMod val="100000"/>
+              <a:shade val="100000"/>
+            </a:schemeClr>
+          </a:gs>
+          <a:gs pos="100000">
+            <a:schemeClr val="phClr">
+              <a:lumMod val="99000"/>
+              <a:satMod val="120000"/>
+              <a:shade val="78000"/>
+            </a:schemeClr>
+          </a:gs>
+        </a:gsLst>
+        <a:lin ang="5400000" scaled="0"/>
+      </a:gradFill>
+    </a:fillStyleLst>
+    <a:lnStyleLst>
+      <a:ln w="6350" cap="flat" cmpd="sng" algn="ctr">
+        <a:solidFill>
+          <a:schemeClr val="phClr"/>
+        </a:solidFill>
+        <a:prstDash val="solid"/>
+        <a:miter lim="800000"/>
+      </a:ln>
+      <a:ln w="12700" cap="flat" cmpd="sng" algn="ctr">
+        <a:solidFill>
+          <a:schemeClr val="phClr"/>
+        </a:solidFill>
+        <a:prstDash val="solid"/>
+        <a:miter lim="800000"/>
+      </a:ln>
+      <a:ln w="19050" cap="flat" cmpd="sng" algn="ctr">
+        <a:solidFill>
+          <a:schemeClr val="phClr"/>
+        </a:solidFill>
+        <a:prstDash val="solid"/>
+        <a:miter lim="800000"/>
+      </a:ln>
+    </a:lnStyleLst>
+    <a:effectStyleLst>
+      <a:effectStyle>
+        <a:effectLst/>
+      </a:effectStyle>
+      <a:effectStyle>
+        <a:effectLst/>
+      </a:effectStyle>
+      <a:effectStyle>
+        <a:effectLst>
+          <a:outerShdw blurRad="57150" dist="19050" dir="5400000" algn="ctr" rotWithShape="0">
+            <a:srgbClr val="000000">
+              <a:alpha val="63000"/>
+            </a:srgbClr>
+          </a:outerShdw>
+        </a:effectLst>
+      </a:effectStyle>
+    </a:effectStyleLst>
+    <a:bgFillStyleLst>
+      <a:solidFill>
+        <a:schemeClr val="phClr"/>
+      </a:solidFill>
+      <a:solidFill>
+        <a:schemeClr val="phClr">
+          <a:tint val="95000"/>
+          <a:satMod val="170000"/>
+        </a:schemeClr>
+      </a:solidFill>
+      <a:gradFill rotWithShape="1">
+        <a:gsLst>
+          <a:gs pos="0">
+            <a:schemeClr val="phClr">
+              <a:tint val="93000"/>
+              <a:satMod val="150000"/>
+              <a:shade val="98000"/>
+              <a:lumMod val="102000"/>
+            </a:schemeClr>
+          </a:gs>
+          <a:gs pos="50000">
+            <a:schemeClr val="phClr">
+              <a:tint val="98000"/>
+              <a:satMod val="130000"/>
+              <a:shade val="90000"/>
+              <a:lumMod val="103000"/>
+            </a:schemeClr>
+          </a:gs>
+          <a:gs pos="100000">
+            <a:schemeClr val="phClr">
+              <a:shade val="63000"/>
+              <a:satMod val="120000"/>
+            </a:schemeClr>
+          </a:gs>
+        </a:gsLst>
+        <a:lin ang="5400000" scaled="0"/>
+      </a:gradFill>
+    </a:bgFillStyleLst>
+  </a:fmtScheme>
+</a:themeOverride>
+</file>
+
+<file path=ppt/theme/themeOverride2.xml><?xml version="1.0" encoding="utf-8"?>
+<a:themeOverride xmlns:a="http://schemas.openxmlformats.org/drawingml/2006/main">
+  <a:clrScheme name="Kantoor">
+    <a:dk1>
+      <a:sysClr val="windowText" lastClr="000000"/>
+    </a:dk1>
+    <a:lt1>
+      <a:sysClr val="window" lastClr="FFFFFF"/>
+    </a:lt1>
+    <a:dk2>
+      <a:srgbClr val="44546A"/>
+    </a:dk2>
+    <a:lt2>
+      <a:srgbClr val="E7E6E6"/>
+    </a:lt2>
+    <a:accent1>
+      <a:srgbClr val="5B9BD5"/>
+    </a:accent1>
+    <a:accent2>
+      <a:srgbClr val="ED7D31"/>
+    </a:accent2>
+    <a:accent3>
+      <a:srgbClr val="A5A5A5"/>
+    </a:accent3>
+    <a:accent4>
+      <a:srgbClr val="FFC000"/>
+    </a:accent4>
+    <a:accent5>
+      <a:srgbClr val="4472C4"/>
+    </a:accent5>
+    <a:accent6>
+      <a:srgbClr val="70AD47"/>
+    </a:accent6>
+    <a:hlink>
+      <a:srgbClr val="0563C1"/>
+    </a:hlink>
+    <a:folHlink>
+      <a:srgbClr val="954F72"/>
+    </a:folHlink>
+  </a:clrScheme>
+  <a:fontScheme name="Kantoor">
+    <a:majorFont>
+      <a:latin typeface="Calibri Light" panose="020F0302020204030204"/>
+      <a:ea typeface=""/>
+      <a:cs typeface=""/>
+      <a:font script="Jpan" typeface="游ゴシック Light"/>
+      <a:font script="Hang" typeface="맑은 고딕"/>
+      <a:font script="Hans" typeface="等线 Light"/>
+      <a:font script="Hant" typeface="新細明體"/>
+      <a:font script="Arab" typeface="Times New Roman"/>
+      <a:font script="Hebr" typeface="Times New Roman"/>
+      <a:font script="Thai" typeface="Tahoma"/>
+      <a:font script="Ethi" typeface="Nyala"/>
+      <a:font script="Beng" typeface="Vrinda"/>
+      <a:font script="Gujr" typeface="Shruti"/>
+      <a:font script="Khmr" typeface="MoolBoran"/>
+      <a:font script="Knda" typeface="Tunga"/>
+      <a:font script="Guru" typeface="Raavi"/>
+      <a:font script="Cans" typeface="Euphemia"/>
+      <a:font script="Cher" typeface="Plantagenet Cherokee"/>
+      <a:font script="Yiii" typeface="Microsoft Yi Baiti"/>
+      <a:font script="Tibt" typeface="Microsoft Himalaya"/>
+      <a:font script="Thaa" typeface="MV Boli"/>
+      <a:font script="Deva" typeface="Mangal"/>
+      <a:font script="Telu" typeface="Gautami"/>
+      <a:font script="Taml" typeface="Latha"/>
+      <a:font script="Syrc" typeface="Estrangelo Edessa"/>
+      <a:font script="Orya" typeface="Kalinga"/>
+      <a:font script="Mlym" typeface="Kartika"/>
+      <a:font script="Laoo" typeface="DokChampa"/>
+      <a:font script="Sinh" typeface="Iskoola Pota"/>
+      <a:font script="Mong" typeface="Mongolian Baiti"/>
+      <a:font script="Viet" typeface="Times New Roman"/>
+      <a:font script="Uigh" typeface="Microsoft Uighur"/>
+      <a:font script="Geor" typeface="Sylfaen"/>
+    </a:majorFont>
+    <a:minorFont>
+      <a:latin typeface="Calibri" panose="020F0502020204030204"/>
+      <a:ea typeface=""/>
+      <a:cs typeface=""/>
+      <a:font script="Jpan" typeface="游ゴシック"/>
+      <a:font script="Hang" typeface="맑은 고딕"/>
+      <a:font script="Hans" typeface="等线"/>
+      <a:font script="Hant" typeface="新細明體"/>
+      <a:font script="Arab" typeface="Arial"/>
+      <a:font script="Hebr" typeface="Arial"/>
+      <a:font script="Thai" typeface="Tahoma"/>
+      <a:font script="Ethi" typeface="Nyala"/>
+      <a:font script="Beng" typeface="Vrinda"/>
+      <a:font script="Gujr" typeface="Shruti"/>
+      <a:font script="Khmr" typeface="DaunPenh"/>
+      <a:font script="Knda" typeface="Tunga"/>
+      <a:font script="Guru" typeface="Raavi"/>
+      <a:font script="Cans" typeface="Euphemia"/>
+      <a:font script="Cher" typeface="Plantagenet Cherokee"/>
+      <a:font script="Yiii" typeface="Microsoft Yi Baiti"/>
+      <a:font script="Tibt" typeface="Microsoft Himalaya"/>
+      <a:font script="Thaa" typeface="MV Boli"/>
+      <a:font script="Deva" typeface="Mangal"/>
+      <a:font script="Telu" typeface="Gautami"/>
+      <a:font script="Taml" typeface="Latha"/>
+      <a:font script="Syrc" typeface="Estrangelo Edessa"/>
+      <a:font script="Orya" typeface="Kalinga"/>
+      <a:font script="Mlym" typeface="Kartika"/>
+      <a:font script="Laoo" typeface="DokChampa"/>
+      <a:font script="Sinh" typeface="Iskoola Pota"/>
+      <a:font script="Mong" typeface="Mongolian Baiti"/>
+      <a:font script="Viet" typeface="Arial"/>
+      <a:font script="Uigh" typeface="Microsoft Uighur"/>
+      <a:font script="Geor" typeface="Sylfaen"/>
+    </a:minorFont>
+  </a:fontScheme>
+  <a:fmtScheme name="Kantoor">
+    <a:fillStyleLst>
+      <a:solidFill>
+        <a:schemeClr val="phClr"/>
+      </a:solidFill>
+      <a:gradFill rotWithShape="1">
+        <a:gsLst>
+          <a:gs pos="0">
+            <a:schemeClr val="phClr">
+              <a:lumMod val="110000"/>
+              <a:satMod val="105000"/>
+              <a:tint val="67000"/>
+            </a:schemeClr>
+          </a:gs>
+          <a:gs pos="50000">
+            <a:schemeClr val="phClr">
+              <a:lumMod val="105000"/>
+              <a:satMod val="103000"/>
+              <a:tint val="73000"/>
+            </a:schemeClr>
+          </a:gs>
+          <a:gs pos="100000">
+            <a:schemeClr val="phClr">
+              <a:lumMod val="105000"/>
+              <a:satMod val="109000"/>
+              <a:tint val="81000"/>
+            </a:schemeClr>
+          </a:gs>
+        </a:gsLst>
+        <a:lin ang="5400000" scaled="0"/>
+      </a:gradFill>
+      <a:gradFill rotWithShape="1">
+        <a:gsLst>
+          <a:gs pos="0">
+            <a:schemeClr val="phClr">
+              <a:satMod val="103000"/>
+              <a:lumMod val="102000"/>
+              <a:tint val="94000"/>
+            </a:schemeClr>
+          </a:gs>
+          <a:gs pos="50000">
+            <a:schemeClr val="phClr">
+              <a:satMod val="110000"/>
+              <a:lumMod val="100000"/>
+              <a:shade val="100000"/>
+            </a:schemeClr>
+          </a:gs>
+          <a:gs pos="100000">
+            <a:schemeClr val="phClr">
+              <a:lumMod val="99000"/>
+              <a:satMod val="120000"/>
+              <a:shade val="78000"/>
+            </a:schemeClr>
+          </a:gs>
+        </a:gsLst>
+        <a:lin ang="5400000" scaled="0"/>
+      </a:gradFill>
+    </a:fillStyleLst>
+    <a:lnStyleLst>
+      <a:ln w="6350" cap="flat" cmpd="sng" algn="ctr">
+        <a:solidFill>
+          <a:schemeClr val="phClr"/>
+        </a:solidFill>
+        <a:prstDash val="solid"/>
+        <a:miter lim="800000"/>
+      </a:ln>
+      <a:ln w="12700" cap="flat" cmpd="sng" algn="ctr">
+        <a:solidFill>
+          <a:schemeClr val="phClr"/>
+        </a:solidFill>
+        <a:prstDash val="solid"/>
+        <a:miter lim="800000"/>
+      </a:ln>
+      <a:ln w="19050" cap="flat" cmpd="sng" algn="ctr">
+        <a:solidFill>
+          <a:schemeClr val="phClr"/>
+        </a:solidFill>
+        <a:prstDash val="solid"/>
+        <a:miter lim="800000"/>
+      </a:ln>
+    </a:lnStyleLst>
+    <a:effectStyleLst>
+      <a:effectStyle>
+        <a:effectLst/>
+      </a:effectStyle>
+      <a:effectStyle>
+        <a:effectLst/>
+      </a:effectStyle>
+      <a:effectStyle>
+        <a:effectLst>
+          <a:outerShdw blurRad="57150" dist="19050" dir="5400000" algn="ctr" rotWithShape="0">
+            <a:srgbClr val="000000">
+              <a:alpha val="63000"/>
+            </a:srgbClr>
+          </a:outerShdw>
+        </a:effectLst>
+      </a:effectStyle>
+    </a:effectStyleLst>
+    <a:bgFillStyleLst>
+      <a:solidFill>
+        <a:schemeClr val="phClr"/>
+      </a:solidFill>
+      <a:solidFill>
+        <a:schemeClr val="phClr">
+          <a:tint val="95000"/>
+          <a:satMod val="170000"/>
+        </a:schemeClr>
+      </a:solidFill>
+      <a:gradFill rotWithShape="1">
+        <a:gsLst>
+          <a:gs pos="0">
+            <a:schemeClr val="phClr">
+              <a:tint val="93000"/>
+              <a:satMod val="150000"/>
+              <a:shade val="98000"/>
+              <a:lumMod val="102000"/>
+            </a:schemeClr>
+          </a:gs>
+          <a:gs pos="50000">
+            <a:schemeClr val="phClr">
+              <a:tint val="98000"/>
+              <a:satMod val="130000"/>
+              <a:shade val="90000"/>
+              <a:lumMod val="103000"/>
+            </a:schemeClr>
+          </a:gs>
+          <a:gs pos="100000">
+            <a:schemeClr val="phClr">
+              <a:shade val="63000"/>
+              <a:satMod val="120000"/>
+            </a:schemeClr>
+          </a:gs>
+        </a:gsLst>
+        <a:lin ang="5400000" scaled="0"/>
+      </a:gradFill>
+    </a:bgFillStyleLst>
+  </a:fmtScheme>
+</a:themeOverride>
 </file>